--- a/PPTs/ProgramacionII_Clase_08-2018.pptx
+++ b/PPTs/ProgramacionII_Clase_08-2018.pptx
@@ -5,7 +5,7 @@
     <p:sldMasterId id="2147483648" r:id="rId1"/>
   </p:sldMasterIdLst>
   <p:notesMasterIdLst>
-    <p:notesMasterId r:id="rId13"/>
+    <p:notesMasterId r:id="rId14"/>
   </p:notesMasterIdLst>
   <p:sldIdLst>
     <p:sldId id="256" r:id="rId2"/>
@@ -16,9 +16,10 @@
     <p:sldId id="261" r:id="rId7"/>
     <p:sldId id="262" r:id="rId8"/>
     <p:sldId id="263" r:id="rId9"/>
-    <p:sldId id="264" r:id="rId10"/>
-    <p:sldId id="265" r:id="rId11"/>
-    <p:sldId id="266" r:id="rId12"/>
+    <p:sldId id="267" r:id="rId10"/>
+    <p:sldId id="264" r:id="rId11"/>
+    <p:sldId id="265" r:id="rId12"/>
+    <p:sldId id="266" r:id="rId13"/>
   </p:sldIdLst>
   <p:sldSz cx="12192000" cy="6858000"/>
   <p:notesSz cx="6858000" cy="9144000"/>
@@ -117,6 +118,11 @@
       </a:defRPr>
     </a:lvl9pPr>
   </p:defaultTextStyle>
+  <p:extLst>
+    <p:ext uri="{EFAFB233-063F-42B5-8137-9DF3F51BA10A}">
+      <p15:sldGuideLst xmlns:p15="http://schemas.microsoft.com/office/powerpoint/2012/main"/>
+    </p:ext>
+  </p:extLst>
 </p:presentation>
 </file>
 
@@ -202,7 +208,7 @@
           <a:p>
             <a:fld id="{FB2646D0-46D2-4721-BBED-74E7DEBDF0C0}" type="datetimeFigureOut">
               <a:rPr lang="es-AR" smtClean="0"/>
-              <a:t>05/09/2018</a:t>
+              <a:t>13/09/2018</a:t>
             </a:fld>
             <a:endParaRPr lang="es-AR"/>
           </a:p>
@@ -555,7 +561,7 @@
           <a:p>
             <a:fld id="{1983D195-945A-4F13-AB76-DD18FF8117E3}" type="slidenum">
               <a:rPr lang="es-AR" smtClean="0"/>
-              <a:t>9</a:t>
+              <a:t>10</a:t>
             </a:fld>
             <a:endParaRPr lang="es-AR"/>
           </a:p>
@@ -848,7 +854,7 @@
           <a:p>
             <a:fld id="{78ABE3C1-DBE1-495D-B57B-2849774B866A}" type="datetimeFigureOut">
               <a:rPr lang="en-US" dirty="0"/>
-              <a:t>9/5/2018</a:t>
+              <a:t>9/13/2018</a:t>
             </a:fld>
             <a:endParaRPr lang="en-US" dirty="0"/>
           </a:p>
@@ -1257,7 +1263,7 @@
           <a:p>
             <a:fld id="{446C117F-5CCF-4837-BE5F-2B92066CAFAF}" type="datetimeFigureOut">
               <a:rPr lang="en-US" dirty="0"/>
-              <a:t>9/5/2018</a:t>
+              <a:t>9/13/2018</a:t>
             </a:fld>
             <a:endParaRPr lang="en-US" dirty="0"/>
           </a:p>
@@ -1588,7 +1594,7 @@
           <a:p>
             <a:fld id="{84EB90BD-B6CE-46B7-997F-7313B992CCDC}" type="datetimeFigureOut">
               <a:rPr lang="en-US" dirty="0"/>
-              <a:t>9/5/2018</a:t>
+              <a:t>9/13/2018</a:t>
             </a:fld>
             <a:endParaRPr lang="en-US" dirty="0"/>
           </a:p>
@@ -1988,7 +1994,7 @@
           <a:p>
             <a:fld id="{CDB9D11F-B188-461D-B23F-39381795C052}" type="datetimeFigureOut">
               <a:rPr lang="en-US" dirty="0"/>
-              <a:t>9/5/2018</a:t>
+              <a:t>9/13/2018</a:t>
             </a:fld>
             <a:endParaRPr lang="en-US" dirty="0"/>
           </a:p>
@@ -2551,7 +2557,7 @@
           <a:p>
             <a:fld id="{52E6D8D9-55A2-4063-B0F3-121F44549695}" type="datetimeFigureOut">
               <a:rPr lang="en-US" dirty="0"/>
-              <a:t>9/5/2018</a:t>
+              <a:t>9/13/2018</a:t>
             </a:fld>
             <a:endParaRPr lang="en-US" dirty="0"/>
           </a:p>
@@ -3227,7 +3233,7 @@
           <a:p>
             <a:fld id="{D4B24536-994D-4021-A283-9F449C0DB509}" type="datetimeFigureOut">
               <a:rPr lang="en-US" dirty="0"/>
-              <a:t>9/5/2018</a:t>
+              <a:t>9/13/2018</a:t>
             </a:fld>
             <a:endParaRPr lang="en-US" dirty="0"/>
           </a:p>
@@ -4135,7 +4141,7 @@
           <a:p>
             <a:fld id="{3CBBBB78-C96F-47B7-AB17-D852CA960AC9}" type="datetimeFigureOut">
               <a:rPr lang="en-US" dirty="0"/>
-              <a:t>9/5/2018</a:t>
+              <a:t>9/13/2018</a:t>
             </a:fld>
             <a:endParaRPr lang="en-US" dirty="0"/>
           </a:p>
@@ -4443,7 +4449,7 @@
           <a:p>
             <a:fld id="{1FA3F48C-C7C6-4055-9F49-3777875E72AE}" type="datetimeFigureOut">
               <a:rPr lang="en-US" dirty="0"/>
-              <a:t>9/5/2018</a:t>
+              <a:t>9/13/2018</a:t>
             </a:fld>
             <a:endParaRPr lang="en-US" dirty="0"/>
           </a:p>
@@ -4702,7 +4708,7 @@
           <a:p>
             <a:fld id="{6178E61D-D431-422C-9764-11DAFE33AB63}" type="datetimeFigureOut">
               <a:rPr lang="en-US" dirty="0"/>
-              <a:t>9/5/2018</a:t>
+              <a:t>9/13/2018</a:t>
             </a:fld>
             <a:endParaRPr lang="en-US" dirty="0"/>
           </a:p>
@@ -5021,7 +5027,7 @@
           <a:p>
             <a:fld id="{12DE42F4-6EEF-4EF7-8ED4-2208F0F89A08}" type="datetimeFigureOut">
               <a:rPr lang="en-US" dirty="0"/>
-              <a:t>9/5/2018</a:t>
+              <a:t>9/13/2018</a:t>
             </a:fld>
             <a:endParaRPr lang="en-US" dirty="0"/>
           </a:p>
@@ -5405,7 +5411,7 @@
           <a:p>
             <a:fld id="{30578ACC-22D6-47C1-A373-4FD133E34F3C}" type="datetimeFigureOut">
               <a:rPr lang="en-US" dirty="0"/>
-              <a:t>9/5/2018</a:t>
+              <a:t>9/13/2018</a:t>
             </a:fld>
             <a:endParaRPr lang="en-US" dirty="0"/>
           </a:p>
@@ -5776,7 +5782,7 @@
           <a:p>
             <a:fld id="{4E5A6C69-6797-4E8A-BF37-F2C3751466E9}" type="datetimeFigureOut">
               <a:rPr lang="en-US" dirty="0"/>
-              <a:t>9/5/2018</a:t>
+              <a:t>9/13/2018</a:t>
             </a:fld>
             <a:endParaRPr lang="en-US" dirty="0"/>
           </a:p>
@@ -6277,7 +6283,7 @@
           <a:p>
             <a:fld id="{D82014A1-A632-4878-A0D3-F52BA7563730}" type="datetimeFigureOut">
               <a:rPr lang="en-US" dirty="0"/>
-              <a:t>9/5/2018</a:t>
+              <a:t>9/13/2018</a:t>
             </a:fld>
             <a:endParaRPr lang="en-US" dirty="0"/>
           </a:p>
@@ -6529,7 +6535,7 @@
           <a:p>
             <a:fld id="{CE99F462-093F-4566-844B-4C71F2739DA5}" type="datetimeFigureOut">
               <a:rPr lang="en-US" dirty="0"/>
-              <a:t>9/5/2018</a:t>
+              <a:t>9/13/2018</a:t>
             </a:fld>
             <a:endParaRPr lang="en-US" dirty="0"/>
           </a:p>
@@ -6687,7 +6693,7 @@
           <a:p>
             <a:fld id="{3D24A7AC-904D-4781-85BA-7D10C17ED021}" type="datetimeFigureOut">
               <a:rPr lang="en-US" dirty="0"/>
-              <a:t>9/5/2018</a:t>
+              <a:t>9/13/2018</a:t>
             </a:fld>
             <a:endParaRPr lang="en-US" dirty="0"/>
           </a:p>
@@ -7072,7 +7078,7 @@
           <a:p>
             <a:fld id="{E331444B-B92B-4E27-8C94-BB93EAF5CB18}" type="datetimeFigureOut">
               <a:rPr lang="en-US" dirty="0"/>
-              <a:t>9/5/2018</a:t>
+              <a:t>9/13/2018</a:t>
             </a:fld>
             <a:endParaRPr lang="en-US" dirty="0"/>
           </a:p>
@@ -7476,7 +7482,7 @@
           <a:p>
             <a:fld id="{363EFA5E-FA76-400D-B3DC-F0BA90E6D107}" type="datetimeFigureOut">
               <a:rPr lang="en-US" dirty="0"/>
-              <a:t>9/5/2018</a:t>
+              <a:t>9/13/2018</a:t>
             </a:fld>
             <a:endParaRPr lang="en-US" dirty="0"/>
           </a:p>
@@ -7715,7 +7721,7 @@
           <a:p>
             <a:fld id="{9D6E9DEC-419B-4CC5-A080-3B06BD5A8291}" type="datetimeFigureOut">
               <a:rPr lang="en-US" dirty="0"/>
-              <a:t>9/5/2018</a:t>
+              <a:t>9/13/2018</a:t>
             </a:fld>
             <a:endParaRPr lang="en-US" dirty="0"/>
           </a:p>
@@ -8308,6 +8314,13 @@
   <p:clrMapOvr>
     <a:masterClrMapping/>
   </p:clrMapOvr>
+  <p:timing>
+    <p:tnLst>
+      <p:par>
+        <p:cTn id="1" dur="indefinite" restart="never" nodeType="tmRoot"/>
+      </p:par>
+    </p:tnLst>
+  </p:timing>
 </p:sld>
 </file>
 
@@ -8353,110 +8366,57 @@
       </p:sp>
       <p:sp>
         <p:nvSpPr>
-          <p:cNvPr id="4" name="Rectángulo 3"/>
-          <p:cNvSpPr/>
-          <p:nvPr/>
-        </p:nvSpPr>
-        <p:spPr>
-          <a:xfrm>
-            <a:off x="680321" y="2087519"/>
-            <a:ext cx="10660969" cy="4524315"/>
-          </a:xfrm>
-          <a:prstGeom prst="rect">
-            <a:avLst/>
-          </a:prstGeom>
-        </p:spPr>
-        <p:style>
-          <a:lnRef idx="2">
-            <a:schemeClr val="accent2"/>
-          </a:lnRef>
-          <a:fillRef idx="1">
-            <a:schemeClr val="lt1"/>
-          </a:fillRef>
-          <a:effectRef idx="0">
-            <a:schemeClr val="accent2"/>
-          </a:effectRef>
-          <a:fontRef idx="minor">
-            <a:schemeClr val="dk1"/>
-          </a:fontRef>
-        </p:style>
-        <p:txBody>
-          <a:bodyPr wrap="square">
-            <a:spAutoFit/>
-          </a:bodyPr>
+          <p:cNvPr id="3" name="Marcador de contenido 2"/>
+          <p:cNvSpPr>
+            <a:spLocks noGrp="1"/>
+          </p:cNvSpPr>
+          <p:nvPr>
+            <p:ph idx="1"/>
+          </p:nvPr>
+        </p:nvSpPr>
+        <p:spPr/>
+        <p:txBody>
+          <a:bodyPr/>
           <a:lstStyle/>
           <a:p>
             <a:pPr>
               <a:defRPr/>
             </a:pPr>
             <a:r>
-              <a:rPr lang="es-AR" dirty="0" err="1">
-                <a:solidFill>
-                  <a:srgbClr val="0000FF"/>
-                </a:solidFill>
-                <a:highlight>
-                  <a:srgbClr val="FFFFFF"/>
-                </a:highlight>
-                <a:latin typeface="Consolas" panose="020B0609020204030204" pitchFamily="49" charset="0"/>
-              </a:rPr>
-              <a:t>public</a:t>
-            </a:r>
-            <a:r>
               <a:rPr lang="es-AR" dirty="0">
-                <a:solidFill>
-                  <a:srgbClr val="000000"/>
-                </a:solidFill>
-                <a:highlight>
-                  <a:srgbClr val="FFFFFF"/>
-                </a:highlight>
-                <a:latin typeface="Consolas" panose="020B0609020204030204" pitchFamily="49" charset="0"/>
-              </a:rPr>
-              <a:t> </a:t>
-            </a:r>
-            <a:r>
-              <a:rPr lang="es-AR" dirty="0" err="1">
-                <a:solidFill>
-                  <a:srgbClr val="0000FF"/>
-                </a:solidFill>
-                <a:highlight>
-                  <a:srgbClr val="FFFFFF"/>
-                </a:highlight>
-                <a:latin typeface="Consolas" panose="020B0609020204030204" pitchFamily="49" charset="0"/>
-              </a:rPr>
-              <a:t>enum</a:t>
-            </a:r>
-            <a:r>
-              <a:rPr lang="es-AR" dirty="0">
-                <a:solidFill>
-                  <a:srgbClr val="000000"/>
-                </a:solidFill>
-                <a:highlight>
-                  <a:srgbClr val="FFFFFF"/>
-                </a:highlight>
-                <a:latin typeface="Consolas" panose="020B0609020204030204" pitchFamily="49" charset="0"/>
-              </a:rPr>
-              <a:t> </a:t>
-            </a:r>
-            <a:r>
-              <a:rPr lang="es-AR" dirty="0" err="1">
-                <a:solidFill>
-                  <a:srgbClr val="2B91AF"/>
-                </a:solidFill>
-                <a:highlight>
-                  <a:srgbClr val="FFFFFF"/>
-                </a:highlight>
-                <a:latin typeface="Consolas" panose="020B0609020204030204" pitchFamily="49" charset="0"/>
-              </a:rPr>
-              <a:t>DiasDeLaSemana</a:t>
+                <a:effectLst>
+                  <a:outerShdw blurRad="38100" dist="38100" dir="2700000" algn="tl">
+                    <a:srgbClr val="000000">
+                      <a:alpha val="43137"/>
+                    </a:srgbClr>
+                  </a:outerShdw>
+                </a:effectLst>
+                <a:latin typeface="Franklin Gothic Medium" panose="020B0603020102020204" pitchFamily="34" charset="0"/>
+              </a:rPr>
+              <a:t>Son un conjunto propio de constantes con nombre</a:t>
+            </a:r>
+            <a:r>
+              <a:rPr lang="es-AR" dirty="0" smtClean="0">
+                <a:effectLst>
+                  <a:outerShdw blurRad="38100" dist="38100" dir="2700000" algn="tl">
+                    <a:srgbClr val="000000">
+                      <a:alpha val="43137"/>
+                    </a:srgbClr>
+                  </a:outerShdw>
+                </a:effectLst>
+                <a:latin typeface="Franklin Gothic Medium" panose="020B0603020102020204" pitchFamily="34" charset="0"/>
+              </a:rPr>
+              <a:t>.</a:t>
             </a:r>
             <a:endParaRPr lang="es-AR" dirty="0">
-              <a:solidFill>
-                <a:srgbClr val="000000"/>
-              </a:solidFill>
-              <a:highlight>
-                <a:srgbClr val="FFFFFF"/>
-              </a:highlight>
-              <a:latin typeface="Consolas" panose="020B0609020204030204" pitchFamily="49" charset="0"/>
+              <a:effectLst>
+                <a:outerShdw blurRad="38100" dist="38100" dir="2700000" algn="tl">
+                  <a:srgbClr val="000000">
+                    <a:alpha val="43137"/>
+                  </a:srgbClr>
+                </a:outerShdw>
+              </a:effectLst>
+              <a:latin typeface="Franklin Gothic Medium" panose="020B0603020102020204" pitchFamily="34" charset="0"/>
             </a:endParaRPr>
           </a:p>
           <a:p>
@@ -8465,16 +8425,40 @@
             </a:pPr>
             <a:r>
               <a:rPr lang="es-AR" dirty="0">
-                <a:solidFill>
-                  <a:srgbClr val="000000"/>
-                </a:solidFill>
-                <a:highlight>
-                  <a:srgbClr val="FFFFFF"/>
-                </a:highlight>
-                <a:latin typeface="Consolas" panose="020B0609020204030204" pitchFamily="49" charset="0"/>
-              </a:rPr>
-              <a:t>{</a:t>
-            </a:r>
+                <a:effectLst>
+                  <a:outerShdw blurRad="38100" dist="38100" dir="2700000" algn="tl">
+                    <a:srgbClr val="000000">
+                      <a:alpha val="43137"/>
+                    </a:srgbClr>
+                  </a:outerShdw>
+                </a:effectLst>
+                <a:latin typeface="Franklin Gothic Medium" panose="020B0603020102020204" pitchFamily="34" charset="0"/>
+              </a:rPr>
+              <a:t>Estos tipos de datos permiten declarar un conjunto de nombres u otros valores literales que definen todos los valores posibles que se pueden asignar a una variable</a:t>
+            </a:r>
+            <a:r>
+              <a:rPr lang="es-AR" dirty="0" smtClean="0">
+                <a:effectLst>
+                  <a:outerShdw blurRad="38100" dist="38100" dir="2700000" algn="tl">
+                    <a:srgbClr val="000000">
+                      <a:alpha val="43137"/>
+                    </a:srgbClr>
+                  </a:outerShdw>
+                </a:effectLst>
+                <a:latin typeface="Franklin Gothic Medium" panose="020B0603020102020204" pitchFamily="34" charset="0"/>
+              </a:rPr>
+              <a:t>.</a:t>
+            </a:r>
+            <a:endParaRPr lang="es-AR" dirty="0">
+              <a:effectLst>
+                <a:outerShdw blurRad="38100" dist="38100" dir="2700000" algn="tl">
+                  <a:srgbClr val="000000">
+                    <a:alpha val="43137"/>
+                  </a:srgbClr>
+                </a:outerShdw>
+              </a:effectLst>
+              <a:latin typeface="Franklin Gothic Medium" panose="020B0603020102020204" pitchFamily="34" charset="0"/>
+            </a:endParaRPr>
           </a:p>
           <a:p>
             <a:pPr>
@@ -8482,15 +8466,42 @@
             </a:pPr>
             <a:r>
               <a:rPr lang="es-AR" dirty="0">
-                <a:solidFill>
-                  <a:srgbClr val="000000"/>
-                </a:solidFill>
-                <a:highlight>
-                  <a:srgbClr val="FFFFFF"/>
-                </a:highlight>
-                <a:latin typeface="Consolas" panose="020B0609020204030204" pitchFamily="49" charset="0"/>
-              </a:rPr>
-              <a:t>    Domingo,</a:t>
+                <a:effectLst>
+                  <a:outerShdw blurRad="38100" dist="38100" dir="2700000" algn="tl">
+                    <a:srgbClr val="000000">
+                      <a:alpha val="43137"/>
+                    </a:srgbClr>
+                  </a:outerShdw>
+                </a:effectLst>
+                <a:latin typeface="Franklin Gothic Medium" panose="020B0603020102020204" pitchFamily="34" charset="0"/>
+              </a:rPr>
+              <a:t>Por dentro, estas constantes están asociadas con el tipo de dato </a:t>
+            </a:r>
+            <a:r>
+              <a:rPr lang="es-AR" dirty="0" err="1">
+                <a:effectLst>
+                  <a:outerShdw blurRad="38100" dist="38100" dir="2700000" algn="tl">
+                    <a:srgbClr val="000000">
+                      <a:alpha val="43137"/>
+                    </a:srgbClr>
+                  </a:outerShdw>
+                </a:effectLst>
+                <a:latin typeface="Franklin Gothic Medium" panose="020B0603020102020204" pitchFamily="34" charset="0"/>
+              </a:rPr>
+              <a:t>int</a:t>
+            </a:r>
+            <a:r>
+              <a:rPr lang="es-AR" dirty="0" smtClean="0">
+                <a:effectLst>
+                  <a:outerShdw blurRad="38100" dist="38100" dir="2700000" algn="tl">
+                    <a:srgbClr val="000000">
+                      <a:alpha val="43137"/>
+                    </a:srgbClr>
+                  </a:outerShdw>
+                </a:effectLst>
+                <a:latin typeface="Franklin Gothic Medium" panose="020B0603020102020204" pitchFamily="34" charset="0"/>
+              </a:rPr>
+              <a:t>.</a:t>
             </a:r>
           </a:p>
           <a:p>
@@ -8498,487 +8509,126 @@
               <a:defRPr/>
             </a:pPr>
             <a:r>
-              <a:rPr lang="es-AR" dirty="0">
-                <a:solidFill>
-                  <a:srgbClr val="000000"/>
-                </a:solidFill>
-                <a:highlight>
-                  <a:srgbClr val="FFFFFF"/>
-                </a:highlight>
-                <a:latin typeface="Consolas" panose="020B0609020204030204" pitchFamily="49" charset="0"/>
-              </a:rPr>
-              <a:t>    Lunes,</a:t>
-            </a:r>
-          </a:p>
-          <a:p>
-            <a:pPr>
-              <a:defRPr/>
-            </a:pPr>
-            <a:r>
-              <a:rPr lang="es-AR" dirty="0">
-                <a:solidFill>
-                  <a:srgbClr val="000000"/>
-                </a:solidFill>
-                <a:highlight>
-                  <a:srgbClr val="FFFFFF"/>
-                </a:highlight>
-                <a:latin typeface="Consolas" panose="020B0609020204030204" pitchFamily="49" charset="0"/>
-              </a:rPr>
-              <a:t>    Martes,</a:t>
-            </a:r>
-          </a:p>
-          <a:p>
-            <a:pPr>
-              <a:defRPr/>
-            </a:pPr>
-            <a:r>
-              <a:rPr lang="es-AR" dirty="0">
-                <a:solidFill>
-                  <a:srgbClr val="000000"/>
-                </a:solidFill>
-                <a:highlight>
-                  <a:srgbClr val="FFFFFF"/>
-                </a:highlight>
-                <a:latin typeface="Consolas" panose="020B0609020204030204" pitchFamily="49" charset="0"/>
-              </a:rPr>
-              <a:t>    </a:t>
-            </a:r>
-            <a:r>
-              <a:rPr lang="es-AR" dirty="0" err="1">
-                <a:solidFill>
-                  <a:srgbClr val="000000"/>
-                </a:solidFill>
-                <a:highlight>
-                  <a:srgbClr val="FFFFFF"/>
-                </a:highlight>
-                <a:latin typeface="Consolas" panose="020B0609020204030204" pitchFamily="49" charset="0"/>
-              </a:rPr>
-              <a:t>Miercoles</a:t>
-            </a:r>
-            <a:r>
-              <a:rPr lang="es-AR" dirty="0">
-                <a:solidFill>
-                  <a:srgbClr val="000000"/>
-                </a:solidFill>
-                <a:highlight>
-                  <a:srgbClr val="FFFFFF"/>
-                </a:highlight>
-                <a:latin typeface="Consolas" panose="020B0609020204030204" pitchFamily="49" charset="0"/>
-              </a:rPr>
-              <a:t>,</a:t>
-            </a:r>
-          </a:p>
-          <a:p>
-            <a:pPr>
-              <a:defRPr/>
-            </a:pPr>
-            <a:r>
-              <a:rPr lang="es-AR" dirty="0">
-                <a:solidFill>
-                  <a:srgbClr val="000000"/>
-                </a:solidFill>
-                <a:highlight>
-                  <a:srgbClr val="FFFFFF"/>
-                </a:highlight>
-                <a:latin typeface="Consolas" panose="020B0609020204030204" pitchFamily="49" charset="0"/>
-              </a:rPr>
-              <a:t>    Jueves,</a:t>
-            </a:r>
-          </a:p>
-          <a:p>
-            <a:pPr>
-              <a:defRPr/>
-            </a:pPr>
-            <a:r>
-              <a:rPr lang="es-AR" dirty="0">
-                <a:solidFill>
-                  <a:srgbClr val="000000"/>
-                </a:solidFill>
-                <a:highlight>
-                  <a:srgbClr val="FFFFFF"/>
-                </a:highlight>
-                <a:latin typeface="Consolas" panose="020B0609020204030204" pitchFamily="49" charset="0"/>
-              </a:rPr>
-              <a:t>    Viernes,</a:t>
-            </a:r>
-          </a:p>
-          <a:p>
-            <a:pPr>
-              <a:defRPr/>
-            </a:pPr>
-            <a:r>
-              <a:rPr lang="es-AR" dirty="0">
-                <a:solidFill>
-                  <a:srgbClr val="000000"/>
-                </a:solidFill>
-                <a:highlight>
-                  <a:srgbClr val="FFFFFF"/>
-                </a:highlight>
-                <a:latin typeface="Consolas" panose="020B0609020204030204" pitchFamily="49" charset="0"/>
-              </a:rPr>
-              <a:t>    </a:t>
-            </a:r>
-            <a:r>
-              <a:rPr lang="es-AR" dirty="0" err="1">
-                <a:solidFill>
-                  <a:srgbClr val="000000"/>
-                </a:solidFill>
-                <a:highlight>
-                  <a:srgbClr val="FFFFFF"/>
-                </a:highlight>
-                <a:latin typeface="Consolas" panose="020B0609020204030204" pitchFamily="49" charset="0"/>
-              </a:rPr>
-              <a:t>Sabado</a:t>
-            </a:r>
-            <a:endParaRPr lang="es-AR" dirty="0">
-              <a:solidFill>
-                <a:srgbClr val="000000"/>
-              </a:solidFill>
-              <a:highlight>
-                <a:srgbClr val="FFFFFF"/>
-              </a:highlight>
-              <a:latin typeface="Consolas" panose="020B0609020204030204" pitchFamily="49" charset="0"/>
+              <a:rPr lang="es-ES" dirty="0">
+                <a:effectLst>
+                  <a:outerShdw blurRad="38100" dist="38100" dir="2700000" algn="tl">
+                    <a:srgbClr val="000000">
+                      <a:alpha val="43137"/>
+                    </a:srgbClr>
+                  </a:outerShdw>
+                </a:effectLst>
+                <a:latin typeface="Franklin Gothic Medium" panose="020B0603020102020204" pitchFamily="34" charset="0"/>
+              </a:rPr>
+              <a:t>Normalmente es mejor definir un </a:t>
+            </a:r>
+            <a:r>
+              <a:rPr lang="es-ES" dirty="0" err="1">
+                <a:effectLst>
+                  <a:outerShdw blurRad="38100" dist="38100" dir="2700000" algn="tl">
+                    <a:srgbClr val="000000">
+                      <a:alpha val="43137"/>
+                    </a:srgbClr>
+                  </a:outerShdw>
+                </a:effectLst>
+                <a:latin typeface="Franklin Gothic Medium" panose="020B0603020102020204" pitchFamily="34" charset="0"/>
+              </a:rPr>
+              <a:t>enum</a:t>
+            </a:r>
+            <a:r>
+              <a:rPr lang="es-ES" dirty="0">
+                <a:effectLst>
+                  <a:outerShdw blurRad="38100" dist="38100" dir="2700000" algn="tl">
+                    <a:srgbClr val="000000">
+                      <a:alpha val="43137"/>
+                    </a:srgbClr>
+                  </a:outerShdw>
+                </a:effectLst>
+                <a:latin typeface="Franklin Gothic Medium" panose="020B0603020102020204" pitchFamily="34" charset="0"/>
+              </a:rPr>
+              <a:t> directamente dentro de un espacio de nombres para que todas las clases del espacio de nombres puedan acceder a él con igual comodidad. Sin embargo, un </a:t>
+            </a:r>
+            <a:r>
+              <a:rPr lang="es-ES" dirty="0" err="1">
+                <a:effectLst>
+                  <a:outerShdw blurRad="38100" dist="38100" dir="2700000" algn="tl">
+                    <a:srgbClr val="000000">
+                      <a:alpha val="43137"/>
+                    </a:srgbClr>
+                  </a:outerShdw>
+                </a:effectLst>
+                <a:latin typeface="Franklin Gothic Medium" panose="020B0603020102020204" pitchFamily="34" charset="0"/>
+              </a:rPr>
+              <a:t>enum</a:t>
+            </a:r>
+            <a:r>
+              <a:rPr lang="es-ES" dirty="0">
+                <a:effectLst>
+                  <a:outerShdw blurRad="38100" dist="38100" dir="2700000" algn="tl">
+                    <a:srgbClr val="000000">
+                      <a:alpha val="43137"/>
+                    </a:srgbClr>
+                  </a:outerShdw>
+                </a:effectLst>
+                <a:latin typeface="Franklin Gothic Medium" panose="020B0603020102020204" pitchFamily="34" charset="0"/>
+              </a:rPr>
+              <a:t> también se puede anidar dentro de una clase o </a:t>
+            </a:r>
+            <a:r>
+              <a:rPr lang="es-ES" dirty="0" err="1">
+                <a:effectLst>
+                  <a:outerShdw blurRad="38100" dist="38100" dir="2700000" algn="tl">
+                    <a:srgbClr val="000000">
+                      <a:alpha val="43137"/>
+                    </a:srgbClr>
+                  </a:outerShdw>
+                </a:effectLst>
+                <a:latin typeface="Franklin Gothic Medium" panose="020B0603020102020204" pitchFamily="34" charset="0"/>
+              </a:rPr>
+              <a:t>struct</a:t>
+            </a:r>
+            <a:r>
+              <a:rPr lang="es-ES" dirty="0" smtClean="0">
+                <a:effectLst>
+                  <a:outerShdw blurRad="38100" dist="38100" dir="2700000" algn="tl">
+                    <a:srgbClr val="000000">
+                      <a:alpha val="43137"/>
+                    </a:srgbClr>
+                  </a:outerShdw>
+                </a:effectLst>
+                <a:latin typeface="Franklin Gothic Medium" panose="020B0603020102020204" pitchFamily="34" charset="0"/>
+              </a:rPr>
+              <a:t>.</a:t>
+            </a:r>
+            <a:endParaRPr lang="es-ES" dirty="0">
+              <a:effectLst>
+                <a:outerShdw blurRad="38100" dist="38100" dir="2700000" algn="tl">
+                  <a:srgbClr val="000000">
+                    <a:alpha val="43137"/>
+                  </a:srgbClr>
+                </a:outerShdw>
+              </a:effectLst>
+              <a:latin typeface="Franklin Gothic Medium" panose="020B0603020102020204" pitchFamily="34" charset="0"/>
             </a:endParaRPr>
-          </a:p>
-          <a:p>
-            <a:pPr>
-              <a:defRPr/>
-            </a:pPr>
-            <a:r>
-              <a:rPr lang="es-AR" dirty="0">
-                <a:solidFill>
-                  <a:srgbClr val="000000"/>
-                </a:solidFill>
-                <a:highlight>
-                  <a:srgbClr val="FFFFFF"/>
-                </a:highlight>
-                <a:latin typeface="Consolas" panose="020B0609020204030204" pitchFamily="49" charset="0"/>
-              </a:rPr>
-              <a:t>}</a:t>
-            </a:r>
-          </a:p>
-          <a:p>
-            <a:pPr>
-              <a:defRPr/>
-            </a:pPr>
-            <a:r>
-              <a:rPr lang="es-AR" dirty="0">
-                <a:solidFill>
-                  <a:srgbClr val="008000"/>
-                </a:solidFill>
-                <a:highlight>
-                  <a:srgbClr val="FFFFFF"/>
-                </a:highlight>
-                <a:latin typeface="Consolas" panose="020B0609020204030204" pitchFamily="49" charset="0"/>
-              </a:rPr>
-              <a:t>// ...</a:t>
-            </a:r>
-            <a:endParaRPr lang="es-AR" dirty="0">
-              <a:solidFill>
-                <a:srgbClr val="000000"/>
-              </a:solidFill>
-              <a:highlight>
-                <a:srgbClr val="FFFFFF"/>
-              </a:highlight>
-              <a:latin typeface="Consolas" panose="020B0609020204030204" pitchFamily="49" charset="0"/>
-            </a:endParaRPr>
-          </a:p>
-          <a:p>
-            <a:pPr>
-              <a:defRPr/>
-            </a:pPr>
-            <a:r>
-              <a:rPr lang="es-AR" dirty="0" err="1">
-                <a:solidFill>
-                  <a:srgbClr val="000000"/>
-                </a:solidFill>
-                <a:highlight>
-                  <a:srgbClr val="FFFFFF"/>
-                </a:highlight>
-                <a:latin typeface="Consolas" panose="020B0609020204030204" pitchFamily="49" charset="0"/>
-              </a:rPr>
-              <a:t>DiasDeLaSemana</a:t>
-            </a:r>
-            <a:r>
-              <a:rPr lang="es-AR" dirty="0">
-                <a:solidFill>
-                  <a:srgbClr val="000000"/>
-                </a:solidFill>
-                <a:highlight>
-                  <a:srgbClr val="FFFFFF"/>
-                </a:highlight>
-                <a:latin typeface="Consolas" panose="020B0609020204030204" pitchFamily="49" charset="0"/>
-              </a:rPr>
-              <a:t> </a:t>
-            </a:r>
-            <a:r>
-              <a:rPr lang="es-AR" dirty="0" err="1">
-                <a:solidFill>
-                  <a:srgbClr val="000000"/>
-                </a:solidFill>
-                <a:highlight>
-                  <a:srgbClr val="FFFFFF"/>
-                </a:highlight>
-                <a:latin typeface="Consolas" panose="020B0609020204030204" pitchFamily="49" charset="0"/>
-              </a:rPr>
-              <a:t>dia</a:t>
-            </a:r>
-            <a:r>
-              <a:rPr lang="es-AR" dirty="0">
-                <a:solidFill>
-                  <a:srgbClr val="000000"/>
-                </a:solidFill>
-                <a:highlight>
-                  <a:srgbClr val="FFFFFF"/>
-                </a:highlight>
-                <a:latin typeface="Consolas" panose="020B0609020204030204" pitchFamily="49" charset="0"/>
-              </a:rPr>
-              <a:t> = </a:t>
-            </a:r>
-            <a:r>
-              <a:rPr lang="es-AR" dirty="0" err="1">
-                <a:solidFill>
-                  <a:srgbClr val="000000"/>
-                </a:solidFill>
-                <a:highlight>
-                  <a:srgbClr val="FFFFFF"/>
-                </a:highlight>
-                <a:latin typeface="Consolas" panose="020B0609020204030204" pitchFamily="49" charset="0"/>
-              </a:rPr>
-              <a:t>DiasDeLaSemana.Lunes</a:t>
-            </a:r>
-            <a:r>
-              <a:rPr lang="es-AR" dirty="0">
-                <a:solidFill>
-                  <a:srgbClr val="000000"/>
-                </a:solidFill>
-                <a:highlight>
-                  <a:srgbClr val="FFFFFF"/>
-                </a:highlight>
-                <a:latin typeface="Consolas" panose="020B0609020204030204" pitchFamily="49" charset="0"/>
-              </a:rPr>
-              <a:t>;</a:t>
-            </a:r>
-          </a:p>
-          <a:p>
-            <a:pPr>
-              <a:defRPr/>
-            </a:pPr>
-            <a:r>
-              <a:rPr lang="es-AR" dirty="0" err="1">
-                <a:solidFill>
-                  <a:srgbClr val="0000FF"/>
-                </a:solidFill>
-                <a:highlight>
-                  <a:srgbClr val="FFFFFF"/>
-                </a:highlight>
-                <a:latin typeface="Consolas" panose="020B0609020204030204" pitchFamily="49" charset="0"/>
-              </a:rPr>
-              <a:t>int</a:t>
-            </a:r>
-            <a:r>
-              <a:rPr lang="es-AR" dirty="0">
-                <a:solidFill>
-                  <a:srgbClr val="000000"/>
-                </a:solidFill>
-                <a:highlight>
-                  <a:srgbClr val="FFFFFF"/>
-                </a:highlight>
-                <a:latin typeface="Consolas" panose="020B0609020204030204" pitchFamily="49" charset="0"/>
-              </a:rPr>
-              <a:t> i = (</a:t>
-            </a:r>
-            <a:r>
-              <a:rPr lang="es-AR" dirty="0" err="1">
-                <a:solidFill>
-                  <a:srgbClr val="0000FF"/>
-                </a:solidFill>
-                <a:highlight>
-                  <a:srgbClr val="FFFFFF"/>
-                </a:highlight>
-                <a:latin typeface="Consolas" panose="020B0609020204030204" pitchFamily="49" charset="0"/>
-              </a:rPr>
-              <a:t>int</a:t>
-            </a:r>
-            <a:r>
-              <a:rPr lang="es-AR" dirty="0">
-                <a:solidFill>
-                  <a:srgbClr val="000000"/>
-                </a:solidFill>
-                <a:highlight>
-                  <a:srgbClr val="FFFFFF"/>
-                </a:highlight>
-                <a:latin typeface="Consolas" panose="020B0609020204030204" pitchFamily="49" charset="0"/>
-              </a:rPr>
-              <a:t>) </a:t>
-            </a:r>
-            <a:r>
-              <a:rPr lang="es-AR" dirty="0" err="1">
-                <a:solidFill>
-                  <a:srgbClr val="000000"/>
-                </a:solidFill>
-                <a:highlight>
-                  <a:srgbClr val="FFFFFF"/>
-                </a:highlight>
-                <a:latin typeface="Consolas" panose="020B0609020204030204" pitchFamily="49" charset="0"/>
-              </a:rPr>
-              <a:t>DiasDeLaSemana.Lunes</a:t>
-            </a:r>
-            <a:r>
-              <a:rPr lang="es-AR" dirty="0">
-                <a:solidFill>
-                  <a:srgbClr val="000000"/>
-                </a:solidFill>
-                <a:highlight>
-                  <a:srgbClr val="FFFFFF"/>
-                </a:highlight>
-                <a:latin typeface="Consolas" panose="020B0609020204030204" pitchFamily="49" charset="0"/>
-              </a:rPr>
-              <a:t>;</a:t>
-            </a:r>
-          </a:p>
-          <a:p>
-            <a:pPr>
-              <a:defRPr/>
-            </a:pPr>
-            <a:endParaRPr lang="es-AR" dirty="0">
-              <a:solidFill>
-                <a:srgbClr val="000000"/>
-              </a:solidFill>
-              <a:highlight>
-                <a:srgbClr val="FFFFFF"/>
-              </a:highlight>
-              <a:latin typeface="Consolas" panose="020B0609020204030204" pitchFamily="49" charset="0"/>
-            </a:endParaRPr>
-          </a:p>
-          <a:p>
-            <a:pPr>
-              <a:defRPr/>
-            </a:pPr>
-            <a:r>
-              <a:rPr lang="es-AR" dirty="0" err="1">
-                <a:solidFill>
-                  <a:srgbClr val="000000"/>
-                </a:solidFill>
-                <a:highlight>
-                  <a:srgbClr val="FFFFFF"/>
-                </a:highlight>
-                <a:latin typeface="Consolas" panose="020B0609020204030204" pitchFamily="49" charset="0"/>
-              </a:rPr>
-              <a:t>Console.WriteLine</a:t>
-            </a:r>
-            <a:r>
-              <a:rPr lang="es-AR" dirty="0">
-                <a:solidFill>
-                  <a:srgbClr val="000000"/>
-                </a:solidFill>
-                <a:highlight>
-                  <a:srgbClr val="FFFFFF"/>
-                </a:highlight>
-                <a:latin typeface="Consolas" panose="020B0609020204030204" pitchFamily="49" charset="0"/>
-              </a:rPr>
-              <a:t>(</a:t>
-            </a:r>
-            <a:r>
-              <a:rPr lang="es-AR" dirty="0" err="1">
-                <a:solidFill>
-                  <a:srgbClr val="000000"/>
-                </a:solidFill>
-                <a:highlight>
-                  <a:srgbClr val="FFFFFF"/>
-                </a:highlight>
-                <a:latin typeface="Consolas" panose="020B0609020204030204" pitchFamily="49" charset="0"/>
-              </a:rPr>
-              <a:t>dia</a:t>
-            </a:r>
-            <a:r>
-              <a:rPr lang="es-AR" dirty="0">
-                <a:solidFill>
-                  <a:srgbClr val="000000"/>
-                </a:solidFill>
-                <a:highlight>
-                  <a:srgbClr val="FFFFFF"/>
-                </a:highlight>
-                <a:latin typeface="Consolas" panose="020B0609020204030204" pitchFamily="49" charset="0"/>
-              </a:rPr>
-              <a:t>);  </a:t>
-            </a:r>
-            <a:r>
-              <a:rPr lang="es-AR" dirty="0">
-                <a:solidFill>
-                  <a:srgbClr val="008000"/>
-                </a:solidFill>
-                <a:highlight>
-                  <a:srgbClr val="FFFFFF"/>
-                </a:highlight>
-                <a:latin typeface="Consolas" panose="020B0609020204030204" pitchFamily="49" charset="0"/>
-              </a:rPr>
-              <a:t>// Mostrará "Lunes"</a:t>
-            </a:r>
-            <a:endParaRPr lang="es-AR" dirty="0">
-              <a:solidFill>
-                <a:srgbClr val="000000"/>
-              </a:solidFill>
-              <a:highlight>
-                <a:srgbClr val="FFFFFF"/>
-              </a:highlight>
-              <a:latin typeface="Consolas" panose="020B0609020204030204" pitchFamily="49" charset="0"/>
-            </a:endParaRPr>
-          </a:p>
-          <a:p>
-            <a:pPr>
-              <a:defRPr/>
-            </a:pPr>
-            <a:r>
-              <a:rPr lang="es-AR" dirty="0" err="1">
-                <a:solidFill>
-                  <a:srgbClr val="000000"/>
-                </a:solidFill>
-                <a:highlight>
-                  <a:srgbClr val="FFFFFF"/>
-                </a:highlight>
-                <a:latin typeface="Consolas" panose="020B0609020204030204" pitchFamily="49" charset="0"/>
-              </a:rPr>
-              <a:t>Console.WriteLine</a:t>
-            </a:r>
-            <a:r>
-              <a:rPr lang="es-AR" dirty="0">
-                <a:solidFill>
-                  <a:srgbClr val="000000"/>
-                </a:solidFill>
-                <a:highlight>
-                  <a:srgbClr val="FFFFFF"/>
-                </a:highlight>
-                <a:latin typeface="Consolas" panose="020B0609020204030204" pitchFamily="49" charset="0"/>
-              </a:rPr>
-              <a:t>(i);    </a:t>
-            </a:r>
-            <a:r>
-              <a:rPr lang="es-AR" dirty="0">
-                <a:solidFill>
-                  <a:srgbClr val="008000"/>
-                </a:solidFill>
-                <a:highlight>
-                  <a:srgbClr val="FFFFFF"/>
-                </a:highlight>
-                <a:latin typeface="Consolas" panose="020B0609020204030204" pitchFamily="49" charset="0"/>
-              </a:rPr>
-              <a:t>// Mostrará 1</a:t>
-            </a:r>
-            <a:endParaRPr lang="es-AR" dirty="0"/>
           </a:p>
         </p:txBody>
       </p:sp>
     </p:spTree>
     <p:extLst>
       <p:ext uri="{BB962C8B-B14F-4D97-AF65-F5344CB8AC3E}">
-        <p14:creationId xmlns:p14="http://schemas.microsoft.com/office/powerpoint/2010/main" val="1143333948"/>
+        <p14:creationId xmlns:p14="http://schemas.microsoft.com/office/powerpoint/2010/main" val="1490050804"/>
       </p:ext>
     </p:extLst>
   </p:cSld>
   <p:clrMapOvr>
     <a:masterClrMapping/>
   </p:clrMapOvr>
+  <p:timing>
+    <p:tnLst>
+      <p:par>
+        <p:cTn id="1" dur="indefinite" restart="never" nodeType="tmRoot"/>
+      </p:par>
+    </p:tnLst>
+  </p:timing>
 </p:sld>
 </file>
 
@@ -9024,53 +8674,14 @@
       </p:sp>
       <p:sp>
         <p:nvSpPr>
-          <p:cNvPr id="3" name="Marcador de contenido 2"/>
-          <p:cNvSpPr>
-            <a:spLocks noGrp="1"/>
-          </p:cNvSpPr>
-          <p:nvPr>
-            <p:ph idx="1"/>
-          </p:nvPr>
-        </p:nvSpPr>
-        <p:spPr>
-          <a:xfrm>
-            <a:off x="680321" y="2200393"/>
-            <a:ext cx="9613861" cy="843058"/>
-          </a:xfrm>
-        </p:spPr>
-        <p:txBody>
-          <a:bodyPr/>
-          <a:lstStyle/>
-          <a:p>
-            <a:r>
-              <a:rPr lang="es-AR" dirty="0">
-                <a:effectLst>
-                  <a:outerShdw blurRad="38100" dist="38100" dir="2700000" algn="tl">
-                    <a:srgbClr val="000000">
-                      <a:alpha val="43137"/>
-                    </a:srgbClr>
-                  </a:outerShdw>
-                </a:effectLst>
-                <a:latin typeface="Franklin Gothic Medium" panose="020B0603020102020204" pitchFamily="34" charset="0"/>
-              </a:rPr>
-              <a:t>A un enumerado se le podrá asignar un valor entero a cualquiera de sus partes, cambiando la numeración por defecto.</a:t>
-            </a:r>
-          </a:p>
-          <a:p>
-            <a:endParaRPr lang="es-AR" dirty="0"/>
-          </a:p>
-        </p:txBody>
-      </p:sp>
-      <p:sp>
-        <p:nvSpPr>
           <p:cNvPr id="4" name="Rectángulo 3"/>
           <p:cNvSpPr/>
           <p:nvPr/>
         </p:nvSpPr>
         <p:spPr>
           <a:xfrm>
-            <a:off x="680321" y="3082793"/>
-            <a:ext cx="10838389" cy="3693319"/>
+            <a:off x="680321" y="2087519"/>
+            <a:ext cx="10660969" cy="4524315"/>
           </a:xfrm>
           <a:prstGeom prst="rect">
             <a:avLst/>
@@ -9217,6 +8828,723 @@
                 </a:highlight>
                 <a:latin typeface="Consolas" panose="020B0609020204030204" pitchFamily="49" charset="0"/>
               </a:rPr>
+              <a:t>    Lunes,</a:t>
+            </a:r>
+          </a:p>
+          <a:p>
+            <a:pPr>
+              <a:defRPr/>
+            </a:pPr>
+            <a:r>
+              <a:rPr lang="es-AR" dirty="0">
+                <a:solidFill>
+                  <a:srgbClr val="000000"/>
+                </a:solidFill>
+                <a:highlight>
+                  <a:srgbClr val="FFFFFF"/>
+                </a:highlight>
+                <a:latin typeface="Consolas" panose="020B0609020204030204" pitchFamily="49" charset="0"/>
+              </a:rPr>
+              <a:t>    Martes,</a:t>
+            </a:r>
+          </a:p>
+          <a:p>
+            <a:pPr>
+              <a:defRPr/>
+            </a:pPr>
+            <a:r>
+              <a:rPr lang="es-AR" dirty="0">
+                <a:solidFill>
+                  <a:srgbClr val="000000"/>
+                </a:solidFill>
+                <a:highlight>
+                  <a:srgbClr val="FFFFFF"/>
+                </a:highlight>
+                <a:latin typeface="Consolas" panose="020B0609020204030204" pitchFamily="49" charset="0"/>
+              </a:rPr>
+              <a:t>    </a:t>
+            </a:r>
+            <a:r>
+              <a:rPr lang="es-AR" dirty="0" err="1">
+                <a:solidFill>
+                  <a:srgbClr val="000000"/>
+                </a:solidFill>
+                <a:highlight>
+                  <a:srgbClr val="FFFFFF"/>
+                </a:highlight>
+                <a:latin typeface="Consolas" panose="020B0609020204030204" pitchFamily="49" charset="0"/>
+              </a:rPr>
+              <a:t>Miercoles</a:t>
+            </a:r>
+            <a:r>
+              <a:rPr lang="es-AR" dirty="0">
+                <a:solidFill>
+                  <a:srgbClr val="000000"/>
+                </a:solidFill>
+                <a:highlight>
+                  <a:srgbClr val="FFFFFF"/>
+                </a:highlight>
+                <a:latin typeface="Consolas" panose="020B0609020204030204" pitchFamily="49" charset="0"/>
+              </a:rPr>
+              <a:t>,</a:t>
+            </a:r>
+          </a:p>
+          <a:p>
+            <a:pPr>
+              <a:defRPr/>
+            </a:pPr>
+            <a:r>
+              <a:rPr lang="es-AR" dirty="0">
+                <a:solidFill>
+                  <a:srgbClr val="000000"/>
+                </a:solidFill>
+                <a:highlight>
+                  <a:srgbClr val="FFFFFF"/>
+                </a:highlight>
+                <a:latin typeface="Consolas" panose="020B0609020204030204" pitchFamily="49" charset="0"/>
+              </a:rPr>
+              <a:t>    Jueves,</a:t>
+            </a:r>
+          </a:p>
+          <a:p>
+            <a:pPr>
+              <a:defRPr/>
+            </a:pPr>
+            <a:r>
+              <a:rPr lang="es-AR" dirty="0">
+                <a:solidFill>
+                  <a:srgbClr val="000000"/>
+                </a:solidFill>
+                <a:highlight>
+                  <a:srgbClr val="FFFFFF"/>
+                </a:highlight>
+                <a:latin typeface="Consolas" panose="020B0609020204030204" pitchFamily="49" charset="0"/>
+              </a:rPr>
+              <a:t>    Viernes,</a:t>
+            </a:r>
+          </a:p>
+          <a:p>
+            <a:pPr>
+              <a:defRPr/>
+            </a:pPr>
+            <a:r>
+              <a:rPr lang="es-AR" dirty="0">
+                <a:solidFill>
+                  <a:srgbClr val="000000"/>
+                </a:solidFill>
+                <a:highlight>
+                  <a:srgbClr val="FFFFFF"/>
+                </a:highlight>
+                <a:latin typeface="Consolas" panose="020B0609020204030204" pitchFamily="49" charset="0"/>
+              </a:rPr>
+              <a:t>    </a:t>
+            </a:r>
+            <a:r>
+              <a:rPr lang="es-AR" dirty="0" err="1">
+                <a:solidFill>
+                  <a:srgbClr val="000000"/>
+                </a:solidFill>
+                <a:highlight>
+                  <a:srgbClr val="FFFFFF"/>
+                </a:highlight>
+                <a:latin typeface="Consolas" panose="020B0609020204030204" pitchFamily="49" charset="0"/>
+              </a:rPr>
+              <a:t>Sabado</a:t>
+            </a:r>
+            <a:endParaRPr lang="es-AR" dirty="0">
+              <a:solidFill>
+                <a:srgbClr val="000000"/>
+              </a:solidFill>
+              <a:highlight>
+                <a:srgbClr val="FFFFFF"/>
+              </a:highlight>
+              <a:latin typeface="Consolas" panose="020B0609020204030204" pitchFamily="49" charset="0"/>
+            </a:endParaRPr>
+          </a:p>
+          <a:p>
+            <a:pPr>
+              <a:defRPr/>
+            </a:pPr>
+            <a:r>
+              <a:rPr lang="es-AR" dirty="0">
+                <a:solidFill>
+                  <a:srgbClr val="000000"/>
+                </a:solidFill>
+                <a:highlight>
+                  <a:srgbClr val="FFFFFF"/>
+                </a:highlight>
+                <a:latin typeface="Consolas" panose="020B0609020204030204" pitchFamily="49" charset="0"/>
+              </a:rPr>
+              <a:t>}</a:t>
+            </a:r>
+          </a:p>
+          <a:p>
+            <a:pPr>
+              <a:defRPr/>
+            </a:pPr>
+            <a:r>
+              <a:rPr lang="es-AR" dirty="0">
+                <a:solidFill>
+                  <a:srgbClr val="008000"/>
+                </a:solidFill>
+                <a:highlight>
+                  <a:srgbClr val="FFFFFF"/>
+                </a:highlight>
+                <a:latin typeface="Consolas" panose="020B0609020204030204" pitchFamily="49" charset="0"/>
+              </a:rPr>
+              <a:t>// ...</a:t>
+            </a:r>
+            <a:endParaRPr lang="es-AR" dirty="0">
+              <a:solidFill>
+                <a:srgbClr val="000000"/>
+              </a:solidFill>
+              <a:highlight>
+                <a:srgbClr val="FFFFFF"/>
+              </a:highlight>
+              <a:latin typeface="Consolas" panose="020B0609020204030204" pitchFamily="49" charset="0"/>
+            </a:endParaRPr>
+          </a:p>
+          <a:p>
+            <a:pPr>
+              <a:defRPr/>
+            </a:pPr>
+            <a:r>
+              <a:rPr lang="es-AR" dirty="0" err="1">
+                <a:solidFill>
+                  <a:srgbClr val="000000"/>
+                </a:solidFill>
+                <a:highlight>
+                  <a:srgbClr val="FFFFFF"/>
+                </a:highlight>
+                <a:latin typeface="Consolas" panose="020B0609020204030204" pitchFamily="49" charset="0"/>
+              </a:rPr>
+              <a:t>DiasDeLaSemana</a:t>
+            </a:r>
+            <a:r>
+              <a:rPr lang="es-AR" dirty="0">
+                <a:solidFill>
+                  <a:srgbClr val="000000"/>
+                </a:solidFill>
+                <a:highlight>
+                  <a:srgbClr val="FFFFFF"/>
+                </a:highlight>
+                <a:latin typeface="Consolas" panose="020B0609020204030204" pitchFamily="49" charset="0"/>
+              </a:rPr>
+              <a:t> </a:t>
+            </a:r>
+            <a:r>
+              <a:rPr lang="es-AR" dirty="0" err="1">
+                <a:solidFill>
+                  <a:srgbClr val="000000"/>
+                </a:solidFill>
+                <a:highlight>
+                  <a:srgbClr val="FFFFFF"/>
+                </a:highlight>
+                <a:latin typeface="Consolas" panose="020B0609020204030204" pitchFamily="49" charset="0"/>
+              </a:rPr>
+              <a:t>dia</a:t>
+            </a:r>
+            <a:r>
+              <a:rPr lang="es-AR" dirty="0">
+                <a:solidFill>
+                  <a:srgbClr val="000000"/>
+                </a:solidFill>
+                <a:highlight>
+                  <a:srgbClr val="FFFFFF"/>
+                </a:highlight>
+                <a:latin typeface="Consolas" panose="020B0609020204030204" pitchFamily="49" charset="0"/>
+              </a:rPr>
+              <a:t> = </a:t>
+            </a:r>
+            <a:r>
+              <a:rPr lang="es-AR" dirty="0" err="1">
+                <a:solidFill>
+                  <a:srgbClr val="000000"/>
+                </a:solidFill>
+                <a:highlight>
+                  <a:srgbClr val="FFFFFF"/>
+                </a:highlight>
+                <a:latin typeface="Consolas" panose="020B0609020204030204" pitchFamily="49" charset="0"/>
+              </a:rPr>
+              <a:t>DiasDeLaSemana.Lunes</a:t>
+            </a:r>
+            <a:r>
+              <a:rPr lang="es-AR" dirty="0">
+                <a:solidFill>
+                  <a:srgbClr val="000000"/>
+                </a:solidFill>
+                <a:highlight>
+                  <a:srgbClr val="FFFFFF"/>
+                </a:highlight>
+                <a:latin typeface="Consolas" panose="020B0609020204030204" pitchFamily="49" charset="0"/>
+              </a:rPr>
+              <a:t>;</a:t>
+            </a:r>
+          </a:p>
+          <a:p>
+            <a:pPr>
+              <a:defRPr/>
+            </a:pPr>
+            <a:r>
+              <a:rPr lang="es-AR" dirty="0" err="1">
+                <a:solidFill>
+                  <a:srgbClr val="0000FF"/>
+                </a:solidFill>
+                <a:highlight>
+                  <a:srgbClr val="FFFFFF"/>
+                </a:highlight>
+                <a:latin typeface="Consolas" panose="020B0609020204030204" pitchFamily="49" charset="0"/>
+              </a:rPr>
+              <a:t>int</a:t>
+            </a:r>
+            <a:r>
+              <a:rPr lang="es-AR" dirty="0">
+                <a:solidFill>
+                  <a:srgbClr val="000000"/>
+                </a:solidFill>
+                <a:highlight>
+                  <a:srgbClr val="FFFFFF"/>
+                </a:highlight>
+                <a:latin typeface="Consolas" panose="020B0609020204030204" pitchFamily="49" charset="0"/>
+              </a:rPr>
+              <a:t> i = (</a:t>
+            </a:r>
+            <a:r>
+              <a:rPr lang="es-AR" dirty="0" err="1">
+                <a:solidFill>
+                  <a:srgbClr val="0000FF"/>
+                </a:solidFill>
+                <a:highlight>
+                  <a:srgbClr val="FFFFFF"/>
+                </a:highlight>
+                <a:latin typeface="Consolas" panose="020B0609020204030204" pitchFamily="49" charset="0"/>
+              </a:rPr>
+              <a:t>int</a:t>
+            </a:r>
+            <a:r>
+              <a:rPr lang="es-AR" dirty="0">
+                <a:solidFill>
+                  <a:srgbClr val="000000"/>
+                </a:solidFill>
+                <a:highlight>
+                  <a:srgbClr val="FFFFFF"/>
+                </a:highlight>
+                <a:latin typeface="Consolas" panose="020B0609020204030204" pitchFamily="49" charset="0"/>
+              </a:rPr>
+              <a:t>) </a:t>
+            </a:r>
+            <a:r>
+              <a:rPr lang="es-AR" dirty="0" err="1">
+                <a:solidFill>
+                  <a:srgbClr val="000000"/>
+                </a:solidFill>
+                <a:highlight>
+                  <a:srgbClr val="FFFFFF"/>
+                </a:highlight>
+                <a:latin typeface="Consolas" panose="020B0609020204030204" pitchFamily="49" charset="0"/>
+              </a:rPr>
+              <a:t>DiasDeLaSemana.Lunes</a:t>
+            </a:r>
+            <a:r>
+              <a:rPr lang="es-AR" dirty="0">
+                <a:solidFill>
+                  <a:srgbClr val="000000"/>
+                </a:solidFill>
+                <a:highlight>
+                  <a:srgbClr val="FFFFFF"/>
+                </a:highlight>
+                <a:latin typeface="Consolas" panose="020B0609020204030204" pitchFamily="49" charset="0"/>
+              </a:rPr>
+              <a:t>;</a:t>
+            </a:r>
+          </a:p>
+          <a:p>
+            <a:pPr>
+              <a:defRPr/>
+            </a:pPr>
+            <a:endParaRPr lang="es-AR" dirty="0">
+              <a:solidFill>
+                <a:srgbClr val="000000"/>
+              </a:solidFill>
+              <a:highlight>
+                <a:srgbClr val="FFFFFF"/>
+              </a:highlight>
+              <a:latin typeface="Consolas" panose="020B0609020204030204" pitchFamily="49" charset="0"/>
+            </a:endParaRPr>
+          </a:p>
+          <a:p>
+            <a:pPr>
+              <a:defRPr/>
+            </a:pPr>
+            <a:r>
+              <a:rPr lang="es-AR" dirty="0" err="1">
+                <a:solidFill>
+                  <a:srgbClr val="000000"/>
+                </a:solidFill>
+                <a:highlight>
+                  <a:srgbClr val="FFFFFF"/>
+                </a:highlight>
+                <a:latin typeface="Consolas" panose="020B0609020204030204" pitchFamily="49" charset="0"/>
+              </a:rPr>
+              <a:t>Console.WriteLine</a:t>
+            </a:r>
+            <a:r>
+              <a:rPr lang="es-AR" dirty="0">
+                <a:solidFill>
+                  <a:srgbClr val="000000"/>
+                </a:solidFill>
+                <a:highlight>
+                  <a:srgbClr val="FFFFFF"/>
+                </a:highlight>
+                <a:latin typeface="Consolas" panose="020B0609020204030204" pitchFamily="49" charset="0"/>
+              </a:rPr>
+              <a:t>(</a:t>
+            </a:r>
+            <a:r>
+              <a:rPr lang="es-AR" dirty="0" err="1">
+                <a:solidFill>
+                  <a:srgbClr val="000000"/>
+                </a:solidFill>
+                <a:highlight>
+                  <a:srgbClr val="FFFFFF"/>
+                </a:highlight>
+                <a:latin typeface="Consolas" panose="020B0609020204030204" pitchFamily="49" charset="0"/>
+              </a:rPr>
+              <a:t>dia</a:t>
+            </a:r>
+            <a:r>
+              <a:rPr lang="es-AR" dirty="0">
+                <a:solidFill>
+                  <a:srgbClr val="000000"/>
+                </a:solidFill>
+                <a:highlight>
+                  <a:srgbClr val="FFFFFF"/>
+                </a:highlight>
+                <a:latin typeface="Consolas" panose="020B0609020204030204" pitchFamily="49" charset="0"/>
+              </a:rPr>
+              <a:t>);  </a:t>
+            </a:r>
+            <a:r>
+              <a:rPr lang="es-AR" dirty="0">
+                <a:solidFill>
+                  <a:srgbClr val="008000"/>
+                </a:solidFill>
+                <a:highlight>
+                  <a:srgbClr val="FFFFFF"/>
+                </a:highlight>
+                <a:latin typeface="Consolas" panose="020B0609020204030204" pitchFamily="49" charset="0"/>
+              </a:rPr>
+              <a:t>// Mostrará "Lunes"</a:t>
+            </a:r>
+            <a:endParaRPr lang="es-AR" dirty="0">
+              <a:solidFill>
+                <a:srgbClr val="000000"/>
+              </a:solidFill>
+              <a:highlight>
+                <a:srgbClr val="FFFFFF"/>
+              </a:highlight>
+              <a:latin typeface="Consolas" panose="020B0609020204030204" pitchFamily="49" charset="0"/>
+            </a:endParaRPr>
+          </a:p>
+          <a:p>
+            <a:pPr>
+              <a:defRPr/>
+            </a:pPr>
+            <a:r>
+              <a:rPr lang="es-AR" dirty="0" err="1">
+                <a:solidFill>
+                  <a:srgbClr val="000000"/>
+                </a:solidFill>
+                <a:highlight>
+                  <a:srgbClr val="FFFFFF"/>
+                </a:highlight>
+                <a:latin typeface="Consolas" panose="020B0609020204030204" pitchFamily="49" charset="0"/>
+              </a:rPr>
+              <a:t>Console.WriteLine</a:t>
+            </a:r>
+            <a:r>
+              <a:rPr lang="es-AR" dirty="0">
+                <a:solidFill>
+                  <a:srgbClr val="000000"/>
+                </a:solidFill>
+                <a:highlight>
+                  <a:srgbClr val="FFFFFF"/>
+                </a:highlight>
+                <a:latin typeface="Consolas" panose="020B0609020204030204" pitchFamily="49" charset="0"/>
+              </a:rPr>
+              <a:t>(i);    </a:t>
+            </a:r>
+            <a:r>
+              <a:rPr lang="es-AR" dirty="0">
+                <a:solidFill>
+                  <a:srgbClr val="008000"/>
+                </a:solidFill>
+                <a:highlight>
+                  <a:srgbClr val="FFFFFF"/>
+                </a:highlight>
+                <a:latin typeface="Consolas" panose="020B0609020204030204" pitchFamily="49" charset="0"/>
+              </a:rPr>
+              <a:t>// Mostrará 1</a:t>
+            </a:r>
+            <a:endParaRPr lang="es-AR" dirty="0"/>
+          </a:p>
+        </p:txBody>
+      </p:sp>
+    </p:spTree>
+    <p:extLst>
+      <p:ext uri="{BB962C8B-B14F-4D97-AF65-F5344CB8AC3E}">
+        <p14:creationId xmlns:p14="http://schemas.microsoft.com/office/powerpoint/2010/main" val="1143333948"/>
+      </p:ext>
+    </p:extLst>
+  </p:cSld>
+  <p:clrMapOvr>
+    <a:masterClrMapping/>
+  </p:clrMapOvr>
+  <p:timing>
+    <p:tnLst>
+      <p:par>
+        <p:cTn id="1" dur="indefinite" restart="never" nodeType="tmRoot"/>
+      </p:par>
+    </p:tnLst>
+  </p:timing>
+</p:sld>
+</file>
+
+<file path=ppt/slides/slide12.xml><?xml version="1.0" encoding="utf-8"?>
+<p:sld xmlns:a="http://schemas.openxmlformats.org/drawingml/2006/main" xmlns:r="http://schemas.openxmlformats.org/officeDocument/2006/relationships" xmlns:p="http://schemas.openxmlformats.org/presentationml/2006/main">
+  <p:cSld>
+    <p:spTree>
+      <p:nvGrpSpPr>
+        <p:cNvPr id="1" name=""/>
+        <p:cNvGrpSpPr/>
+        <p:nvPr/>
+      </p:nvGrpSpPr>
+      <p:grpSpPr>
+        <a:xfrm>
+          <a:off x="0" y="0"/>
+          <a:ext cx="0" cy="0"/>
+          <a:chOff x="0" y="0"/>
+          <a:chExt cx="0" cy="0"/>
+        </a:xfrm>
+      </p:grpSpPr>
+      <p:sp>
+        <p:nvSpPr>
+          <p:cNvPr id="2" name="Título 1"/>
+          <p:cNvSpPr>
+            <a:spLocks noGrp="1"/>
+          </p:cNvSpPr>
+          <p:nvPr>
+            <p:ph type="title"/>
+          </p:nvPr>
+        </p:nvSpPr>
+        <p:spPr/>
+        <p:txBody>
+          <a:bodyPr/>
+          <a:lstStyle/>
+          <a:p>
+            <a:r>
+              <a:rPr lang="es-AR" dirty="0" smtClean="0"/>
+              <a:t>Enumerados</a:t>
+            </a:r>
+            <a:endParaRPr lang="es-AR" dirty="0"/>
+          </a:p>
+        </p:txBody>
+      </p:sp>
+      <p:sp>
+        <p:nvSpPr>
+          <p:cNvPr id="3" name="Marcador de contenido 2"/>
+          <p:cNvSpPr>
+            <a:spLocks noGrp="1"/>
+          </p:cNvSpPr>
+          <p:nvPr>
+            <p:ph idx="1"/>
+          </p:nvPr>
+        </p:nvSpPr>
+        <p:spPr>
+          <a:xfrm>
+            <a:off x="680321" y="2200393"/>
+            <a:ext cx="9613861" cy="843058"/>
+          </a:xfrm>
+        </p:spPr>
+        <p:txBody>
+          <a:bodyPr/>
+          <a:lstStyle/>
+          <a:p>
+            <a:r>
+              <a:rPr lang="es-AR" dirty="0">
+                <a:effectLst>
+                  <a:outerShdw blurRad="38100" dist="38100" dir="2700000" algn="tl">
+                    <a:srgbClr val="000000">
+                      <a:alpha val="43137"/>
+                    </a:srgbClr>
+                  </a:outerShdw>
+                </a:effectLst>
+                <a:latin typeface="Franklin Gothic Medium" panose="020B0603020102020204" pitchFamily="34" charset="0"/>
+              </a:rPr>
+              <a:t>A un enumerado se le podrá asignar un valor entero a cualquiera de sus partes, cambiando la numeración por defecto.</a:t>
+            </a:r>
+          </a:p>
+          <a:p>
+            <a:endParaRPr lang="es-AR" dirty="0"/>
+          </a:p>
+        </p:txBody>
+      </p:sp>
+      <p:sp>
+        <p:nvSpPr>
+          <p:cNvPr id="4" name="Rectángulo 3"/>
+          <p:cNvSpPr/>
+          <p:nvPr/>
+        </p:nvSpPr>
+        <p:spPr>
+          <a:xfrm>
+            <a:off x="680321" y="3082793"/>
+            <a:ext cx="10838389" cy="3693319"/>
+          </a:xfrm>
+          <a:prstGeom prst="rect">
+            <a:avLst/>
+          </a:prstGeom>
+        </p:spPr>
+        <p:style>
+          <a:lnRef idx="2">
+            <a:schemeClr val="accent2"/>
+          </a:lnRef>
+          <a:fillRef idx="1">
+            <a:schemeClr val="lt1"/>
+          </a:fillRef>
+          <a:effectRef idx="0">
+            <a:schemeClr val="accent2"/>
+          </a:effectRef>
+          <a:fontRef idx="minor">
+            <a:schemeClr val="dk1"/>
+          </a:fontRef>
+        </p:style>
+        <p:txBody>
+          <a:bodyPr wrap="square">
+            <a:spAutoFit/>
+          </a:bodyPr>
+          <a:lstStyle/>
+          <a:p>
+            <a:pPr>
+              <a:defRPr/>
+            </a:pPr>
+            <a:r>
+              <a:rPr lang="es-AR" dirty="0" err="1">
+                <a:solidFill>
+                  <a:srgbClr val="0000FF"/>
+                </a:solidFill>
+                <a:highlight>
+                  <a:srgbClr val="FFFFFF"/>
+                </a:highlight>
+                <a:latin typeface="Consolas" panose="020B0609020204030204" pitchFamily="49" charset="0"/>
+              </a:rPr>
+              <a:t>public</a:t>
+            </a:r>
+            <a:r>
+              <a:rPr lang="es-AR" dirty="0">
+                <a:solidFill>
+                  <a:srgbClr val="000000"/>
+                </a:solidFill>
+                <a:highlight>
+                  <a:srgbClr val="FFFFFF"/>
+                </a:highlight>
+                <a:latin typeface="Consolas" panose="020B0609020204030204" pitchFamily="49" charset="0"/>
+              </a:rPr>
+              <a:t> </a:t>
+            </a:r>
+            <a:r>
+              <a:rPr lang="es-AR" dirty="0" err="1">
+                <a:solidFill>
+                  <a:srgbClr val="0000FF"/>
+                </a:solidFill>
+                <a:highlight>
+                  <a:srgbClr val="FFFFFF"/>
+                </a:highlight>
+                <a:latin typeface="Consolas" panose="020B0609020204030204" pitchFamily="49" charset="0"/>
+              </a:rPr>
+              <a:t>enum</a:t>
+            </a:r>
+            <a:r>
+              <a:rPr lang="es-AR" dirty="0">
+                <a:solidFill>
+                  <a:srgbClr val="000000"/>
+                </a:solidFill>
+                <a:highlight>
+                  <a:srgbClr val="FFFFFF"/>
+                </a:highlight>
+                <a:latin typeface="Consolas" panose="020B0609020204030204" pitchFamily="49" charset="0"/>
+              </a:rPr>
+              <a:t> </a:t>
+            </a:r>
+            <a:r>
+              <a:rPr lang="es-AR" dirty="0" err="1">
+                <a:solidFill>
+                  <a:srgbClr val="2B91AF"/>
+                </a:solidFill>
+                <a:highlight>
+                  <a:srgbClr val="FFFFFF"/>
+                </a:highlight>
+                <a:latin typeface="Consolas" panose="020B0609020204030204" pitchFamily="49" charset="0"/>
+              </a:rPr>
+              <a:t>DiasDeLaSemana</a:t>
+            </a:r>
+            <a:endParaRPr lang="es-AR" dirty="0">
+              <a:solidFill>
+                <a:srgbClr val="000000"/>
+              </a:solidFill>
+              <a:highlight>
+                <a:srgbClr val="FFFFFF"/>
+              </a:highlight>
+              <a:latin typeface="Consolas" panose="020B0609020204030204" pitchFamily="49" charset="0"/>
+            </a:endParaRPr>
+          </a:p>
+          <a:p>
+            <a:pPr>
+              <a:defRPr/>
+            </a:pPr>
+            <a:r>
+              <a:rPr lang="es-AR" dirty="0">
+                <a:solidFill>
+                  <a:srgbClr val="000000"/>
+                </a:solidFill>
+                <a:highlight>
+                  <a:srgbClr val="FFFFFF"/>
+                </a:highlight>
+                <a:latin typeface="Consolas" panose="020B0609020204030204" pitchFamily="49" charset="0"/>
+              </a:rPr>
+              <a:t>{</a:t>
+            </a:r>
+          </a:p>
+          <a:p>
+            <a:pPr>
+              <a:defRPr/>
+            </a:pPr>
+            <a:r>
+              <a:rPr lang="es-AR" dirty="0">
+                <a:solidFill>
+                  <a:srgbClr val="000000"/>
+                </a:solidFill>
+                <a:highlight>
+                  <a:srgbClr val="FFFFFF"/>
+                </a:highlight>
+                <a:latin typeface="Consolas" panose="020B0609020204030204" pitchFamily="49" charset="0"/>
+              </a:rPr>
+              <a:t>    Domingo,</a:t>
+            </a:r>
+          </a:p>
+          <a:p>
+            <a:pPr>
+              <a:defRPr/>
+            </a:pPr>
+            <a:r>
+              <a:rPr lang="es-AR" dirty="0">
+                <a:solidFill>
+                  <a:srgbClr val="000000"/>
+                </a:solidFill>
+                <a:highlight>
+                  <a:srgbClr val="FFFFFF"/>
+                </a:highlight>
+                <a:latin typeface="Consolas" panose="020B0609020204030204" pitchFamily="49" charset="0"/>
+              </a:rPr>
               <a:t>    Lunes = 10,</a:t>
             </a:r>
           </a:p>
@@ -9593,6 +9921,13 @@
   <p:clrMapOvr>
     <a:masterClrMapping/>
   </p:clrMapOvr>
+  <p:timing>
+    <p:tnLst>
+      <p:par>
+        <p:cTn id="1" dur="indefinite" restart="never" nodeType="tmRoot"/>
+      </p:par>
+    </p:tnLst>
+  </p:timing>
 </p:sld>
 </file>
 
@@ -9723,6 +10058,13 @@
   <p:clrMapOvr>
     <a:masterClrMapping/>
   </p:clrMapOvr>
+  <p:timing>
+    <p:tnLst>
+      <p:par>
+        <p:cTn id="1" dur="indefinite" restart="never" nodeType="tmRoot"/>
+      </p:par>
+    </p:tnLst>
+  </p:timing>
 </p:sld>
 </file>
 
@@ -9881,6 +10223,13 @@
   <p:clrMapOvr>
     <a:masterClrMapping/>
   </p:clrMapOvr>
+  <p:timing>
+    <p:tnLst>
+      <p:par>
+        <p:cTn id="1" dur="indefinite" restart="never" nodeType="tmRoot"/>
+      </p:par>
+    </p:tnLst>
+  </p:timing>
 </p:sld>
 </file>
 
@@ -10067,6 +10416,13 @@
   <p:clrMapOvr>
     <a:masterClrMapping/>
   </p:clrMapOvr>
+  <p:timing>
+    <p:tnLst>
+      <p:par>
+        <p:cTn id="1" dur="indefinite" restart="never" nodeType="tmRoot"/>
+      </p:par>
+    </p:tnLst>
+  </p:timing>
 </p:sld>
 </file>
 
@@ -10744,6 +11100,13 @@
   <p:clrMapOvr>
     <a:masterClrMapping/>
   </p:clrMapOvr>
+  <p:timing>
+    <p:tnLst>
+      <p:par>
+        <p:cTn id="1" dur="indefinite" restart="never" nodeType="tmRoot"/>
+      </p:par>
+    </p:tnLst>
+  </p:timing>
 </p:sld>
 </file>
 
@@ -11006,6 +11369,13 @@
   <p:clrMapOvr>
     <a:masterClrMapping/>
   </p:clrMapOvr>
+  <p:timing>
+    <p:tnLst>
+      <p:par>
+        <p:cTn id="1" dur="indefinite" restart="never" nodeType="tmRoot"/>
+      </p:par>
+    </p:tnLst>
+  </p:timing>
 </p:sld>
 </file>
 
@@ -11663,6 +12033,13 @@
   <p:clrMapOvr>
     <a:masterClrMapping/>
   </p:clrMapOvr>
+  <p:timing>
+    <p:tnLst>
+      <p:par>
+        <p:cTn id="1" dur="indefinite" restart="never" nodeType="tmRoot"/>
+      </p:par>
+    </p:tnLst>
+  </p:timing>
 </p:sld>
 </file>
 
@@ -11929,6 +12306,13 @@
   <p:clrMapOvr>
     <a:masterClrMapping/>
   </p:clrMapOvr>
+  <p:timing>
+    <p:tnLst>
+      <p:par>
+        <p:cTn id="1" dur="indefinite" restart="never" nodeType="tmRoot"/>
+      </p:par>
+    </p:tnLst>
+  </p:timing>
 </p:sld>
 </file>
 
@@ -11974,57 +12358,86 @@
       </p:sp>
       <p:sp>
         <p:nvSpPr>
-          <p:cNvPr id="3" name="Marcador de contenido 2"/>
-          <p:cNvSpPr>
-            <a:spLocks noGrp="1"/>
-          </p:cNvSpPr>
-          <p:nvPr>
-            <p:ph idx="1"/>
-          </p:nvPr>
-        </p:nvSpPr>
-        <p:spPr/>
-        <p:txBody>
-          <a:bodyPr/>
+          <p:cNvPr id="4" name="Rectángulo 3"/>
+          <p:cNvSpPr/>
+          <p:nvPr/>
+        </p:nvSpPr>
+        <p:spPr>
+          <a:xfrm>
+            <a:off x="680321" y="2017179"/>
+            <a:ext cx="10660969" cy="4801314"/>
+          </a:xfrm>
+          <a:prstGeom prst="rect">
+            <a:avLst/>
+          </a:prstGeom>
+        </p:spPr>
+        <p:style>
+          <a:lnRef idx="2">
+            <a:schemeClr val="accent2"/>
+          </a:lnRef>
+          <a:fillRef idx="1">
+            <a:schemeClr val="lt1"/>
+          </a:fillRef>
+          <a:effectRef idx="0">
+            <a:schemeClr val="accent2"/>
+          </a:effectRef>
+          <a:fontRef idx="minor">
+            <a:schemeClr val="dk1"/>
+          </a:fontRef>
+        </p:style>
+        <p:txBody>
+          <a:bodyPr wrap="square">
+            <a:spAutoFit/>
+          </a:bodyPr>
           <a:lstStyle/>
           <a:p>
             <a:pPr>
               <a:defRPr/>
             </a:pPr>
             <a:r>
+              <a:rPr lang="es-AR" dirty="0" err="1">
+                <a:solidFill>
+                  <a:srgbClr val="0000FF"/>
+                </a:solidFill>
+                <a:highlight>
+                  <a:srgbClr val="FFFFFF"/>
+                </a:highlight>
+                <a:latin typeface="Consolas" panose="020B0609020204030204" pitchFamily="49" charset="0"/>
+              </a:rPr>
+              <a:t>class</a:t>
+            </a:r>
+            <a:r>
               <a:rPr lang="es-AR" dirty="0">
-                <a:effectLst>
-                  <a:outerShdw blurRad="38100" dist="38100" dir="2700000" algn="tl">
-                    <a:srgbClr val="000000">
-                      <a:alpha val="43137"/>
-                    </a:srgbClr>
-                  </a:outerShdw>
-                </a:effectLst>
-                <a:latin typeface="Franklin Gothic Medium" panose="020B0603020102020204" pitchFamily="34" charset="0"/>
-              </a:rPr>
-              <a:t>Son un conjunto propio de constantes con nombre</a:t>
-            </a:r>
-            <a:r>
-              <a:rPr lang="es-AR" dirty="0" smtClean="0">
-                <a:effectLst>
-                  <a:outerShdw blurRad="38100" dist="38100" dir="2700000" algn="tl">
-                    <a:srgbClr val="000000">
-                      <a:alpha val="43137"/>
-                    </a:srgbClr>
-                  </a:outerShdw>
-                </a:effectLst>
-                <a:latin typeface="Franklin Gothic Medium" panose="020B0603020102020204" pitchFamily="34" charset="0"/>
-              </a:rPr>
-              <a:t>.</a:t>
+                <a:solidFill>
+                  <a:srgbClr val="000000"/>
+                </a:solidFill>
+                <a:highlight>
+                  <a:srgbClr val="FFFFFF"/>
+                </a:highlight>
+                <a:latin typeface="Consolas" panose="020B0609020204030204" pitchFamily="49" charset="0"/>
+              </a:rPr>
+              <a:t> </a:t>
+            </a:r>
+            <a:r>
+              <a:rPr lang="es-AR" dirty="0" err="1">
+                <a:solidFill>
+                  <a:srgbClr val="2B91AF"/>
+                </a:solidFill>
+                <a:highlight>
+                  <a:srgbClr val="FFFFFF"/>
+                </a:highlight>
+                <a:latin typeface="Consolas" panose="020B0609020204030204" pitchFamily="49" charset="0"/>
+              </a:rPr>
+              <a:t>EjemploIndexadores</a:t>
             </a:r>
             <a:endParaRPr lang="es-AR" dirty="0">
-              <a:effectLst>
-                <a:outerShdw blurRad="38100" dist="38100" dir="2700000" algn="tl">
-                  <a:srgbClr val="000000">
-                    <a:alpha val="43137"/>
-                  </a:srgbClr>
-                </a:outerShdw>
-              </a:effectLst>
-              <a:latin typeface="Franklin Gothic Medium" panose="020B0603020102020204" pitchFamily="34" charset="0"/>
+              <a:solidFill>
+                <a:srgbClr val="000000"/>
+              </a:solidFill>
+              <a:highlight>
+                <a:srgbClr val="FFFFFF"/>
+              </a:highlight>
+              <a:latin typeface="Consolas" panose="020B0609020204030204" pitchFamily="49" charset="0"/>
             </a:endParaRPr>
           </a:p>
           <a:p>
@@ -12033,40 +12446,16 @@
             </a:pPr>
             <a:r>
               <a:rPr lang="es-AR" dirty="0">
-                <a:effectLst>
-                  <a:outerShdw blurRad="38100" dist="38100" dir="2700000" algn="tl">
-                    <a:srgbClr val="000000">
-                      <a:alpha val="43137"/>
-                    </a:srgbClr>
-                  </a:outerShdw>
-                </a:effectLst>
-                <a:latin typeface="Franklin Gothic Medium" panose="020B0603020102020204" pitchFamily="34" charset="0"/>
-              </a:rPr>
-              <a:t>Estos tipos de datos permiten declarar un conjunto de nombres u otros valores literales que definen todos los valores posibles que se pueden asignar a una variable</a:t>
-            </a:r>
-            <a:r>
-              <a:rPr lang="es-AR" dirty="0" smtClean="0">
-                <a:effectLst>
-                  <a:outerShdw blurRad="38100" dist="38100" dir="2700000" algn="tl">
-                    <a:srgbClr val="000000">
-                      <a:alpha val="43137"/>
-                    </a:srgbClr>
-                  </a:outerShdw>
-                </a:effectLst>
-                <a:latin typeface="Franklin Gothic Medium" panose="020B0603020102020204" pitchFamily="34" charset="0"/>
-              </a:rPr>
-              <a:t>.</a:t>
-            </a:r>
-            <a:endParaRPr lang="es-AR" dirty="0">
-              <a:effectLst>
-                <a:outerShdw blurRad="38100" dist="38100" dir="2700000" algn="tl">
-                  <a:srgbClr val="000000">
-                    <a:alpha val="43137"/>
-                  </a:srgbClr>
-                </a:outerShdw>
-              </a:effectLst>
-              <a:latin typeface="Franklin Gothic Medium" panose="020B0603020102020204" pitchFamily="34" charset="0"/>
-            </a:endParaRPr>
+                <a:solidFill>
+                  <a:srgbClr val="000000"/>
+                </a:solidFill>
+                <a:highlight>
+                  <a:srgbClr val="FFFFFF"/>
+                </a:highlight>
+                <a:latin typeface="Consolas" panose="020B0609020204030204" pitchFamily="49" charset="0"/>
+              </a:rPr>
+              <a:t>{</a:t>
+            </a:r>
           </a:p>
           <a:p>
             <a:pPr>
@@ -12074,162 +12463,746 @@
             </a:pPr>
             <a:r>
               <a:rPr lang="es-AR" dirty="0">
-                <a:effectLst>
-                  <a:outerShdw blurRad="38100" dist="38100" dir="2700000" algn="tl">
-                    <a:srgbClr val="000000">
-                      <a:alpha val="43137"/>
-                    </a:srgbClr>
-                  </a:outerShdw>
-                </a:effectLst>
-                <a:latin typeface="Franklin Gothic Medium" panose="020B0603020102020204" pitchFamily="34" charset="0"/>
-              </a:rPr>
-              <a:t>Por dentro, estas constantes están asociadas con el tipo de dato </a:t>
+                <a:solidFill>
+                  <a:srgbClr val="000000"/>
+                </a:solidFill>
+                <a:highlight>
+                  <a:srgbClr val="FFFFFF"/>
+                </a:highlight>
+                <a:latin typeface="Consolas" panose="020B0609020204030204" pitchFamily="49" charset="0"/>
+              </a:rPr>
+              <a:t>    </a:t>
+            </a:r>
+            <a:r>
+              <a:rPr lang="es-AR" dirty="0">
+                <a:solidFill>
+                  <a:srgbClr val="008000"/>
+                </a:solidFill>
+                <a:highlight>
+                  <a:srgbClr val="FFFFFF"/>
+                </a:highlight>
+                <a:latin typeface="Consolas" panose="020B0609020204030204" pitchFamily="49" charset="0"/>
+              </a:rPr>
+              <a:t>// Declaro un </a:t>
             </a:r>
             <a:r>
               <a:rPr lang="es-AR" dirty="0" err="1">
-                <a:effectLst>
-                  <a:outerShdw blurRad="38100" dist="38100" dir="2700000" algn="tl">
-                    <a:srgbClr val="000000">
-                      <a:alpha val="43137"/>
-                    </a:srgbClr>
-                  </a:outerShdw>
-                </a:effectLst>
-                <a:latin typeface="Franklin Gothic Medium" panose="020B0603020102020204" pitchFamily="34" charset="0"/>
-              </a:rPr>
-              <a:t>int</a:t>
-            </a:r>
-            <a:r>
-              <a:rPr lang="es-AR" dirty="0" smtClean="0">
-                <a:effectLst>
-                  <a:outerShdw blurRad="38100" dist="38100" dir="2700000" algn="tl">
-                    <a:srgbClr val="000000">
-                      <a:alpha val="43137"/>
-                    </a:srgbClr>
-                  </a:outerShdw>
-                </a:effectLst>
-                <a:latin typeface="Franklin Gothic Medium" panose="020B0603020102020204" pitchFamily="34" charset="0"/>
-              </a:rPr>
-              <a:t>.</a:t>
-            </a:r>
+                <a:solidFill>
+                  <a:srgbClr val="008000"/>
+                </a:solidFill>
+                <a:highlight>
+                  <a:srgbClr val="FFFFFF"/>
+                </a:highlight>
+                <a:latin typeface="Consolas" panose="020B0609020204030204" pitchFamily="49" charset="0"/>
+              </a:rPr>
+              <a:t>array</a:t>
+            </a:r>
+            <a:endParaRPr lang="es-AR" dirty="0">
+              <a:solidFill>
+                <a:srgbClr val="000000"/>
+              </a:solidFill>
+              <a:highlight>
+                <a:srgbClr val="FFFFFF"/>
+              </a:highlight>
+              <a:latin typeface="Consolas" panose="020B0609020204030204" pitchFamily="49" charset="0"/>
+            </a:endParaRPr>
           </a:p>
           <a:p>
             <a:pPr>
               <a:defRPr/>
             </a:pPr>
             <a:r>
-              <a:rPr lang="es-ES" dirty="0">
-                <a:effectLst>
-                  <a:outerShdw blurRad="38100" dist="38100" dir="2700000" algn="tl">
-                    <a:srgbClr val="000000">
-                      <a:alpha val="43137"/>
-                    </a:srgbClr>
-                  </a:outerShdw>
-                </a:effectLst>
-                <a:latin typeface="Franklin Gothic Medium" panose="020B0603020102020204" pitchFamily="34" charset="0"/>
-              </a:rPr>
-              <a:t>Normalmente es mejor definir un </a:t>
-            </a:r>
-            <a:r>
-              <a:rPr lang="es-ES" dirty="0" err="1">
-                <a:effectLst>
-                  <a:outerShdw blurRad="38100" dist="38100" dir="2700000" algn="tl">
-                    <a:srgbClr val="000000">
-                      <a:alpha val="43137"/>
-                    </a:srgbClr>
-                  </a:outerShdw>
-                </a:effectLst>
-                <a:latin typeface="Franklin Gothic Medium" panose="020B0603020102020204" pitchFamily="34" charset="0"/>
-              </a:rPr>
-              <a:t>enum</a:t>
-            </a:r>
-            <a:r>
-              <a:rPr lang="es-ES" dirty="0">
-                <a:effectLst>
-                  <a:outerShdw blurRad="38100" dist="38100" dir="2700000" algn="tl">
-                    <a:srgbClr val="000000">
-                      <a:alpha val="43137"/>
-                    </a:srgbClr>
-                  </a:outerShdw>
-                </a:effectLst>
-                <a:latin typeface="Franklin Gothic Medium" panose="020B0603020102020204" pitchFamily="34" charset="0"/>
-              </a:rPr>
-              <a:t> directamente dentro de un espacio de nombres para que todas las clases del espacio de nombres puedan acceder a él con igual comodidad. Sin embargo, un </a:t>
-            </a:r>
-            <a:r>
-              <a:rPr lang="es-ES" dirty="0" err="1">
-                <a:effectLst>
-                  <a:outerShdw blurRad="38100" dist="38100" dir="2700000" algn="tl">
-                    <a:srgbClr val="000000">
-                      <a:alpha val="43137"/>
-                    </a:srgbClr>
-                  </a:outerShdw>
-                </a:effectLst>
-                <a:latin typeface="Franklin Gothic Medium" panose="020B0603020102020204" pitchFamily="34" charset="0"/>
-              </a:rPr>
-              <a:t>enum</a:t>
-            </a:r>
-            <a:r>
-              <a:rPr lang="es-ES" dirty="0">
-                <a:effectLst>
-                  <a:outerShdw blurRad="38100" dist="38100" dir="2700000" algn="tl">
-                    <a:srgbClr val="000000">
-                      <a:alpha val="43137"/>
-                    </a:srgbClr>
-                  </a:outerShdw>
-                </a:effectLst>
-                <a:latin typeface="Franklin Gothic Medium" panose="020B0603020102020204" pitchFamily="34" charset="0"/>
-              </a:rPr>
-              <a:t> también se puede anidar dentro de una clase o </a:t>
-            </a:r>
-            <a:r>
-              <a:rPr lang="es-ES" dirty="0" err="1">
-                <a:effectLst>
-                  <a:outerShdw blurRad="38100" dist="38100" dir="2700000" algn="tl">
-                    <a:srgbClr val="000000">
-                      <a:alpha val="43137"/>
-                    </a:srgbClr>
-                  </a:outerShdw>
-                </a:effectLst>
-                <a:latin typeface="Franklin Gothic Medium" panose="020B0603020102020204" pitchFamily="34" charset="0"/>
-              </a:rPr>
-              <a:t>struct</a:t>
-            </a:r>
-            <a:r>
-              <a:rPr lang="es-ES" dirty="0" smtClean="0">
-                <a:effectLst>
-                  <a:outerShdw blurRad="38100" dist="38100" dir="2700000" algn="tl">
-                    <a:srgbClr val="000000">
-                      <a:alpha val="43137"/>
-                    </a:srgbClr>
-                  </a:outerShdw>
-                </a:effectLst>
-                <a:latin typeface="Franklin Gothic Medium" panose="020B0603020102020204" pitchFamily="34" charset="0"/>
-              </a:rPr>
-              <a:t>.</a:t>
-            </a:r>
-            <a:endParaRPr lang="es-ES" dirty="0">
-              <a:effectLst>
-                <a:outerShdw blurRad="38100" dist="38100" dir="2700000" algn="tl">
-                  <a:srgbClr val="000000">
-                    <a:alpha val="43137"/>
-                  </a:srgbClr>
-                </a:outerShdw>
-              </a:effectLst>
-              <a:latin typeface="Franklin Gothic Medium" panose="020B0603020102020204" pitchFamily="34" charset="0"/>
+              <a:rPr lang="es-AR" dirty="0">
+                <a:solidFill>
+                  <a:srgbClr val="000000"/>
+                </a:solidFill>
+                <a:highlight>
+                  <a:srgbClr val="FFFFFF"/>
+                </a:highlight>
+                <a:latin typeface="Consolas" panose="020B0609020204030204" pitchFamily="49" charset="0"/>
+              </a:rPr>
+              <a:t>    </a:t>
+            </a:r>
+            <a:r>
+              <a:rPr lang="es-AR" dirty="0" err="1">
+                <a:solidFill>
+                  <a:srgbClr val="0000FF"/>
+                </a:solidFill>
+                <a:highlight>
+                  <a:srgbClr val="FFFFFF"/>
+                </a:highlight>
+                <a:latin typeface="Consolas" panose="020B0609020204030204" pitchFamily="49" charset="0"/>
+              </a:rPr>
+              <a:t>private</a:t>
+            </a:r>
+            <a:r>
+              <a:rPr lang="es-AR" dirty="0">
+                <a:solidFill>
+                  <a:srgbClr val="000000"/>
+                </a:solidFill>
+                <a:highlight>
+                  <a:srgbClr val="FFFFFF"/>
+                </a:highlight>
+                <a:latin typeface="Consolas" panose="020B0609020204030204" pitchFamily="49" charset="0"/>
+              </a:rPr>
+              <a:t> </a:t>
+            </a:r>
+            <a:r>
+              <a:rPr lang="es-AR" dirty="0" err="1">
+                <a:solidFill>
+                  <a:srgbClr val="0000FF"/>
+                </a:solidFill>
+                <a:highlight>
+                  <a:srgbClr val="FFFFFF"/>
+                </a:highlight>
+                <a:latin typeface="Consolas" panose="020B0609020204030204" pitchFamily="49" charset="0"/>
+              </a:rPr>
+              <a:t>string</a:t>
+            </a:r>
+            <a:r>
+              <a:rPr lang="es-AR" dirty="0">
+                <a:solidFill>
+                  <a:srgbClr val="000000"/>
+                </a:solidFill>
+                <a:highlight>
+                  <a:srgbClr val="FFFFFF"/>
+                </a:highlight>
+                <a:latin typeface="Consolas" panose="020B0609020204030204" pitchFamily="49" charset="0"/>
+              </a:rPr>
+              <a:t>[] palabras = </a:t>
+            </a:r>
+            <a:r>
+              <a:rPr lang="es-AR" dirty="0">
+                <a:solidFill>
+                  <a:srgbClr val="0000FF"/>
+                </a:solidFill>
+                <a:highlight>
+                  <a:srgbClr val="FFFFFF"/>
+                </a:highlight>
+                <a:latin typeface="Consolas" panose="020B0609020204030204" pitchFamily="49" charset="0"/>
+              </a:rPr>
+              <a:t>new</a:t>
+            </a:r>
+            <a:r>
+              <a:rPr lang="es-AR" dirty="0">
+                <a:solidFill>
+                  <a:srgbClr val="000000"/>
+                </a:solidFill>
+                <a:highlight>
+                  <a:srgbClr val="FFFFFF"/>
+                </a:highlight>
+                <a:latin typeface="Consolas" panose="020B0609020204030204" pitchFamily="49" charset="0"/>
+              </a:rPr>
+              <a:t> </a:t>
+            </a:r>
+            <a:r>
+              <a:rPr lang="es-AR" dirty="0" err="1">
+                <a:solidFill>
+                  <a:srgbClr val="0000FF"/>
+                </a:solidFill>
+                <a:highlight>
+                  <a:srgbClr val="FFFFFF"/>
+                </a:highlight>
+                <a:latin typeface="Consolas" panose="020B0609020204030204" pitchFamily="49" charset="0"/>
+              </a:rPr>
+              <a:t>string</a:t>
+            </a:r>
+            <a:r>
+              <a:rPr lang="es-AR" dirty="0">
+                <a:solidFill>
+                  <a:srgbClr val="000000"/>
+                </a:solidFill>
+                <a:highlight>
+                  <a:srgbClr val="FFFFFF"/>
+                </a:highlight>
+                <a:latin typeface="Consolas" panose="020B0609020204030204" pitchFamily="49" charset="0"/>
+              </a:rPr>
+              <a:t>[100];</a:t>
+            </a:r>
+          </a:p>
+          <a:p>
+            <a:pPr>
+              <a:defRPr/>
+            </a:pPr>
+            <a:endParaRPr lang="es-AR" dirty="0">
+              <a:solidFill>
+                <a:srgbClr val="000000"/>
+              </a:solidFill>
+              <a:highlight>
+                <a:srgbClr val="FFFFFF"/>
+              </a:highlight>
+              <a:latin typeface="Consolas" panose="020B0609020204030204" pitchFamily="49" charset="0"/>
             </a:endParaRPr>
+          </a:p>
+          <a:p>
+            <a:pPr>
+              <a:defRPr/>
+            </a:pPr>
+            <a:r>
+              <a:rPr lang="es-AR" dirty="0">
+                <a:solidFill>
+                  <a:srgbClr val="000000"/>
+                </a:solidFill>
+                <a:highlight>
+                  <a:srgbClr val="FFFFFF"/>
+                </a:highlight>
+                <a:latin typeface="Consolas" panose="020B0609020204030204" pitchFamily="49" charset="0"/>
+              </a:rPr>
+              <a:t>    </a:t>
+            </a:r>
+            <a:r>
+              <a:rPr lang="es-AR" dirty="0">
+                <a:solidFill>
+                  <a:srgbClr val="008000"/>
+                </a:solidFill>
+                <a:highlight>
+                  <a:srgbClr val="FFFFFF"/>
+                </a:highlight>
+                <a:latin typeface="Consolas" panose="020B0609020204030204" pitchFamily="49" charset="0"/>
+              </a:rPr>
+              <a:t>// Defino el indexador</a:t>
+            </a:r>
+            <a:endParaRPr lang="es-AR" dirty="0">
+              <a:solidFill>
+                <a:srgbClr val="000000"/>
+              </a:solidFill>
+              <a:highlight>
+                <a:srgbClr val="FFFFFF"/>
+              </a:highlight>
+              <a:latin typeface="Consolas" panose="020B0609020204030204" pitchFamily="49" charset="0"/>
+            </a:endParaRPr>
+          </a:p>
+          <a:p>
+            <a:pPr>
+              <a:defRPr/>
+            </a:pPr>
+            <a:r>
+              <a:rPr lang="es-AR" dirty="0">
+                <a:solidFill>
+                  <a:srgbClr val="000000"/>
+                </a:solidFill>
+                <a:highlight>
+                  <a:srgbClr val="FFFFFF"/>
+                </a:highlight>
+                <a:latin typeface="Consolas" panose="020B0609020204030204" pitchFamily="49" charset="0"/>
+              </a:rPr>
+              <a:t>    </a:t>
+            </a:r>
+            <a:r>
+              <a:rPr lang="es-AR" dirty="0" err="1">
+                <a:solidFill>
+                  <a:srgbClr val="0000FF"/>
+                </a:solidFill>
+                <a:highlight>
+                  <a:srgbClr val="FFFFFF"/>
+                </a:highlight>
+                <a:latin typeface="Consolas" panose="020B0609020204030204" pitchFamily="49" charset="0"/>
+              </a:rPr>
+              <a:t>public</a:t>
+            </a:r>
+            <a:r>
+              <a:rPr lang="es-AR" dirty="0">
+                <a:solidFill>
+                  <a:srgbClr val="000000"/>
+                </a:solidFill>
+                <a:highlight>
+                  <a:srgbClr val="FFFFFF"/>
+                </a:highlight>
+                <a:latin typeface="Consolas" panose="020B0609020204030204" pitchFamily="49" charset="0"/>
+              </a:rPr>
+              <a:t> </a:t>
+            </a:r>
+            <a:r>
+              <a:rPr lang="es-AR" dirty="0" err="1">
+                <a:solidFill>
+                  <a:srgbClr val="0000FF"/>
+                </a:solidFill>
+                <a:highlight>
+                  <a:srgbClr val="FFFFFF"/>
+                </a:highlight>
+                <a:latin typeface="Consolas" panose="020B0609020204030204" pitchFamily="49" charset="0"/>
+              </a:rPr>
+              <a:t>string</a:t>
+            </a:r>
+            <a:r>
+              <a:rPr lang="es-AR" dirty="0">
+                <a:solidFill>
+                  <a:srgbClr val="000000"/>
+                </a:solidFill>
+                <a:highlight>
+                  <a:srgbClr val="FFFFFF"/>
+                </a:highlight>
+                <a:latin typeface="Consolas" panose="020B0609020204030204" pitchFamily="49" charset="0"/>
+              </a:rPr>
+              <a:t> </a:t>
+            </a:r>
+            <a:r>
+              <a:rPr lang="es-AR" dirty="0" err="1">
+                <a:solidFill>
+                  <a:srgbClr val="0000FF"/>
+                </a:solidFill>
+                <a:highlight>
+                  <a:srgbClr val="FFFFFF"/>
+                </a:highlight>
+                <a:latin typeface="Consolas" panose="020B0609020204030204" pitchFamily="49" charset="0"/>
+              </a:rPr>
+              <a:t>this</a:t>
+            </a:r>
+            <a:r>
+              <a:rPr lang="es-AR" dirty="0">
+                <a:solidFill>
+                  <a:srgbClr val="000000"/>
+                </a:solidFill>
+                <a:highlight>
+                  <a:srgbClr val="FFFFFF"/>
+                </a:highlight>
+                <a:latin typeface="Consolas" panose="020B0609020204030204" pitchFamily="49" charset="0"/>
+              </a:rPr>
+              <a:t>[</a:t>
+            </a:r>
+            <a:r>
+              <a:rPr lang="es-AR" dirty="0" err="1">
+                <a:solidFill>
+                  <a:srgbClr val="0000FF"/>
+                </a:solidFill>
+                <a:highlight>
+                  <a:srgbClr val="FFFFFF"/>
+                </a:highlight>
+                <a:latin typeface="Consolas" panose="020B0609020204030204" pitchFamily="49" charset="0"/>
+              </a:rPr>
+              <a:t>int</a:t>
+            </a:r>
+            <a:r>
+              <a:rPr lang="es-AR" dirty="0">
+                <a:solidFill>
+                  <a:srgbClr val="000000"/>
+                </a:solidFill>
+                <a:highlight>
+                  <a:srgbClr val="FFFFFF"/>
+                </a:highlight>
+                <a:latin typeface="Consolas" panose="020B0609020204030204" pitchFamily="49" charset="0"/>
+              </a:rPr>
+              <a:t> i]</a:t>
+            </a:r>
+          </a:p>
+          <a:p>
+            <a:pPr>
+              <a:defRPr/>
+            </a:pPr>
+            <a:r>
+              <a:rPr lang="es-AR" dirty="0">
+                <a:solidFill>
+                  <a:srgbClr val="000000"/>
+                </a:solidFill>
+                <a:highlight>
+                  <a:srgbClr val="FFFFFF"/>
+                </a:highlight>
+                <a:latin typeface="Consolas" panose="020B0609020204030204" pitchFamily="49" charset="0"/>
+              </a:rPr>
+              <a:t>    {</a:t>
+            </a:r>
+          </a:p>
+          <a:p>
+            <a:pPr>
+              <a:defRPr/>
+            </a:pPr>
+            <a:r>
+              <a:rPr lang="es-AR" dirty="0">
+                <a:solidFill>
+                  <a:srgbClr val="000000"/>
+                </a:solidFill>
+                <a:highlight>
+                  <a:srgbClr val="FFFFFF"/>
+                </a:highlight>
+                <a:latin typeface="Consolas" panose="020B0609020204030204" pitchFamily="49" charset="0"/>
+              </a:rPr>
+              <a:t>        </a:t>
+            </a:r>
+            <a:r>
+              <a:rPr lang="es-AR" dirty="0" err="1">
+                <a:solidFill>
+                  <a:srgbClr val="0000FF"/>
+                </a:solidFill>
+                <a:highlight>
+                  <a:srgbClr val="FFFFFF"/>
+                </a:highlight>
+                <a:latin typeface="Consolas" panose="020B0609020204030204" pitchFamily="49" charset="0"/>
+              </a:rPr>
+              <a:t>get</a:t>
+            </a:r>
+            <a:r>
+              <a:rPr lang="es-AR" dirty="0">
+                <a:solidFill>
+                  <a:srgbClr val="000000"/>
+                </a:solidFill>
+                <a:highlight>
+                  <a:srgbClr val="FFFFFF"/>
+                </a:highlight>
+                <a:latin typeface="Consolas" panose="020B0609020204030204" pitchFamily="49" charset="0"/>
+              </a:rPr>
+              <a:t> { </a:t>
+            </a:r>
+            <a:r>
+              <a:rPr lang="es-AR" dirty="0" err="1">
+                <a:solidFill>
+                  <a:srgbClr val="0000FF"/>
+                </a:solidFill>
+                <a:highlight>
+                  <a:srgbClr val="FFFFFF"/>
+                </a:highlight>
+                <a:latin typeface="Consolas" panose="020B0609020204030204" pitchFamily="49" charset="0"/>
+              </a:rPr>
+              <a:t>return</a:t>
+            </a:r>
+            <a:r>
+              <a:rPr lang="es-AR" dirty="0">
+                <a:solidFill>
+                  <a:srgbClr val="000000"/>
+                </a:solidFill>
+                <a:highlight>
+                  <a:srgbClr val="FFFFFF"/>
+                </a:highlight>
+                <a:latin typeface="Consolas" panose="020B0609020204030204" pitchFamily="49" charset="0"/>
+              </a:rPr>
+              <a:t> palabras[i]; }</a:t>
+            </a:r>
+          </a:p>
+          <a:p>
+            <a:pPr>
+              <a:defRPr/>
+            </a:pPr>
+            <a:r>
+              <a:rPr lang="es-AR" dirty="0">
+                <a:solidFill>
+                  <a:srgbClr val="000000"/>
+                </a:solidFill>
+                <a:highlight>
+                  <a:srgbClr val="FFFFFF"/>
+                </a:highlight>
+                <a:latin typeface="Consolas" panose="020B0609020204030204" pitchFamily="49" charset="0"/>
+              </a:rPr>
+              <a:t>        </a:t>
+            </a:r>
+            <a:r>
+              <a:rPr lang="es-AR" dirty="0">
+                <a:solidFill>
+                  <a:srgbClr val="0000FF"/>
+                </a:solidFill>
+                <a:highlight>
+                  <a:srgbClr val="FFFFFF"/>
+                </a:highlight>
+                <a:latin typeface="Consolas" panose="020B0609020204030204" pitchFamily="49" charset="0"/>
+              </a:rPr>
+              <a:t>set</a:t>
+            </a:r>
+            <a:r>
+              <a:rPr lang="es-AR" dirty="0">
+                <a:solidFill>
+                  <a:srgbClr val="000000"/>
+                </a:solidFill>
+                <a:highlight>
+                  <a:srgbClr val="FFFFFF"/>
+                </a:highlight>
+                <a:latin typeface="Consolas" panose="020B0609020204030204" pitchFamily="49" charset="0"/>
+              </a:rPr>
+              <a:t> { palabras[i] = </a:t>
+            </a:r>
+            <a:r>
+              <a:rPr lang="es-AR" dirty="0" err="1">
+                <a:solidFill>
+                  <a:srgbClr val="0000FF"/>
+                </a:solidFill>
+                <a:highlight>
+                  <a:srgbClr val="FFFFFF"/>
+                </a:highlight>
+                <a:latin typeface="Consolas" panose="020B0609020204030204" pitchFamily="49" charset="0"/>
+              </a:rPr>
+              <a:t>value</a:t>
+            </a:r>
+            <a:r>
+              <a:rPr lang="es-AR" dirty="0">
+                <a:solidFill>
+                  <a:srgbClr val="000000"/>
+                </a:solidFill>
+                <a:highlight>
+                  <a:srgbClr val="FFFFFF"/>
+                </a:highlight>
+                <a:latin typeface="Consolas" panose="020B0609020204030204" pitchFamily="49" charset="0"/>
+              </a:rPr>
+              <a:t>; }</a:t>
+            </a:r>
+          </a:p>
+          <a:p>
+            <a:pPr>
+              <a:defRPr/>
+            </a:pPr>
+            <a:r>
+              <a:rPr lang="es-AR" dirty="0">
+                <a:solidFill>
+                  <a:srgbClr val="000000"/>
+                </a:solidFill>
+                <a:highlight>
+                  <a:srgbClr val="FFFFFF"/>
+                </a:highlight>
+                <a:latin typeface="Consolas" panose="020B0609020204030204" pitchFamily="49" charset="0"/>
+              </a:rPr>
+              <a:t>    }</a:t>
+            </a:r>
+          </a:p>
+          <a:p>
+            <a:pPr>
+              <a:defRPr/>
+            </a:pPr>
+            <a:r>
+              <a:rPr lang="es-AR" dirty="0">
+                <a:solidFill>
+                  <a:srgbClr val="000000"/>
+                </a:solidFill>
+                <a:highlight>
+                  <a:srgbClr val="FFFFFF"/>
+                </a:highlight>
+                <a:latin typeface="Consolas" panose="020B0609020204030204" pitchFamily="49" charset="0"/>
+              </a:rPr>
+              <a:t>}</a:t>
+            </a:r>
+          </a:p>
+          <a:p>
+            <a:pPr>
+              <a:defRPr/>
+            </a:pPr>
+            <a:r>
+              <a:rPr lang="es-AR" dirty="0">
+                <a:solidFill>
+                  <a:srgbClr val="000000"/>
+                </a:solidFill>
+                <a:highlight>
+                  <a:srgbClr val="FFFFFF"/>
+                </a:highlight>
+                <a:latin typeface="Consolas" panose="020B0609020204030204" pitchFamily="49" charset="0"/>
+              </a:rPr>
+              <a:t>//...</a:t>
+            </a:r>
+          </a:p>
+          <a:p>
+            <a:pPr>
+              <a:defRPr/>
+            </a:pPr>
+            <a:r>
+              <a:rPr lang="es-AR" dirty="0" err="1">
+                <a:solidFill>
+                  <a:srgbClr val="2B91AF"/>
+                </a:solidFill>
+                <a:highlight>
+                  <a:srgbClr val="FFFFFF"/>
+                </a:highlight>
+                <a:latin typeface="Consolas" panose="020B0609020204030204" pitchFamily="49" charset="0"/>
+              </a:rPr>
+              <a:t>EjemploIndexadores</a:t>
+            </a:r>
+            <a:r>
+              <a:rPr lang="es-AR" dirty="0">
+                <a:solidFill>
+                  <a:srgbClr val="000000"/>
+                </a:solidFill>
+                <a:highlight>
+                  <a:srgbClr val="FFFFFF"/>
+                </a:highlight>
+                <a:latin typeface="Consolas" panose="020B0609020204030204" pitchFamily="49" charset="0"/>
+              </a:rPr>
+              <a:t> ejemplo = </a:t>
+            </a:r>
+            <a:r>
+              <a:rPr lang="es-AR" dirty="0">
+                <a:solidFill>
+                  <a:srgbClr val="0000FF"/>
+                </a:solidFill>
+                <a:highlight>
+                  <a:srgbClr val="FFFFFF"/>
+                </a:highlight>
+                <a:latin typeface="Consolas" panose="020B0609020204030204" pitchFamily="49" charset="0"/>
+              </a:rPr>
+              <a:t>new</a:t>
+            </a:r>
+            <a:r>
+              <a:rPr lang="es-AR" dirty="0">
+                <a:solidFill>
+                  <a:srgbClr val="000000"/>
+                </a:solidFill>
+                <a:highlight>
+                  <a:srgbClr val="FFFFFF"/>
+                </a:highlight>
+                <a:latin typeface="Consolas" panose="020B0609020204030204" pitchFamily="49" charset="0"/>
+              </a:rPr>
+              <a:t> </a:t>
+            </a:r>
+            <a:r>
+              <a:rPr lang="es-AR" dirty="0" err="1">
+                <a:solidFill>
+                  <a:srgbClr val="2B91AF"/>
+                </a:solidFill>
+                <a:highlight>
+                  <a:srgbClr val="FFFFFF"/>
+                </a:highlight>
+                <a:latin typeface="Consolas" panose="020B0609020204030204" pitchFamily="49" charset="0"/>
+              </a:rPr>
+              <a:t>EjemploIndexadores</a:t>
+            </a:r>
+            <a:r>
+              <a:rPr lang="es-AR" dirty="0">
+                <a:solidFill>
+                  <a:srgbClr val="000000"/>
+                </a:solidFill>
+                <a:highlight>
+                  <a:srgbClr val="FFFFFF"/>
+                </a:highlight>
+                <a:latin typeface="Consolas" panose="020B0609020204030204" pitchFamily="49" charset="0"/>
+              </a:rPr>
+              <a:t>();</a:t>
+            </a:r>
+          </a:p>
+          <a:p>
+            <a:pPr>
+              <a:defRPr/>
+            </a:pPr>
+            <a:r>
+              <a:rPr lang="es-AR" dirty="0">
+                <a:solidFill>
+                  <a:srgbClr val="000000"/>
+                </a:solidFill>
+                <a:highlight>
+                  <a:srgbClr val="FFFFFF"/>
+                </a:highlight>
+                <a:latin typeface="Consolas" panose="020B0609020204030204" pitchFamily="49" charset="0"/>
+              </a:rPr>
+              <a:t>ejemplo[0] = </a:t>
+            </a:r>
+            <a:r>
+              <a:rPr lang="es-AR" dirty="0">
+                <a:solidFill>
+                  <a:srgbClr val="A31515"/>
+                </a:solidFill>
+                <a:highlight>
+                  <a:srgbClr val="FFFFFF"/>
+                </a:highlight>
+                <a:latin typeface="Consolas" panose="020B0609020204030204" pitchFamily="49" charset="0"/>
+              </a:rPr>
+              <a:t>"Hola"</a:t>
+            </a:r>
+            <a:r>
+              <a:rPr lang="es-AR" dirty="0">
+                <a:solidFill>
+                  <a:srgbClr val="000000"/>
+                </a:solidFill>
+                <a:highlight>
+                  <a:srgbClr val="FFFFFF"/>
+                </a:highlight>
+                <a:latin typeface="Consolas" panose="020B0609020204030204" pitchFamily="49" charset="0"/>
+              </a:rPr>
+              <a:t>;</a:t>
+            </a:r>
+          </a:p>
+          <a:p>
+            <a:pPr>
+              <a:defRPr/>
+            </a:pPr>
+            <a:r>
+              <a:rPr lang="es-AR" dirty="0">
+                <a:solidFill>
+                  <a:srgbClr val="000000"/>
+                </a:solidFill>
+                <a:highlight>
+                  <a:srgbClr val="FFFFFF"/>
+                </a:highlight>
+                <a:latin typeface="Consolas" panose="020B0609020204030204" pitchFamily="49" charset="0"/>
+              </a:rPr>
+              <a:t>ejemplo[1] = </a:t>
+            </a:r>
+            <a:r>
+              <a:rPr lang="es-AR" dirty="0">
+                <a:solidFill>
+                  <a:srgbClr val="A31515"/>
+                </a:solidFill>
+                <a:highlight>
+                  <a:srgbClr val="FFFFFF"/>
+                </a:highlight>
+                <a:latin typeface="Consolas" panose="020B0609020204030204" pitchFamily="49" charset="0"/>
+              </a:rPr>
+              <a:t>"Chau"</a:t>
+            </a:r>
+            <a:r>
+              <a:rPr lang="es-AR" dirty="0">
+                <a:solidFill>
+                  <a:srgbClr val="000000"/>
+                </a:solidFill>
+                <a:highlight>
+                  <a:srgbClr val="FFFFFF"/>
+                </a:highlight>
+                <a:latin typeface="Consolas" panose="020B0609020204030204" pitchFamily="49" charset="0"/>
+              </a:rPr>
+              <a:t>;</a:t>
+            </a:r>
+          </a:p>
+          <a:p>
+            <a:pPr>
+              <a:defRPr/>
+            </a:pPr>
+            <a:r>
+              <a:rPr lang="es-AR" dirty="0" err="1">
+                <a:solidFill>
+                  <a:srgbClr val="2B91AF"/>
+                </a:solidFill>
+                <a:highlight>
+                  <a:srgbClr val="FFFFFF"/>
+                </a:highlight>
+                <a:latin typeface="Consolas" panose="020B0609020204030204" pitchFamily="49" charset="0"/>
+              </a:rPr>
+              <a:t>Console</a:t>
+            </a:r>
+            <a:r>
+              <a:rPr lang="es-AR" dirty="0" err="1">
+                <a:solidFill>
+                  <a:srgbClr val="000000"/>
+                </a:solidFill>
+                <a:highlight>
+                  <a:srgbClr val="FFFFFF"/>
+                </a:highlight>
+                <a:latin typeface="Consolas" panose="020B0609020204030204" pitchFamily="49" charset="0"/>
+              </a:rPr>
+              <a:t>.WriteLine</a:t>
+            </a:r>
+            <a:r>
+              <a:rPr lang="es-AR" dirty="0">
+                <a:solidFill>
+                  <a:srgbClr val="000000"/>
+                </a:solidFill>
+                <a:highlight>
+                  <a:srgbClr val="FFFFFF"/>
+                </a:highlight>
+                <a:latin typeface="Consolas" panose="020B0609020204030204" pitchFamily="49" charset="0"/>
+              </a:rPr>
+              <a:t>(ejemplo[0]);</a:t>
+            </a:r>
+            <a:endParaRPr lang="es-AR" dirty="0"/>
           </a:p>
         </p:txBody>
       </p:sp>
     </p:spTree>
     <p:extLst>
       <p:ext uri="{BB962C8B-B14F-4D97-AF65-F5344CB8AC3E}">
-        <p14:creationId xmlns:p14="http://schemas.microsoft.com/office/powerpoint/2010/main" val="1490050804"/>
+        <p14:creationId xmlns:p14="http://schemas.microsoft.com/office/powerpoint/2010/main" val="1305068042"/>
       </p:ext>
     </p:extLst>
   </p:cSld>
   <p:clrMapOvr>
     <a:masterClrMapping/>
   </p:clrMapOvr>
+  <p:timing>
+    <p:tnLst>
+      <p:par>
+        <p:cTn id="1" dur="indefinite" restart="never" nodeType="tmRoot"/>
+      </p:par>
+    </p:tnLst>
+  </p:timing>
 </p:sld>
 </file>
 

--- a/PPTs/ProgramacionII_Clase_08-2018.pptx
+++ b/PPTs/ProgramacionII_Clase_08-2018.pptx
@@ -208,7 +208,7 @@
           <a:p>
             <a:fld id="{FB2646D0-46D2-4721-BBED-74E7DEBDF0C0}" type="datetimeFigureOut">
               <a:rPr lang="es-AR" smtClean="0"/>
-              <a:t>13/09/2018</a:t>
+              <a:t>17/9/2020</a:t>
             </a:fld>
             <a:endParaRPr lang="es-AR"/>
           </a:p>
@@ -272,35 +272,35 @@
           <a:p>
             <a:pPr lvl="0"/>
             <a:r>
-              <a:rPr lang="es-ES" smtClean="0"/>
+              <a:rPr lang="es-ES"/>
               <a:t>Haga clic para modificar el estilo de texto del patrón</a:t>
             </a:r>
           </a:p>
           <a:p>
             <a:pPr lvl="1"/>
             <a:r>
-              <a:rPr lang="es-ES" smtClean="0"/>
+              <a:rPr lang="es-ES"/>
               <a:t>Segundo nivel</a:t>
             </a:r>
           </a:p>
           <a:p>
             <a:pPr lvl="2"/>
             <a:r>
-              <a:rPr lang="es-ES" smtClean="0"/>
+              <a:rPr lang="es-ES"/>
               <a:t>Tercer nivel</a:t>
             </a:r>
           </a:p>
           <a:p>
             <a:pPr lvl="3"/>
             <a:r>
-              <a:rPr lang="es-ES" smtClean="0"/>
+              <a:rPr lang="es-ES"/>
               <a:t>Cuarto nivel</a:t>
             </a:r>
           </a:p>
           <a:p>
             <a:pPr lvl="4"/>
             <a:r>
-              <a:rPr lang="es-ES" smtClean="0"/>
+              <a:rPr lang="es-ES"/>
               <a:t>Quinto nivel</a:t>
             </a:r>
             <a:endParaRPr lang="es-AR"/>
@@ -538,7 +538,7 @@
               <a:defRPr/>
             </a:pPr>
             <a:r>
-              <a:rPr lang="es-AR" sz="1200" dirty="0" smtClean="0"/>
+              <a:rPr lang="es-AR" sz="1200" dirty="0"/>
               <a:t>https://docs.microsoft.com/en-us/dotnet/csharp/language-reference/keywords/enum</a:t>
             </a:r>
           </a:p>
@@ -763,7 +763,7 @@
           </a:lstStyle>
           <a:p>
             <a:r>
-              <a:rPr lang="es-ES" smtClean="0"/>
+              <a:rPr lang="es-ES"/>
               <a:t>Haga clic para modificar el estilo de título del patrón</a:t>
             </a:r>
             <a:endParaRPr lang="en-US" dirty="0"/>
@@ -830,7 +830,7 @@
           </a:lstStyle>
           <a:p>
             <a:r>
-              <a:rPr lang="es-ES" smtClean="0"/>
+              <a:rPr lang="es-ES"/>
               <a:t>Haga clic para modificar el estilo de subtítulo del patrón</a:t>
             </a:r>
             <a:endParaRPr lang="en-US" dirty="0"/>
@@ -854,7 +854,7 @@
           <a:p>
             <a:fld id="{78ABE3C1-DBE1-495D-B57B-2849774B866A}" type="datetimeFigureOut">
               <a:rPr lang="en-US" dirty="0"/>
-              <a:t>9/13/2018</a:t>
+              <a:t>9/17/2020</a:t>
             </a:fld>
             <a:endParaRPr lang="en-US" dirty="0"/>
           </a:p>
@@ -1098,7 +1098,7 @@
           </a:lstStyle>
           <a:p>
             <a:r>
-              <a:rPr lang="es-ES" smtClean="0"/>
+              <a:rPr lang="es-ES"/>
               <a:t>Haga clic para modificar el estilo de título del patrón</a:t>
             </a:r>
             <a:endParaRPr lang="en-US" dirty="0"/>
@@ -1174,7 +1174,7 @@
           </a:lstStyle>
           <a:p>
             <a:r>
-              <a:rPr lang="es-ES" smtClean="0"/>
+              <a:rPr lang="es-ES"/>
               <a:t>Haga clic en el icono para agregar una imagen</a:t>
             </a:r>
             <a:endParaRPr lang="en-US" dirty="0"/>
@@ -1240,7 +1240,7 @@
           <a:p>
             <a:pPr lvl="0"/>
             <a:r>
-              <a:rPr lang="es-ES" smtClean="0"/>
+              <a:rPr lang="es-ES"/>
               <a:t>Haga clic para modificar el estilo de texto del patrón</a:t>
             </a:r>
           </a:p>
@@ -1263,7 +1263,7 @@
           <a:p>
             <a:fld id="{446C117F-5CCF-4837-BE5F-2B92066CAFAF}" type="datetimeFigureOut">
               <a:rPr lang="en-US" dirty="0"/>
-              <a:t>9/13/2018</a:t>
+              <a:t>9/17/2020</a:t>
             </a:fld>
             <a:endParaRPr lang="en-US" dirty="0"/>
           </a:p>
@@ -1505,7 +1505,7 @@
           </a:lstStyle>
           <a:p>
             <a:r>
-              <a:rPr lang="es-ES" smtClean="0"/>
+              <a:rPr lang="es-ES"/>
               <a:t>Haga clic para modificar el estilo de título del patrón</a:t>
             </a:r>
             <a:endParaRPr lang="en-US" dirty="0"/>
@@ -1571,7 +1571,7 @@
           <a:p>
             <a:pPr lvl="0"/>
             <a:r>
-              <a:rPr lang="es-ES" smtClean="0"/>
+              <a:rPr lang="es-ES"/>
               <a:t>Haga clic para modificar el estilo de texto del patrón</a:t>
             </a:r>
           </a:p>
@@ -1594,7 +1594,7 @@
           <a:p>
             <a:fld id="{84EB90BD-B6CE-46B7-997F-7313B992CCDC}" type="datetimeFigureOut">
               <a:rPr lang="en-US" dirty="0"/>
-              <a:t>9/13/2018</a:t>
+              <a:t>9/17/2020</a:t>
             </a:fld>
             <a:endParaRPr lang="en-US" dirty="0"/>
           </a:p>
@@ -1836,7 +1836,7 @@
           </a:lstStyle>
           <a:p>
             <a:r>
-              <a:rPr lang="es-ES" smtClean="0"/>
+              <a:rPr lang="es-ES"/>
               <a:t>Haga clic para modificar el estilo de título del patrón</a:t>
             </a:r>
             <a:endParaRPr lang="en-US" dirty="0"/>
@@ -1904,7 +1904,7 @@
           <a:p>
             <a:pPr lvl="0"/>
             <a:r>
-              <a:rPr lang="es-ES" smtClean="0"/>
+              <a:rPr lang="es-ES"/>
               <a:t>Haga clic para modificar el estilo de texto del patrón</a:t>
             </a:r>
           </a:p>
@@ -1971,7 +1971,7 @@
           <a:p>
             <a:pPr lvl="0"/>
             <a:r>
-              <a:rPr lang="es-ES" smtClean="0"/>
+              <a:rPr lang="es-ES"/>
               <a:t>Haga clic para modificar el estilo de texto del patrón</a:t>
             </a:r>
           </a:p>
@@ -1994,7 +1994,7 @@
           <a:p>
             <a:fld id="{CDB9D11F-B188-461D-B23F-39381795C052}" type="datetimeFigureOut">
               <a:rPr lang="en-US" dirty="0"/>
-              <a:t>9/13/2018</a:t>
+              <a:t>9/17/2020</a:t>
             </a:fld>
             <a:endParaRPr lang="en-US" dirty="0"/>
           </a:p>
@@ -2468,7 +2468,7 @@
           </a:lstStyle>
           <a:p>
             <a:r>
-              <a:rPr lang="es-ES" smtClean="0"/>
+              <a:rPr lang="es-ES"/>
               <a:t>Haga clic para modificar el estilo de título del patrón</a:t>
             </a:r>
             <a:endParaRPr lang="en-US" dirty="0"/>
@@ -2534,7 +2534,7 @@
           <a:p>
             <a:pPr lvl="0"/>
             <a:r>
-              <a:rPr lang="es-ES" smtClean="0"/>
+              <a:rPr lang="es-ES"/>
               <a:t>Haga clic para modificar el estilo de texto del patrón</a:t>
             </a:r>
           </a:p>
@@ -2557,7 +2557,7 @@
           <a:p>
             <a:fld id="{52E6D8D9-55A2-4063-B0F3-121F44549695}" type="datetimeFigureOut">
               <a:rPr lang="en-US" dirty="0"/>
-              <a:t>9/13/2018</a:t>
+              <a:t>9/17/2020</a:t>
             </a:fld>
             <a:endParaRPr lang="en-US" dirty="0"/>
           </a:p>
@@ -2795,7 +2795,7 @@
           <a:lstStyle/>
           <a:p>
             <a:r>
-              <a:rPr lang="es-ES" smtClean="0"/>
+              <a:rPr lang="es-ES"/>
               <a:t>Haga clic para modificar el estilo de título del patrón</a:t>
             </a:r>
             <a:endParaRPr lang="en-US" dirty="0"/>
@@ -2867,7 +2867,7 @@
           <a:p>
             <a:pPr lvl="0"/>
             <a:r>
-              <a:rPr lang="es-ES" smtClean="0"/>
+              <a:rPr lang="es-ES"/>
               <a:t>Haga clic para modificar el estilo de texto del patrón</a:t>
             </a:r>
           </a:p>
@@ -2934,7 +2934,7 @@
           <a:p>
             <a:pPr lvl="0"/>
             <a:r>
-              <a:rPr lang="es-ES" smtClean="0"/>
+              <a:rPr lang="es-ES"/>
               <a:t>Haga clic para modificar el estilo de texto del patrón</a:t>
             </a:r>
           </a:p>
@@ -3005,7 +3005,7 @@
           <a:p>
             <a:pPr lvl="0"/>
             <a:r>
-              <a:rPr lang="es-ES" smtClean="0"/>
+              <a:rPr lang="es-ES"/>
               <a:t>Haga clic para modificar el estilo de texto del patrón</a:t>
             </a:r>
           </a:p>
@@ -3072,7 +3072,7 @@
           <a:p>
             <a:pPr lvl="0"/>
             <a:r>
-              <a:rPr lang="es-ES" smtClean="0"/>
+              <a:rPr lang="es-ES"/>
               <a:t>Haga clic para modificar el estilo de texto del patrón</a:t>
             </a:r>
           </a:p>
@@ -3143,7 +3143,7 @@
           <a:p>
             <a:pPr lvl="0"/>
             <a:r>
-              <a:rPr lang="es-ES" smtClean="0"/>
+              <a:rPr lang="es-ES"/>
               <a:t>Haga clic para modificar el estilo de texto del patrón</a:t>
             </a:r>
           </a:p>
@@ -3210,7 +3210,7 @@
           <a:p>
             <a:pPr lvl="0"/>
             <a:r>
-              <a:rPr lang="es-ES" smtClean="0"/>
+              <a:rPr lang="es-ES"/>
               <a:t>Haga clic para modificar el estilo de texto del patrón</a:t>
             </a:r>
           </a:p>
@@ -3233,7 +3233,7 @@
           <a:p>
             <a:fld id="{D4B24536-994D-4021-A283-9F449C0DB509}" type="datetimeFigureOut">
               <a:rPr lang="en-US" dirty="0"/>
-              <a:t>9/13/2018</a:t>
+              <a:t>9/17/2020</a:t>
             </a:fld>
             <a:endParaRPr lang="en-US" dirty="0"/>
           </a:p>
@@ -3466,7 +3466,7 @@
           <a:lstStyle/>
           <a:p>
             <a:r>
-              <a:rPr lang="es-ES" smtClean="0"/>
+              <a:rPr lang="es-ES"/>
               <a:t>Haga clic para modificar el estilo de título del patrón</a:t>
             </a:r>
             <a:endParaRPr lang="en-US" dirty="0"/>
@@ -3538,7 +3538,7 @@
           <a:p>
             <a:pPr lvl="0"/>
             <a:r>
-              <a:rPr lang="es-ES" smtClean="0"/>
+              <a:rPr lang="es-ES"/>
               <a:t>Haga clic para modificar el estilo de texto del patrón</a:t>
             </a:r>
           </a:p>
@@ -3616,7 +3616,7 @@
           </a:lstStyle>
           <a:p>
             <a:r>
-              <a:rPr lang="es-ES" smtClean="0"/>
+              <a:rPr lang="es-ES"/>
               <a:t>Haga clic en el icono para agregar una imagen</a:t>
             </a:r>
             <a:endParaRPr lang="en-US" dirty="0"/>
@@ -3684,7 +3684,7 @@
           <a:p>
             <a:pPr lvl="0"/>
             <a:r>
-              <a:rPr lang="es-ES" smtClean="0"/>
+              <a:rPr lang="es-ES"/>
               <a:t>Haga clic para modificar el estilo de texto del patrón</a:t>
             </a:r>
           </a:p>
@@ -3755,7 +3755,7 @@
           <a:p>
             <a:pPr lvl="0"/>
             <a:r>
-              <a:rPr lang="es-ES" smtClean="0"/>
+              <a:rPr lang="es-ES"/>
               <a:t>Haga clic para modificar el estilo de texto del patrón</a:t>
             </a:r>
           </a:p>
@@ -3833,7 +3833,7 @@
           </a:lstStyle>
           <a:p>
             <a:r>
-              <a:rPr lang="es-ES" smtClean="0"/>
+              <a:rPr lang="es-ES"/>
               <a:t>Haga clic en el icono para agregar una imagen</a:t>
             </a:r>
             <a:endParaRPr lang="en-US" dirty="0"/>
@@ -3901,7 +3901,7 @@
           <a:p>
             <a:pPr lvl="0"/>
             <a:r>
-              <a:rPr lang="es-ES" smtClean="0"/>
+              <a:rPr lang="es-ES"/>
               <a:t>Haga clic para modificar el estilo de texto del patrón</a:t>
             </a:r>
           </a:p>
@@ -3972,7 +3972,7 @@
           <a:p>
             <a:pPr lvl="0"/>
             <a:r>
-              <a:rPr lang="es-ES" smtClean="0"/>
+              <a:rPr lang="es-ES"/>
               <a:t>Haga clic para modificar el estilo de texto del patrón</a:t>
             </a:r>
           </a:p>
@@ -4050,7 +4050,7 @@
           </a:lstStyle>
           <a:p>
             <a:r>
-              <a:rPr lang="es-ES" smtClean="0"/>
+              <a:rPr lang="es-ES"/>
               <a:t>Haga clic en el icono para agregar una imagen</a:t>
             </a:r>
             <a:endParaRPr lang="en-US" dirty="0"/>
@@ -4118,7 +4118,7 @@
           <a:p>
             <a:pPr lvl="0"/>
             <a:r>
-              <a:rPr lang="es-ES" smtClean="0"/>
+              <a:rPr lang="es-ES"/>
               <a:t>Haga clic para modificar el estilo de texto del patrón</a:t>
             </a:r>
           </a:p>
@@ -4141,7 +4141,7 @@
           <a:p>
             <a:fld id="{3CBBBB78-C96F-47B7-AB17-D852CA960AC9}" type="datetimeFigureOut">
               <a:rPr lang="en-US" dirty="0"/>
-              <a:t>9/13/2018</a:t>
+              <a:t>9/17/2020</a:t>
             </a:fld>
             <a:endParaRPr lang="en-US" dirty="0"/>
           </a:p>
@@ -4373,7 +4373,7 @@
           </a:lstStyle>
           <a:p>
             <a:r>
-              <a:rPr lang="es-ES" smtClean="0"/>
+              <a:rPr lang="es-ES"/>
               <a:t>Haga clic para modificar el estilo de título del patrón</a:t>
             </a:r>
             <a:endParaRPr lang="en-US" dirty="0"/>
@@ -4397,35 +4397,35 @@
           <a:p>
             <a:pPr lvl="0"/>
             <a:r>
-              <a:rPr lang="es-ES" smtClean="0"/>
+              <a:rPr lang="es-ES"/>
               <a:t>Haga clic para modificar el estilo de texto del patrón</a:t>
             </a:r>
           </a:p>
           <a:p>
             <a:pPr lvl="1"/>
             <a:r>
-              <a:rPr lang="es-ES" smtClean="0"/>
+              <a:rPr lang="es-ES"/>
               <a:t>Segundo nivel</a:t>
             </a:r>
           </a:p>
           <a:p>
             <a:pPr lvl="2"/>
             <a:r>
-              <a:rPr lang="es-ES" smtClean="0"/>
+              <a:rPr lang="es-ES"/>
               <a:t>Tercer nivel</a:t>
             </a:r>
           </a:p>
           <a:p>
             <a:pPr lvl="3"/>
             <a:r>
-              <a:rPr lang="es-ES" smtClean="0"/>
+              <a:rPr lang="es-ES"/>
               <a:t>Cuarto nivel</a:t>
             </a:r>
           </a:p>
           <a:p>
             <a:pPr lvl="4"/>
             <a:r>
-              <a:rPr lang="es-ES" smtClean="0"/>
+              <a:rPr lang="es-ES"/>
               <a:t>Quinto nivel</a:t>
             </a:r>
             <a:endParaRPr lang="en-US" dirty="0"/>
@@ -4449,7 +4449,7 @@
           <a:p>
             <a:fld id="{1FA3F48C-C7C6-4055-9F49-3777875E72AE}" type="datetimeFigureOut">
               <a:rPr lang="en-US" dirty="0"/>
-              <a:t>9/13/2018</a:t>
+              <a:t>9/17/2020</a:t>
             </a:fld>
             <a:endParaRPr lang="en-US" dirty="0"/>
           </a:p>
@@ -4622,7 +4622,7 @@
           <a:lstStyle/>
           <a:p>
             <a:r>
-              <a:rPr lang="es-ES" smtClean="0"/>
+              <a:rPr lang="es-ES"/>
               <a:t>Haga clic para modificar el estilo de título del patrón</a:t>
             </a:r>
             <a:endParaRPr lang="en-US" dirty="0"/>
@@ -4651,35 +4651,35 @@
           <a:p>
             <a:pPr lvl="0"/>
             <a:r>
-              <a:rPr lang="es-ES" smtClean="0"/>
+              <a:rPr lang="es-ES"/>
               <a:t>Haga clic para modificar el estilo de texto del patrón</a:t>
             </a:r>
           </a:p>
           <a:p>
             <a:pPr lvl="1"/>
             <a:r>
-              <a:rPr lang="es-ES" smtClean="0"/>
+              <a:rPr lang="es-ES"/>
               <a:t>Segundo nivel</a:t>
             </a:r>
           </a:p>
           <a:p>
             <a:pPr lvl="2"/>
             <a:r>
-              <a:rPr lang="es-ES" smtClean="0"/>
+              <a:rPr lang="es-ES"/>
               <a:t>Tercer nivel</a:t>
             </a:r>
           </a:p>
           <a:p>
             <a:pPr lvl="3"/>
             <a:r>
-              <a:rPr lang="es-ES" smtClean="0"/>
+              <a:rPr lang="es-ES"/>
               <a:t>Cuarto nivel</a:t>
             </a:r>
           </a:p>
           <a:p>
             <a:pPr lvl="4"/>
             <a:r>
-              <a:rPr lang="es-ES" smtClean="0"/>
+              <a:rPr lang="es-ES"/>
               <a:t>Quinto nivel</a:t>
             </a:r>
             <a:endParaRPr lang="en-US" dirty="0"/>
@@ -4708,7 +4708,7 @@
           <a:p>
             <a:fld id="{6178E61D-D431-422C-9764-11DAFE33AB63}" type="datetimeFigureOut">
               <a:rPr lang="en-US" dirty="0"/>
-              <a:t>9/13/2018</a:t>
+              <a:t>9/17/2020</a:t>
             </a:fld>
             <a:endParaRPr lang="en-US" dirty="0"/>
           </a:p>
@@ -4951,7 +4951,7 @@
           <a:lstStyle/>
           <a:p>
             <a:r>
-              <a:rPr lang="es-ES" smtClean="0"/>
+              <a:rPr lang="es-ES"/>
               <a:t>Haga clic para modificar el estilo de título del patrón</a:t>
             </a:r>
             <a:endParaRPr lang="en-US" dirty="0"/>
@@ -4975,35 +4975,35 @@
           <a:p>
             <a:pPr lvl="0"/>
             <a:r>
-              <a:rPr lang="es-ES" smtClean="0"/>
+              <a:rPr lang="es-ES"/>
               <a:t>Haga clic para modificar el estilo de texto del patrón</a:t>
             </a:r>
           </a:p>
           <a:p>
             <a:pPr lvl="1"/>
             <a:r>
-              <a:rPr lang="es-ES" smtClean="0"/>
+              <a:rPr lang="es-ES"/>
               <a:t>Segundo nivel</a:t>
             </a:r>
           </a:p>
           <a:p>
             <a:pPr lvl="2"/>
             <a:r>
-              <a:rPr lang="es-ES" smtClean="0"/>
+              <a:rPr lang="es-ES"/>
               <a:t>Tercer nivel</a:t>
             </a:r>
           </a:p>
           <a:p>
             <a:pPr lvl="3"/>
             <a:r>
-              <a:rPr lang="es-ES" smtClean="0"/>
+              <a:rPr lang="es-ES"/>
               <a:t>Cuarto nivel</a:t>
             </a:r>
           </a:p>
           <a:p>
             <a:pPr lvl="4"/>
             <a:r>
-              <a:rPr lang="es-ES" smtClean="0"/>
+              <a:rPr lang="es-ES"/>
               <a:t>Quinto nivel</a:t>
             </a:r>
             <a:endParaRPr lang="en-US" dirty="0"/>
@@ -5027,7 +5027,7 @@
           <a:p>
             <a:fld id="{12DE42F4-6EEF-4EF7-8ED4-2208F0F89A08}" type="datetimeFigureOut">
               <a:rPr lang="en-US" dirty="0"/>
-              <a:t>9/13/2018</a:t>
+              <a:t>9/17/2020</a:t>
             </a:fld>
             <a:endParaRPr lang="en-US" dirty="0"/>
           </a:p>
@@ -5266,7 +5266,7 @@
           </a:lstStyle>
           <a:p>
             <a:r>
-              <a:rPr lang="es-ES" smtClean="0"/>
+              <a:rPr lang="es-ES"/>
               <a:t>Haga clic para modificar el estilo de título del patrón</a:t>
             </a:r>
             <a:endParaRPr lang="en-US" dirty="0"/>
@@ -5388,7 +5388,7 @@
           <a:p>
             <a:pPr lvl="0"/>
             <a:r>
-              <a:rPr lang="es-ES" smtClean="0"/>
+              <a:rPr lang="es-ES"/>
               <a:t>Haga clic para modificar el estilo de texto del patrón</a:t>
             </a:r>
           </a:p>
@@ -5411,7 +5411,7 @@
           <a:p>
             <a:fld id="{30578ACC-22D6-47C1-A373-4FD133E34F3C}" type="datetimeFigureOut">
               <a:rPr lang="en-US" dirty="0"/>
-              <a:t>9/13/2018</a:t>
+              <a:t>9/17/2020</a:t>
             </a:fld>
             <a:endParaRPr lang="en-US" dirty="0"/>
           </a:p>
@@ -5644,7 +5644,7 @@
           <a:lstStyle/>
           <a:p>
             <a:r>
-              <a:rPr lang="es-ES" smtClean="0"/>
+              <a:rPr lang="es-ES"/>
               <a:t>Haga clic para modificar el estilo de título del patrón</a:t>
             </a:r>
             <a:endParaRPr lang="en-US" dirty="0"/>
@@ -5673,35 +5673,35 @@
           <a:p>
             <a:pPr lvl="0"/>
             <a:r>
-              <a:rPr lang="es-ES" smtClean="0"/>
+              <a:rPr lang="es-ES"/>
               <a:t>Haga clic para modificar el estilo de texto del patrón</a:t>
             </a:r>
           </a:p>
           <a:p>
             <a:pPr lvl="1"/>
             <a:r>
-              <a:rPr lang="es-ES" smtClean="0"/>
+              <a:rPr lang="es-ES"/>
               <a:t>Segundo nivel</a:t>
             </a:r>
           </a:p>
           <a:p>
             <a:pPr lvl="2"/>
             <a:r>
-              <a:rPr lang="es-ES" smtClean="0"/>
+              <a:rPr lang="es-ES"/>
               <a:t>Tercer nivel</a:t>
             </a:r>
           </a:p>
           <a:p>
             <a:pPr lvl="3"/>
             <a:r>
-              <a:rPr lang="es-ES" smtClean="0"/>
+              <a:rPr lang="es-ES"/>
               <a:t>Cuarto nivel</a:t>
             </a:r>
           </a:p>
           <a:p>
             <a:pPr lvl="4"/>
             <a:r>
-              <a:rPr lang="es-ES" smtClean="0"/>
+              <a:rPr lang="es-ES"/>
               <a:t>Quinto nivel</a:t>
             </a:r>
             <a:endParaRPr lang="en-US" dirty="0"/>
@@ -5730,35 +5730,35 @@
           <a:p>
             <a:pPr lvl="0"/>
             <a:r>
-              <a:rPr lang="es-ES" smtClean="0"/>
+              <a:rPr lang="es-ES"/>
               <a:t>Haga clic para modificar el estilo de texto del patrón</a:t>
             </a:r>
           </a:p>
           <a:p>
             <a:pPr lvl="1"/>
             <a:r>
-              <a:rPr lang="es-ES" smtClean="0"/>
+              <a:rPr lang="es-ES"/>
               <a:t>Segundo nivel</a:t>
             </a:r>
           </a:p>
           <a:p>
             <a:pPr lvl="2"/>
             <a:r>
-              <a:rPr lang="es-ES" smtClean="0"/>
+              <a:rPr lang="es-ES"/>
               <a:t>Tercer nivel</a:t>
             </a:r>
           </a:p>
           <a:p>
             <a:pPr lvl="3"/>
             <a:r>
-              <a:rPr lang="es-ES" smtClean="0"/>
+              <a:rPr lang="es-ES"/>
               <a:t>Cuarto nivel</a:t>
             </a:r>
           </a:p>
           <a:p>
             <a:pPr lvl="4"/>
             <a:r>
-              <a:rPr lang="es-ES" smtClean="0"/>
+              <a:rPr lang="es-ES"/>
               <a:t>Quinto nivel</a:t>
             </a:r>
             <a:endParaRPr lang="en-US" dirty="0"/>
@@ -5782,7 +5782,7 @@
           <a:p>
             <a:fld id="{4E5A6C69-6797-4E8A-BF37-F2C3751466E9}" type="datetimeFigureOut">
               <a:rPr lang="en-US" dirty="0"/>
-              <a:t>9/13/2018</a:t>
+              <a:t>9/17/2020</a:t>
             </a:fld>
             <a:endParaRPr lang="en-US" dirty="0"/>
           </a:p>
@@ -6015,7 +6015,7 @@
           <a:lstStyle/>
           <a:p>
             <a:r>
-              <a:rPr lang="es-ES" smtClean="0"/>
+              <a:rPr lang="es-ES"/>
               <a:t>Haga clic para modificar el estilo de título del patrón</a:t>
             </a:r>
             <a:endParaRPr lang="en-US" dirty="0"/>
@@ -6081,7 +6081,7 @@
           <a:p>
             <a:pPr lvl="0"/>
             <a:r>
-              <a:rPr lang="es-ES" smtClean="0"/>
+              <a:rPr lang="es-ES"/>
               <a:t>Haga clic para modificar el estilo de texto del patrón</a:t>
             </a:r>
           </a:p>
@@ -6109,35 +6109,35 @@
           <a:p>
             <a:pPr lvl="0"/>
             <a:r>
-              <a:rPr lang="es-ES" smtClean="0"/>
+              <a:rPr lang="es-ES"/>
               <a:t>Haga clic para modificar el estilo de texto del patrón</a:t>
             </a:r>
           </a:p>
           <a:p>
             <a:pPr lvl="1"/>
             <a:r>
-              <a:rPr lang="es-ES" smtClean="0"/>
+              <a:rPr lang="es-ES"/>
               <a:t>Segundo nivel</a:t>
             </a:r>
           </a:p>
           <a:p>
             <a:pPr lvl="2"/>
             <a:r>
-              <a:rPr lang="es-ES" smtClean="0"/>
+              <a:rPr lang="es-ES"/>
               <a:t>Tercer nivel</a:t>
             </a:r>
           </a:p>
           <a:p>
             <a:pPr lvl="3"/>
             <a:r>
-              <a:rPr lang="es-ES" smtClean="0"/>
+              <a:rPr lang="es-ES"/>
               <a:t>Cuarto nivel</a:t>
             </a:r>
           </a:p>
           <a:p>
             <a:pPr lvl="4"/>
             <a:r>
-              <a:rPr lang="es-ES" smtClean="0"/>
+              <a:rPr lang="es-ES"/>
               <a:t>Quinto nivel</a:t>
             </a:r>
             <a:endParaRPr lang="en-US" dirty="0"/>
@@ -6203,7 +6203,7 @@
           <a:p>
             <a:pPr lvl="0"/>
             <a:r>
-              <a:rPr lang="es-ES" smtClean="0"/>
+              <a:rPr lang="es-ES"/>
               <a:t>Haga clic para modificar el estilo de texto del patrón</a:t>
             </a:r>
           </a:p>
@@ -6231,35 +6231,35 @@
           <a:p>
             <a:pPr lvl="0"/>
             <a:r>
-              <a:rPr lang="es-ES" smtClean="0"/>
+              <a:rPr lang="es-ES"/>
               <a:t>Haga clic para modificar el estilo de texto del patrón</a:t>
             </a:r>
           </a:p>
           <a:p>
             <a:pPr lvl="1"/>
             <a:r>
-              <a:rPr lang="es-ES" smtClean="0"/>
+              <a:rPr lang="es-ES"/>
               <a:t>Segundo nivel</a:t>
             </a:r>
           </a:p>
           <a:p>
             <a:pPr lvl="2"/>
             <a:r>
-              <a:rPr lang="es-ES" smtClean="0"/>
+              <a:rPr lang="es-ES"/>
               <a:t>Tercer nivel</a:t>
             </a:r>
           </a:p>
           <a:p>
             <a:pPr lvl="3"/>
             <a:r>
-              <a:rPr lang="es-ES" smtClean="0"/>
+              <a:rPr lang="es-ES"/>
               <a:t>Cuarto nivel</a:t>
             </a:r>
           </a:p>
           <a:p>
             <a:pPr lvl="4"/>
             <a:r>
-              <a:rPr lang="es-ES" smtClean="0"/>
+              <a:rPr lang="es-ES"/>
               <a:t>Quinto nivel</a:t>
             </a:r>
             <a:endParaRPr lang="en-US" dirty="0"/>
@@ -6283,7 +6283,7 @@
           <a:p>
             <a:fld id="{D82014A1-A632-4878-A0D3-F52BA7563730}" type="datetimeFigureOut">
               <a:rPr lang="en-US" dirty="0"/>
-              <a:t>9/13/2018</a:t>
+              <a:t>9/17/2020</a:t>
             </a:fld>
             <a:endParaRPr lang="en-US" dirty="0"/>
           </a:p>
@@ -6511,7 +6511,7 @@
           <a:lstStyle/>
           <a:p>
             <a:r>
-              <a:rPr lang="es-ES" smtClean="0"/>
+              <a:rPr lang="es-ES"/>
               <a:t>Haga clic para modificar el estilo de título del patrón</a:t>
             </a:r>
             <a:endParaRPr lang="en-US" dirty="0"/>
@@ -6535,7 +6535,7 @@
           <a:p>
             <a:fld id="{CE99F462-093F-4566-844B-4C71F2739DA5}" type="datetimeFigureOut">
               <a:rPr lang="en-US" dirty="0"/>
-              <a:t>9/13/2018</a:t>
+              <a:t>9/17/2020</a:t>
             </a:fld>
             <a:endParaRPr lang="en-US" dirty="0"/>
           </a:p>
@@ -6693,7 +6693,7 @@
           <a:p>
             <a:fld id="{3D24A7AC-904D-4781-85BA-7D10C17ED021}" type="datetimeFigureOut">
               <a:rPr lang="en-US" dirty="0"/>
-              <a:t>9/13/2018</a:t>
+              <a:t>9/17/2020</a:t>
             </a:fld>
             <a:endParaRPr lang="en-US" dirty="0"/>
           </a:p>
@@ -6932,7 +6932,7 @@
           </a:lstStyle>
           <a:p>
             <a:r>
-              <a:rPr lang="es-ES" smtClean="0"/>
+              <a:rPr lang="es-ES"/>
               <a:t>Haga clic para modificar el estilo de título del patrón</a:t>
             </a:r>
             <a:endParaRPr lang="en-US" dirty="0"/>
@@ -6961,35 +6961,35 @@
           <a:p>
             <a:pPr lvl="0"/>
             <a:r>
-              <a:rPr lang="es-ES" smtClean="0"/>
+              <a:rPr lang="es-ES"/>
               <a:t>Haga clic para modificar el estilo de texto del patrón</a:t>
             </a:r>
           </a:p>
           <a:p>
             <a:pPr lvl="1"/>
             <a:r>
-              <a:rPr lang="es-ES" smtClean="0"/>
+              <a:rPr lang="es-ES"/>
               <a:t>Segundo nivel</a:t>
             </a:r>
           </a:p>
           <a:p>
             <a:pPr lvl="2"/>
             <a:r>
-              <a:rPr lang="es-ES" smtClean="0"/>
+              <a:rPr lang="es-ES"/>
               <a:t>Tercer nivel</a:t>
             </a:r>
           </a:p>
           <a:p>
             <a:pPr lvl="3"/>
             <a:r>
-              <a:rPr lang="es-ES" smtClean="0"/>
+              <a:rPr lang="es-ES"/>
               <a:t>Cuarto nivel</a:t>
             </a:r>
           </a:p>
           <a:p>
             <a:pPr lvl="4"/>
             <a:r>
-              <a:rPr lang="es-ES" smtClean="0"/>
+              <a:rPr lang="es-ES"/>
               <a:t>Quinto nivel</a:t>
             </a:r>
             <a:endParaRPr lang="en-US" dirty="0"/>
@@ -7055,7 +7055,7 @@
           <a:p>
             <a:pPr lvl="0"/>
             <a:r>
-              <a:rPr lang="es-ES" smtClean="0"/>
+              <a:rPr lang="es-ES"/>
               <a:t>Haga clic para modificar el estilo de texto del patrón</a:t>
             </a:r>
           </a:p>
@@ -7078,7 +7078,7 @@
           <a:p>
             <a:fld id="{E331444B-B92B-4E27-8C94-BB93EAF5CB18}" type="datetimeFigureOut">
               <a:rPr lang="en-US" dirty="0"/>
-              <a:t>9/13/2018</a:t>
+              <a:t>9/17/2020</a:t>
             </a:fld>
             <a:endParaRPr lang="en-US" dirty="0"/>
           </a:p>
@@ -7317,7 +7317,7 @@
           </a:lstStyle>
           <a:p>
             <a:r>
-              <a:rPr lang="es-ES" smtClean="0"/>
+              <a:rPr lang="es-ES"/>
               <a:t>Haga clic para modificar el estilo de título del patrón</a:t>
             </a:r>
             <a:endParaRPr lang="en-US" dirty="0"/>
@@ -7393,7 +7393,7 @@
           </a:lstStyle>
           <a:p>
             <a:r>
-              <a:rPr lang="es-ES" smtClean="0"/>
+              <a:rPr lang="es-ES"/>
               <a:t>Haga clic en el icono para agregar una imagen</a:t>
             </a:r>
             <a:endParaRPr lang="en-US" dirty="0"/>
@@ -7459,7 +7459,7 @@
           <a:p>
             <a:pPr lvl="0"/>
             <a:r>
-              <a:rPr lang="es-ES" smtClean="0"/>
+              <a:rPr lang="es-ES"/>
               <a:t>Haga clic para modificar el estilo de texto del patrón</a:t>
             </a:r>
           </a:p>
@@ -7482,7 +7482,7 @@
           <a:p>
             <a:fld id="{363EFA5E-FA76-400D-B3DC-F0BA90E6D107}" type="datetimeFigureOut">
               <a:rPr lang="en-US" dirty="0"/>
-              <a:t>9/13/2018</a:t>
+              <a:t>9/17/2020</a:t>
             </a:fld>
             <a:endParaRPr lang="en-US" dirty="0"/>
           </a:p>
@@ -7617,7 +7617,7 @@
           <a:lstStyle/>
           <a:p>
             <a:r>
-              <a:rPr lang="es-ES" smtClean="0"/>
+              <a:rPr lang="es-ES"/>
               <a:t>Haga clic para modificar el estilo de título del patrón</a:t>
             </a:r>
             <a:endParaRPr lang="en-US" dirty="0"/>
@@ -7651,35 +7651,35 @@
           <a:p>
             <a:pPr lvl="0"/>
             <a:r>
-              <a:rPr lang="es-ES" smtClean="0"/>
+              <a:rPr lang="es-ES"/>
               <a:t>Haga clic para modificar el estilo de texto del patrón</a:t>
             </a:r>
           </a:p>
           <a:p>
             <a:pPr lvl="1"/>
             <a:r>
-              <a:rPr lang="es-ES" smtClean="0"/>
+              <a:rPr lang="es-ES"/>
               <a:t>Segundo nivel</a:t>
             </a:r>
           </a:p>
           <a:p>
             <a:pPr lvl="2"/>
             <a:r>
-              <a:rPr lang="es-ES" smtClean="0"/>
+              <a:rPr lang="es-ES"/>
               <a:t>Tercer nivel</a:t>
             </a:r>
           </a:p>
           <a:p>
             <a:pPr lvl="3"/>
             <a:r>
-              <a:rPr lang="es-ES" smtClean="0"/>
+              <a:rPr lang="es-ES"/>
               <a:t>Cuarto nivel</a:t>
             </a:r>
           </a:p>
           <a:p>
             <a:pPr lvl="4"/>
             <a:r>
-              <a:rPr lang="es-ES" smtClean="0"/>
+              <a:rPr lang="es-ES"/>
               <a:t>Quinto nivel</a:t>
             </a:r>
             <a:endParaRPr lang="en-US" dirty="0"/>
@@ -7721,7 +7721,7 @@
           <a:p>
             <a:fld id="{9D6E9DEC-419B-4CC5-A080-3B06BD5A8291}" type="datetimeFigureOut">
               <a:rPr lang="en-US" dirty="0"/>
-              <a:t>9/13/2018</a:t>
+              <a:t>9/17/2020</a:t>
             </a:fld>
             <a:endParaRPr lang="en-US" dirty="0"/>
           </a:p>
@@ -8145,10 +8145,9 @@
           <a:lstStyle/>
           <a:p>
             <a:r>
-              <a:rPr lang="es-AR" dirty="0" smtClean="0"/>
+              <a:rPr lang="es-AR" dirty="0"/>
               <a:t>Encapsulamiento</a:t>
             </a:r>
-            <a:endParaRPr lang="es-AR" dirty="0"/>
           </a:p>
         </p:txBody>
       </p:sp>
@@ -8223,11 +8222,7 @@
             </a:pPr>
             <a:r>
               <a:rPr lang="es-AR" dirty="0"/>
-              <a:t>Edición </a:t>
-            </a:r>
-            <a:r>
-              <a:rPr lang="es-AR" dirty="0" smtClean="0"/>
-              <a:t>2018</a:t>
+              <a:t>Edición 2018</a:t>
             </a:r>
             <a:endParaRPr lang="es-AR" dirty="0">
               <a:solidFill>
@@ -8287,7 +8282,7 @@
               <a:buNone/>
             </a:pPr>
             <a:r>
-              <a:rPr lang="es-AR" dirty="0" smtClean="0">
+              <a:rPr lang="es-AR" dirty="0">
                 <a:solidFill>
                   <a:prstClr val="white"/>
                 </a:solidFill>
@@ -8295,12 +8290,6 @@
               </a:rPr>
               <a:t>8</a:t>
             </a:r>
-            <a:endParaRPr lang="es-AR" dirty="0">
-              <a:solidFill>
-                <a:prstClr val="white"/>
-              </a:solidFill>
-              <a:latin typeface="Trebuchet MS" panose="020B0603020202020204"/>
-            </a:endParaRPr>
           </a:p>
         </p:txBody>
       </p:sp>
@@ -8314,13 +8303,6 @@
   <p:clrMapOvr>
     <a:masterClrMapping/>
   </p:clrMapOvr>
-  <p:timing>
-    <p:tnLst>
-      <p:par>
-        <p:cTn id="1" dur="indefinite" restart="never" nodeType="tmRoot"/>
-      </p:par>
-    </p:tnLst>
-  </p:timing>
 </p:sld>
 </file>
 
@@ -8357,10 +8339,9 @@
           <a:lstStyle/>
           <a:p>
             <a:r>
-              <a:rPr lang="es-AR" dirty="0" smtClean="0"/>
+              <a:rPr lang="es-AR" dirty="0"/>
               <a:t>Enumerados</a:t>
             </a:r>
-            <a:endParaRPr lang="es-AR" dirty="0"/>
           </a:p>
         </p:txBody>
       </p:sp>
@@ -8393,10 +8374,15 @@
                 </a:effectLst>
                 <a:latin typeface="Franklin Gothic Medium" panose="020B0603020102020204" pitchFamily="34" charset="0"/>
               </a:rPr>
-              <a:t>Son un conjunto propio de constantes con nombre</a:t>
-            </a:r>
-            <a:r>
-              <a:rPr lang="es-AR" dirty="0" smtClean="0">
+              <a:t>Son un conjunto propio de constantes con nombre.</a:t>
+            </a:r>
+          </a:p>
+          <a:p>
+            <a:pPr>
+              <a:defRPr/>
+            </a:pPr>
+            <a:r>
+              <a:rPr lang="es-AR" dirty="0">
                 <a:effectLst>
                   <a:outerShdw blurRad="38100" dist="38100" dir="2700000" algn="tl">
                     <a:srgbClr val="000000">
@@ -8406,59 +8392,8 @@
                 </a:effectLst>
                 <a:latin typeface="Franklin Gothic Medium" panose="020B0603020102020204" pitchFamily="34" charset="0"/>
               </a:rPr>
-              <a:t>.</a:t>
-            </a:r>
-            <a:endParaRPr lang="es-AR" dirty="0">
-              <a:effectLst>
-                <a:outerShdw blurRad="38100" dist="38100" dir="2700000" algn="tl">
-                  <a:srgbClr val="000000">
-                    <a:alpha val="43137"/>
-                  </a:srgbClr>
-                </a:outerShdw>
-              </a:effectLst>
-              <a:latin typeface="Franklin Gothic Medium" panose="020B0603020102020204" pitchFamily="34" charset="0"/>
-            </a:endParaRPr>
-          </a:p>
-          <a:p>
-            <a:pPr>
-              <a:defRPr/>
-            </a:pPr>
-            <a:r>
-              <a:rPr lang="es-AR" dirty="0">
-                <a:effectLst>
-                  <a:outerShdw blurRad="38100" dist="38100" dir="2700000" algn="tl">
-                    <a:srgbClr val="000000">
-                      <a:alpha val="43137"/>
-                    </a:srgbClr>
-                  </a:outerShdw>
-                </a:effectLst>
-                <a:latin typeface="Franklin Gothic Medium" panose="020B0603020102020204" pitchFamily="34" charset="0"/>
-              </a:rPr>
-              <a:t>Estos tipos de datos permiten declarar un conjunto de nombres u otros valores literales que definen todos los valores posibles que se pueden asignar a una variable</a:t>
-            </a:r>
-            <a:r>
-              <a:rPr lang="es-AR" dirty="0" smtClean="0">
-                <a:effectLst>
-                  <a:outerShdw blurRad="38100" dist="38100" dir="2700000" algn="tl">
-                    <a:srgbClr val="000000">
-                      <a:alpha val="43137"/>
-                    </a:srgbClr>
-                  </a:outerShdw>
-                </a:effectLst>
-                <a:latin typeface="Franklin Gothic Medium" panose="020B0603020102020204" pitchFamily="34" charset="0"/>
-              </a:rPr>
-              <a:t>.</a:t>
-            </a:r>
-            <a:endParaRPr lang="es-AR" dirty="0">
-              <a:effectLst>
-                <a:outerShdw blurRad="38100" dist="38100" dir="2700000" algn="tl">
-                  <a:srgbClr val="000000">
-                    <a:alpha val="43137"/>
-                  </a:srgbClr>
-                </a:outerShdw>
-              </a:effectLst>
-              <a:latin typeface="Franklin Gothic Medium" panose="020B0603020102020204" pitchFamily="34" charset="0"/>
-            </a:endParaRPr>
+              <a:t>Estos tipos de datos permiten declarar un conjunto de nombres u otros valores literales que definen todos los valores posibles que se pueden asignar a una variable.</a:t>
+            </a:r>
           </a:p>
           <a:p>
             <a:pPr>
@@ -8491,7 +8426,7 @@
               <a:t>int</a:t>
             </a:r>
             <a:r>
-              <a:rPr lang="es-AR" dirty="0" smtClean="0">
+              <a:rPr lang="es-AR" dirty="0">
                 <a:effectLst>
                   <a:outerShdw blurRad="38100" dist="38100" dir="2700000" algn="tl">
                     <a:srgbClr val="000000">
@@ -8587,7 +8522,7 @@
               <a:t>struct</a:t>
             </a:r>
             <a:r>
-              <a:rPr lang="es-ES" dirty="0" smtClean="0">
+              <a:rPr lang="es-ES" dirty="0">
                 <a:effectLst>
                   <a:outerShdw blurRad="38100" dist="38100" dir="2700000" algn="tl">
                     <a:srgbClr val="000000">
@@ -8599,16 +8534,6 @@
               </a:rPr>
               <a:t>.</a:t>
             </a:r>
-            <a:endParaRPr lang="es-ES" dirty="0">
-              <a:effectLst>
-                <a:outerShdw blurRad="38100" dist="38100" dir="2700000" algn="tl">
-                  <a:srgbClr val="000000">
-                    <a:alpha val="43137"/>
-                  </a:srgbClr>
-                </a:outerShdw>
-              </a:effectLst>
-              <a:latin typeface="Franklin Gothic Medium" panose="020B0603020102020204" pitchFamily="34" charset="0"/>
-            </a:endParaRPr>
           </a:p>
         </p:txBody>
       </p:sp>
@@ -8622,13 +8547,6 @@
   <p:clrMapOvr>
     <a:masterClrMapping/>
   </p:clrMapOvr>
-  <p:timing>
-    <p:tnLst>
-      <p:par>
-        <p:cTn id="1" dur="indefinite" restart="never" nodeType="tmRoot"/>
-      </p:par>
-    </p:tnLst>
-  </p:timing>
 </p:sld>
 </file>
 
@@ -8665,10 +8583,9 @@
           <a:lstStyle/>
           <a:p>
             <a:r>
-              <a:rPr lang="es-AR" dirty="0" smtClean="0"/>
+              <a:rPr lang="es-AR" dirty="0"/>
               <a:t>Enumerados</a:t>
             </a:r>
-            <a:endParaRPr lang="es-AR" dirty="0"/>
           </a:p>
         </p:txBody>
       </p:sp>
@@ -9300,13 +9217,6 @@
   <p:clrMapOvr>
     <a:masterClrMapping/>
   </p:clrMapOvr>
-  <p:timing>
-    <p:tnLst>
-      <p:par>
-        <p:cTn id="1" dur="indefinite" restart="never" nodeType="tmRoot"/>
-      </p:par>
-    </p:tnLst>
-  </p:timing>
 </p:sld>
 </file>
 
@@ -9343,10 +9253,9 @@
           <a:lstStyle/>
           <a:p>
             <a:r>
-              <a:rPr lang="es-AR" dirty="0" smtClean="0"/>
+              <a:rPr lang="es-AR" dirty="0"/>
               <a:t>Enumerados</a:t>
             </a:r>
-            <a:endParaRPr lang="es-AR" dirty="0"/>
           </a:p>
         </p:txBody>
       </p:sp>
@@ -9921,13 +9830,6 @@
   <p:clrMapOvr>
     <a:masterClrMapping/>
   </p:clrMapOvr>
-  <p:timing>
-    <p:tnLst>
-      <p:par>
-        <p:cTn id="1" dur="indefinite" restart="never" nodeType="tmRoot"/>
-      </p:par>
-    </p:tnLst>
-  </p:timing>
 </p:sld>
 </file>
 
@@ -9964,10 +9866,9 @@
           <a:lstStyle/>
           <a:p>
             <a:r>
-              <a:rPr lang="es-AR" dirty="0" smtClean="0"/>
+              <a:rPr lang="es-AR" dirty="0"/>
               <a:t>Encapsulamiento</a:t>
             </a:r>
-            <a:endParaRPr lang="es-AR" dirty="0"/>
           </a:p>
         </p:txBody>
       </p:sp>
@@ -10058,13 +9959,6 @@
   <p:clrMapOvr>
     <a:masterClrMapping/>
   </p:clrMapOvr>
-  <p:timing>
-    <p:tnLst>
-      <p:par>
-        <p:cTn id="1" dur="indefinite" restart="never" nodeType="tmRoot"/>
-      </p:par>
-    </p:tnLst>
-  </p:timing>
 </p:sld>
 </file>
 
@@ -10101,10 +9995,9 @@
           <a:lstStyle/>
           <a:p>
             <a:r>
-              <a:rPr lang="es-AR" dirty="0" smtClean="0"/>
+              <a:rPr lang="es-AR" dirty="0"/>
               <a:t>Niveles de Encapsulamiento POO</a:t>
             </a:r>
-            <a:endParaRPr lang="es-AR" dirty="0"/>
           </a:p>
         </p:txBody>
       </p:sp>
@@ -10223,13 +10116,6 @@
   <p:clrMapOvr>
     <a:masterClrMapping/>
   </p:clrMapOvr>
-  <p:timing>
-    <p:tnLst>
-      <p:par>
-        <p:cTn id="1" dur="indefinite" restart="never" nodeType="tmRoot"/>
-      </p:par>
-    </p:tnLst>
-  </p:timing>
 </p:sld>
 </file>
 
@@ -10266,10 +10152,9 @@
           <a:lstStyle/>
           <a:p>
             <a:r>
-              <a:rPr lang="es-AR" dirty="0" smtClean="0"/>
+              <a:rPr lang="es-AR" dirty="0"/>
               <a:t>Propiedades</a:t>
             </a:r>
-            <a:endParaRPr lang="es-AR" dirty="0"/>
           </a:p>
         </p:txBody>
       </p:sp>
@@ -10416,13 +10301,6 @@
   <p:clrMapOvr>
     <a:masterClrMapping/>
   </p:clrMapOvr>
-  <p:timing>
-    <p:tnLst>
-      <p:par>
-        <p:cTn id="1" dur="indefinite" restart="never" nodeType="tmRoot"/>
-      </p:par>
-    </p:tnLst>
-  </p:timing>
 </p:sld>
 </file>
 
@@ -10504,7 +10382,7 @@
               <a:defRPr/>
             </a:pPr>
             <a:r>
-              <a:rPr lang="es-AR" dirty="0" err="1" smtClean="0">
+              <a:rPr lang="es-AR" dirty="0" err="1">
                 <a:solidFill>
                   <a:srgbClr val="0000FF"/>
                 </a:solidFill>
@@ -10516,7 +10394,7 @@
               <a:t>private</a:t>
             </a:r>
             <a:r>
-              <a:rPr lang="es-AR" dirty="0" smtClean="0">
+              <a:rPr lang="es-AR" dirty="0">
                 <a:solidFill>
                   <a:srgbClr val="000000"/>
                 </a:solidFill>
@@ -10581,7 +10459,7 @@
               <a:defRPr/>
             </a:pPr>
             <a:r>
-              <a:rPr lang="es-AR" dirty="0" err="1" smtClean="0">
+              <a:rPr lang="es-AR" dirty="0" err="1">
                 <a:solidFill>
                   <a:srgbClr val="0000FF"/>
                 </a:solidFill>
@@ -10593,7 +10471,7 @@
               <a:t>public</a:t>
             </a:r>
             <a:r>
-              <a:rPr lang="es-AR" dirty="0" smtClean="0">
+              <a:rPr lang="es-AR" dirty="0">
                 <a:solidFill>
                   <a:srgbClr val="000000"/>
                 </a:solidFill>
@@ -10655,7 +10533,7 @@
               <a:defRPr/>
             </a:pPr>
             <a:r>
-              <a:rPr lang="es-AR" dirty="0" smtClean="0">
+              <a:rPr lang="es-AR" dirty="0">
                 <a:solidFill>
                   <a:srgbClr val="000000"/>
                 </a:solidFill>
@@ -10665,6 +10543,35 @@
                 <a:latin typeface="Consolas" panose="020B0609020204030204" pitchFamily="49" charset="0"/>
               </a:rPr>
               <a:t>{</a:t>
+            </a:r>
+          </a:p>
+          <a:p>
+            <a:pPr>
+              <a:defRPr/>
+            </a:pPr>
+            <a:r>
+              <a:rPr lang="es-AR" dirty="0">
+                <a:solidFill>
+                  <a:srgbClr val="0000FF"/>
+                </a:solidFill>
+                <a:highlight>
+                  <a:srgbClr val="FFFFFF"/>
+                </a:highlight>
+                <a:latin typeface="Consolas" panose="020B0609020204030204" pitchFamily="49" charset="0"/>
+              </a:rPr>
+              <a:t>	</a:t>
+            </a:r>
+            <a:r>
+              <a:rPr lang="es-AR" dirty="0" err="1">
+                <a:solidFill>
+                  <a:srgbClr val="0000FF"/>
+                </a:solidFill>
+                <a:highlight>
+                  <a:srgbClr val="FFFFFF"/>
+                </a:highlight>
+                <a:latin typeface="Consolas" panose="020B0609020204030204" pitchFamily="49" charset="0"/>
+              </a:rPr>
+              <a:t>get</a:t>
             </a:r>
             <a:endParaRPr lang="es-AR" dirty="0">
               <a:solidFill>
@@ -10681,7 +10588,36 @@
               <a:defRPr/>
             </a:pPr>
             <a:r>
-              <a:rPr lang="es-AR" dirty="0" smtClean="0">
+              <a:rPr lang="es-AR" dirty="0">
+                <a:solidFill>
+                  <a:srgbClr val="000000"/>
+                </a:solidFill>
+                <a:highlight>
+                  <a:srgbClr val="FFFFFF"/>
+                </a:highlight>
+                <a:latin typeface="Consolas" panose="020B0609020204030204" pitchFamily="49" charset="0"/>
+              </a:rPr>
+              <a:t>	{</a:t>
+            </a:r>
+          </a:p>
+          <a:p>
+            <a:pPr>
+              <a:defRPr/>
+            </a:pPr>
+            <a:r>
+              <a:rPr lang="es-AR" dirty="0">
+                <a:solidFill>
+                  <a:srgbClr val="000000"/>
+                </a:solidFill>
+                <a:highlight>
+                  <a:srgbClr val="FFFFFF"/>
+                </a:highlight>
+                <a:latin typeface="Consolas" panose="020B0609020204030204" pitchFamily="49" charset="0"/>
+              </a:rPr>
+              <a:t>    	</a:t>
+            </a:r>
+            <a:r>
+              <a:rPr lang="es-AR" dirty="0" err="1">
                 <a:solidFill>
                   <a:srgbClr val="0000FF"/>
                 </a:solidFill>
@@ -10690,10 +10626,80 @@
                 </a:highlight>
                 <a:latin typeface="Consolas" panose="020B0609020204030204" pitchFamily="49" charset="0"/>
               </a:rPr>
-              <a:t>	</a:t>
-            </a:r>
-            <a:r>
-              <a:rPr lang="es-AR" dirty="0" err="1" smtClean="0">
+              <a:t>return</a:t>
+            </a:r>
+            <a:r>
+              <a:rPr lang="es-AR" dirty="0">
+                <a:solidFill>
+                  <a:srgbClr val="000000"/>
+                </a:solidFill>
+                <a:highlight>
+                  <a:srgbClr val="FFFFFF"/>
+                </a:highlight>
+                <a:latin typeface="Consolas" panose="020B0609020204030204" pitchFamily="49" charset="0"/>
+              </a:rPr>
+              <a:t> </a:t>
+            </a:r>
+            <a:r>
+              <a:rPr lang="es-AR" dirty="0" err="1">
+                <a:solidFill>
+                  <a:srgbClr val="000000"/>
+                </a:solidFill>
+                <a:highlight>
+                  <a:srgbClr val="FFFFFF"/>
+                </a:highlight>
+                <a:latin typeface="Consolas" panose="020B0609020204030204" pitchFamily="49" charset="0"/>
+              </a:rPr>
+              <a:t>totalGoles</a:t>
+            </a:r>
+            <a:r>
+              <a:rPr lang="es-AR" dirty="0">
+                <a:solidFill>
+                  <a:srgbClr val="000000"/>
+                </a:solidFill>
+                <a:highlight>
+                  <a:srgbClr val="FFFFFF"/>
+                </a:highlight>
+                <a:latin typeface="Consolas" panose="020B0609020204030204" pitchFamily="49" charset="0"/>
+              </a:rPr>
+              <a:t>;</a:t>
+            </a:r>
+          </a:p>
+          <a:p>
+            <a:pPr>
+              <a:defRPr/>
+            </a:pPr>
+            <a:r>
+              <a:rPr lang="es-AR" dirty="0">
+                <a:solidFill>
+                  <a:srgbClr val="000000"/>
+                </a:solidFill>
+                <a:highlight>
+                  <a:srgbClr val="FFFFFF"/>
+                </a:highlight>
+                <a:latin typeface="Consolas" panose="020B0609020204030204" pitchFamily="49" charset="0"/>
+              </a:rPr>
+              <a:t>    }</a:t>
+            </a:r>
+          </a:p>
+          <a:p>
+            <a:pPr>
+              <a:defRPr/>
+            </a:pPr>
+            <a:r>
+              <a:rPr lang="es-AR" dirty="0">
+                <a:solidFill>
+                  <a:srgbClr val="000000"/>
+                </a:solidFill>
+                <a:highlight>
+                  <a:srgbClr val="FFFFFF"/>
+                </a:highlight>
+                <a:latin typeface="Consolas" panose="020B0609020204030204" pitchFamily="49" charset="0"/>
+              </a:rPr>
+              <a:t>    </a:t>
+            </a:r>
+            <a:r>
+              <a:rPr lang="es-AR" dirty="0">
                 <a:solidFill>
                   <a:srgbClr val="0000FF"/>
                 </a:solidFill>
@@ -10702,7 +10708,7 @@
                 </a:highlight>
                 <a:latin typeface="Consolas" panose="020B0609020204030204" pitchFamily="49" charset="0"/>
               </a:rPr>
-              <a:t>get</a:t>
+              <a:t>set</a:t>
             </a:r>
             <a:endParaRPr lang="es-AR" dirty="0">
               <a:solidFill>
@@ -10719,7 +10725,7 @@
               <a:defRPr/>
             </a:pPr>
             <a:r>
-              <a:rPr lang="es-AR" dirty="0" smtClean="0">
+              <a:rPr lang="es-AR" dirty="0">
                 <a:solidFill>
                   <a:srgbClr val="000000"/>
                 </a:solidFill>
@@ -10728,17 +10734,8 @@
                 </a:highlight>
                 <a:latin typeface="Consolas" panose="020B0609020204030204" pitchFamily="49" charset="0"/>
               </a:rPr>
-              <a:t>	{</a:t>
-            </a:r>
-            <a:endParaRPr lang="es-AR" dirty="0">
-              <a:solidFill>
-                <a:srgbClr val="000000"/>
-              </a:solidFill>
-              <a:highlight>
-                <a:srgbClr val="FFFFFF"/>
-              </a:highlight>
-              <a:latin typeface="Consolas" panose="020B0609020204030204" pitchFamily="49" charset="0"/>
-            </a:endParaRPr>
+              <a:t>    {</a:t>
+            </a:r>
           </a:p>
           <a:p>
             <a:pPr>
@@ -10754,10 +10751,22 @@
                 </a:highlight>
                 <a:latin typeface="Consolas" panose="020B0609020204030204" pitchFamily="49" charset="0"/>
               </a:rPr>
-              <a:t>    </a:t>
-            </a:r>
-            <a:r>
-              <a:rPr lang="es-AR" dirty="0" smtClean="0">
+              <a:t>    	</a:t>
+            </a:r>
+            <a:r>
+              <a:rPr lang="es-AR" dirty="0" err="1">
+                <a:solidFill>
+                  <a:srgbClr val="0000FF"/>
+                </a:solidFill>
+                <a:highlight>
+                  <a:srgbClr val="FFFFFF"/>
+                </a:highlight>
+                <a:latin typeface="Consolas" panose="020B0609020204030204" pitchFamily="49" charset="0"/>
+              </a:rPr>
+              <a:t>this</a:t>
+            </a:r>
+            <a:r>
+              <a:rPr lang="es-AR" dirty="0" err="1">
                 <a:solidFill>
                   <a:srgbClr val="000000"/>
                 </a:solidFill>
@@ -10766,10 +10775,22 @@
                 </a:highlight>
                 <a:latin typeface="Consolas" panose="020B0609020204030204" pitchFamily="49" charset="0"/>
               </a:rPr>
-              <a:t>	</a:t>
-            </a:r>
-            <a:r>
-              <a:rPr lang="es-AR" dirty="0" err="1" smtClean="0">
+              <a:t>.totalGoles</a:t>
+            </a:r>
+            <a:r>
+              <a:rPr lang="es-AR" dirty="0">
+                <a:solidFill>
+                  <a:srgbClr val="000000"/>
+                </a:solidFill>
+                <a:highlight>
+                  <a:srgbClr val="FFFFFF"/>
+                </a:highlight>
+                <a:latin typeface="Consolas" panose="020B0609020204030204" pitchFamily="49" charset="0"/>
+              </a:rPr>
+              <a:t> = </a:t>
+            </a:r>
+            <a:r>
+              <a:rPr lang="es-AR" dirty="0" err="1">
                 <a:solidFill>
                   <a:srgbClr val="0000FF"/>
                 </a:solidFill>
@@ -10778,31 +10799,7 @@
                 </a:highlight>
                 <a:latin typeface="Consolas" panose="020B0609020204030204" pitchFamily="49" charset="0"/>
               </a:rPr>
-              <a:t>return</a:t>
-            </a:r>
-            <a:r>
-              <a:rPr lang="es-AR" dirty="0" smtClean="0">
-                <a:solidFill>
-                  <a:srgbClr val="000000"/>
-                </a:solidFill>
-                <a:highlight>
-                  <a:srgbClr val="FFFFFF"/>
-                </a:highlight>
-                <a:latin typeface="Consolas" panose="020B0609020204030204" pitchFamily="49" charset="0"/>
-              </a:rPr>
-              <a:t> </a:t>
-            </a:r>
-            <a:r>
-              <a:rPr lang="es-AR" dirty="0" err="1">
-                <a:solidFill>
-                  <a:srgbClr val="000000"/>
-                </a:solidFill>
-                <a:highlight>
-                  <a:srgbClr val="FFFFFF"/>
-                </a:highlight>
-                <a:latin typeface="Consolas" panose="020B0609020204030204" pitchFamily="49" charset="0"/>
-              </a:rPr>
-              <a:t>totalGoles</a:t>
+              <a:t>value</a:t>
             </a:r>
             <a:r>
               <a:rPr lang="es-AR" dirty="0">
@@ -10831,29 +10828,8 @@
                 </a:highlight>
                 <a:latin typeface="Consolas" panose="020B0609020204030204" pitchFamily="49" charset="0"/>
               </a:rPr>
-              <a:t>    </a:t>
-            </a:r>
-            <a:r>
-              <a:rPr lang="es-AR" dirty="0" smtClean="0">
-                <a:solidFill>
-                  <a:srgbClr val="000000"/>
-                </a:solidFill>
-                <a:highlight>
-                  <a:srgbClr val="FFFFFF"/>
-                </a:highlight>
-                <a:latin typeface="Consolas" panose="020B0609020204030204" pitchFamily="49" charset="0"/>
-              </a:rPr>
-              <a:t>}</a:t>
-            </a:r>
-            <a:endParaRPr lang="es-AR" dirty="0">
-              <a:solidFill>
-                <a:srgbClr val="000000"/>
-              </a:solidFill>
-              <a:highlight>
-                <a:srgbClr val="FFFFFF"/>
-              </a:highlight>
-              <a:latin typeface="Consolas" panose="020B0609020204030204" pitchFamily="49" charset="0"/>
-            </a:endParaRPr>
+              <a:t>    }</a:t>
+            </a:r>
           </a:p>
           <a:p>
             <a:pPr>
@@ -10861,221 +10837,6 @@
             </a:pPr>
             <a:r>
               <a:rPr lang="es-AR" dirty="0">
-                <a:solidFill>
-                  <a:srgbClr val="000000"/>
-                </a:solidFill>
-                <a:highlight>
-                  <a:srgbClr val="FFFFFF"/>
-                </a:highlight>
-                <a:latin typeface="Consolas" panose="020B0609020204030204" pitchFamily="49" charset="0"/>
-              </a:rPr>
-              <a:t>    </a:t>
-            </a:r>
-            <a:r>
-              <a:rPr lang="es-AR" dirty="0" smtClean="0">
-                <a:solidFill>
-                  <a:srgbClr val="0000FF"/>
-                </a:solidFill>
-                <a:highlight>
-                  <a:srgbClr val="FFFFFF"/>
-                </a:highlight>
-                <a:latin typeface="Consolas" panose="020B0609020204030204" pitchFamily="49" charset="0"/>
-              </a:rPr>
-              <a:t>set</a:t>
-            </a:r>
-            <a:endParaRPr lang="es-AR" dirty="0">
-              <a:solidFill>
-                <a:srgbClr val="000000"/>
-              </a:solidFill>
-              <a:highlight>
-                <a:srgbClr val="FFFFFF"/>
-              </a:highlight>
-              <a:latin typeface="Consolas" panose="020B0609020204030204" pitchFamily="49" charset="0"/>
-            </a:endParaRPr>
-          </a:p>
-          <a:p>
-            <a:pPr>
-              <a:defRPr/>
-            </a:pPr>
-            <a:r>
-              <a:rPr lang="es-AR" dirty="0">
-                <a:solidFill>
-                  <a:srgbClr val="000000"/>
-                </a:solidFill>
-                <a:highlight>
-                  <a:srgbClr val="FFFFFF"/>
-                </a:highlight>
-                <a:latin typeface="Consolas" panose="020B0609020204030204" pitchFamily="49" charset="0"/>
-              </a:rPr>
-              <a:t>    </a:t>
-            </a:r>
-            <a:r>
-              <a:rPr lang="es-AR" dirty="0" smtClean="0">
-                <a:solidFill>
-                  <a:srgbClr val="000000"/>
-                </a:solidFill>
-                <a:highlight>
-                  <a:srgbClr val="FFFFFF"/>
-                </a:highlight>
-                <a:latin typeface="Consolas" panose="020B0609020204030204" pitchFamily="49" charset="0"/>
-              </a:rPr>
-              <a:t>{</a:t>
-            </a:r>
-            <a:endParaRPr lang="es-AR" dirty="0">
-              <a:solidFill>
-                <a:srgbClr val="000000"/>
-              </a:solidFill>
-              <a:highlight>
-                <a:srgbClr val="FFFFFF"/>
-              </a:highlight>
-              <a:latin typeface="Consolas" panose="020B0609020204030204" pitchFamily="49" charset="0"/>
-            </a:endParaRPr>
-          </a:p>
-          <a:p>
-            <a:pPr>
-              <a:defRPr/>
-            </a:pPr>
-            <a:r>
-              <a:rPr lang="es-AR" dirty="0">
-                <a:solidFill>
-                  <a:srgbClr val="000000"/>
-                </a:solidFill>
-                <a:highlight>
-                  <a:srgbClr val="FFFFFF"/>
-                </a:highlight>
-                <a:latin typeface="Consolas" panose="020B0609020204030204" pitchFamily="49" charset="0"/>
-              </a:rPr>
-              <a:t>    </a:t>
-            </a:r>
-            <a:r>
-              <a:rPr lang="es-AR" dirty="0" smtClean="0">
-                <a:solidFill>
-                  <a:srgbClr val="000000"/>
-                </a:solidFill>
-                <a:highlight>
-                  <a:srgbClr val="FFFFFF"/>
-                </a:highlight>
-                <a:latin typeface="Consolas" panose="020B0609020204030204" pitchFamily="49" charset="0"/>
-              </a:rPr>
-              <a:t>	</a:t>
-            </a:r>
-            <a:r>
-              <a:rPr lang="es-AR" dirty="0" err="1" smtClean="0">
-                <a:solidFill>
-                  <a:srgbClr val="0000FF"/>
-                </a:solidFill>
-                <a:highlight>
-                  <a:srgbClr val="FFFFFF"/>
-                </a:highlight>
-                <a:latin typeface="Consolas" panose="020B0609020204030204" pitchFamily="49" charset="0"/>
-              </a:rPr>
-              <a:t>this</a:t>
-            </a:r>
-            <a:r>
-              <a:rPr lang="es-AR" dirty="0" err="1" smtClean="0">
-                <a:solidFill>
-                  <a:srgbClr val="000000"/>
-                </a:solidFill>
-                <a:highlight>
-                  <a:srgbClr val="FFFFFF"/>
-                </a:highlight>
-                <a:latin typeface="Consolas" panose="020B0609020204030204" pitchFamily="49" charset="0"/>
-              </a:rPr>
-              <a:t>.totalGoles</a:t>
-            </a:r>
-            <a:r>
-              <a:rPr lang="es-AR" dirty="0" smtClean="0">
-                <a:solidFill>
-                  <a:srgbClr val="000000"/>
-                </a:solidFill>
-                <a:highlight>
-                  <a:srgbClr val="FFFFFF"/>
-                </a:highlight>
-                <a:latin typeface="Consolas" panose="020B0609020204030204" pitchFamily="49" charset="0"/>
-              </a:rPr>
-              <a:t> </a:t>
-            </a:r>
-            <a:r>
-              <a:rPr lang="es-AR" dirty="0">
-                <a:solidFill>
-                  <a:srgbClr val="000000"/>
-                </a:solidFill>
-                <a:highlight>
-                  <a:srgbClr val="FFFFFF"/>
-                </a:highlight>
-                <a:latin typeface="Consolas" panose="020B0609020204030204" pitchFamily="49" charset="0"/>
-              </a:rPr>
-              <a:t>= </a:t>
-            </a:r>
-            <a:r>
-              <a:rPr lang="es-AR" dirty="0" err="1">
-                <a:solidFill>
-                  <a:srgbClr val="0000FF"/>
-                </a:solidFill>
-                <a:highlight>
-                  <a:srgbClr val="FFFFFF"/>
-                </a:highlight>
-                <a:latin typeface="Consolas" panose="020B0609020204030204" pitchFamily="49" charset="0"/>
-              </a:rPr>
-              <a:t>value</a:t>
-            </a:r>
-            <a:r>
-              <a:rPr lang="es-AR" dirty="0">
-                <a:solidFill>
-                  <a:srgbClr val="000000"/>
-                </a:solidFill>
-                <a:highlight>
-                  <a:srgbClr val="FFFFFF"/>
-                </a:highlight>
-                <a:latin typeface="Consolas" panose="020B0609020204030204" pitchFamily="49" charset="0"/>
-              </a:rPr>
-              <a:t>;</a:t>
-            </a:r>
-          </a:p>
-          <a:p>
-            <a:pPr>
-              <a:defRPr/>
-            </a:pPr>
-            <a:r>
-              <a:rPr lang="es-AR" dirty="0">
-                <a:solidFill>
-                  <a:srgbClr val="000000"/>
-                </a:solidFill>
-                <a:highlight>
-                  <a:srgbClr val="FFFFFF"/>
-                </a:highlight>
-                <a:latin typeface="Consolas" panose="020B0609020204030204" pitchFamily="49" charset="0"/>
-              </a:rPr>
-              <a:t>    </a:t>
-            </a:r>
-            <a:r>
-              <a:rPr lang="es-AR" dirty="0" smtClean="0">
-                <a:solidFill>
-                  <a:srgbClr val="000000"/>
-                </a:solidFill>
-                <a:highlight>
-                  <a:srgbClr val="FFFFFF"/>
-                </a:highlight>
-                <a:latin typeface="Consolas" panose="020B0609020204030204" pitchFamily="49" charset="0"/>
-              </a:rPr>
-              <a:t>}</a:t>
-            </a:r>
-            <a:endParaRPr lang="es-AR" dirty="0">
-              <a:solidFill>
-                <a:srgbClr val="000000"/>
-              </a:solidFill>
-              <a:highlight>
-                <a:srgbClr val="FFFFFF"/>
-              </a:highlight>
-              <a:latin typeface="Consolas" panose="020B0609020204030204" pitchFamily="49" charset="0"/>
-            </a:endParaRPr>
-          </a:p>
-          <a:p>
-            <a:pPr>
-              <a:defRPr/>
-            </a:pPr>
-            <a:r>
-              <a:rPr lang="es-AR" dirty="0" smtClean="0">
                 <a:solidFill>
                   <a:srgbClr val="000000"/>
                 </a:solidFill>
@@ -11100,13 +10861,6 @@
   <p:clrMapOvr>
     <a:masterClrMapping/>
   </p:clrMapOvr>
-  <p:timing>
-    <p:tnLst>
-      <p:par>
-        <p:cTn id="1" dur="indefinite" restart="never" nodeType="tmRoot"/>
-      </p:par>
-    </p:tnLst>
-  </p:timing>
 </p:sld>
 </file>
 
@@ -11334,7 +11088,7 @@
               <a:t>get</a:t>
             </a:r>
             <a:r>
-              <a:rPr lang="es-AR" dirty="0" smtClean="0">
+              <a:rPr lang="es-AR" dirty="0">
                 <a:effectLst>
                   <a:outerShdw blurRad="38100" dist="38100" dir="2700000" algn="tl">
                     <a:srgbClr val="000000">
@@ -11346,16 +11100,6 @@
               </a:rPr>
               <a:t>).</a:t>
             </a:r>
-            <a:endParaRPr lang="es-AR" dirty="0">
-              <a:effectLst>
-                <a:outerShdw blurRad="38100" dist="38100" dir="2700000" algn="tl">
-                  <a:srgbClr val="000000">
-                    <a:alpha val="43137"/>
-                  </a:srgbClr>
-                </a:outerShdw>
-              </a:effectLst>
-              <a:latin typeface="Franklin Gothic Medium" panose="020B0603020102020204" pitchFamily="34" charset="0"/>
-            </a:endParaRPr>
           </a:p>
         </p:txBody>
       </p:sp>
@@ -11369,13 +11113,6 @@
   <p:clrMapOvr>
     <a:masterClrMapping/>
   </p:clrMapOvr>
-  <p:timing>
-    <p:tnLst>
-      <p:par>
-        <p:cTn id="1" dur="indefinite" restart="never" nodeType="tmRoot"/>
-      </p:par>
-    </p:tnLst>
-  </p:timing>
 </p:sld>
 </file>
 
@@ -11534,7 +11271,7 @@
               <a:defRPr/>
             </a:pPr>
             <a:r>
-              <a:rPr lang="es-AR" dirty="0" err="1" smtClean="0">
+              <a:rPr lang="es-AR" dirty="0" err="1">
                 <a:solidFill>
                   <a:srgbClr val="0000FF"/>
                 </a:solidFill>
@@ -11546,7 +11283,7 @@
               <a:t>private</a:t>
             </a:r>
             <a:r>
-              <a:rPr lang="es-AR" dirty="0" smtClean="0">
+              <a:rPr lang="es-AR" dirty="0">
                 <a:solidFill>
                   <a:srgbClr val="000000"/>
                 </a:solidFill>
@@ -11628,7 +11365,7 @@
               <a:defRPr/>
             </a:pPr>
             <a:r>
-              <a:rPr lang="es-AR" dirty="0" err="1" smtClean="0">
+              <a:rPr lang="es-AR" dirty="0" err="1">
                 <a:solidFill>
                   <a:srgbClr val="0000FF"/>
                 </a:solidFill>
@@ -11640,7 +11377,7 @@
               <a:t>public</a:t>
             </a:r>
             <a:r>
-              <a:rPr lang="es-AR" dirty="0" smtClean="0">
+              <a:rPr lang="es-AR" dirty="0">
                 <a:solidFill>
                   <a:srgbClr val="000000"/>
                 </a:solidFill>
@@ -11702,7 +11439,7 @@
               <a:defRPr/>
             </a:pPr>
             <a:r>
-              <a:rPr lang="es-AR" dirty="0" smtClean="0">
+              <a:rPr lang="es-AR" dirty="0">
                 <a:solidFill>
                   <a:srgbClr val="000000"/>
                 </a:solidFill>
@@ -11712,6 +11449,35 @@
                 <a:latin typeface="Consolas" panose="020B0609020204030204" pitchFamily="49" charset="0"/>
               </a:rPr>
               <a:t>{</a:t>
+            </a:r>
+          </a:p>
+          <a:p>
+            <a:pPr>
+              <a:defRPr/>
+            </a:pPr>
+            <a:r>
+              <a:rPr lang="es-AR" dirty="0">
+                <a:solidFill>
+                  <a:srgbClr val="0000FF"/>
+                </a:solidFill>
+                <a:highlight>
+                  <a:srgbClr val="FFFFFF"/>
+                </a:highlight>
+                <a:latin typeface="Consolas" panose="020B0609020204030204" pitchFamily="49" charset="0"/>
+              </a:rPr>
+              <a:t>	</a:t>
+            </a:r>
+            <a:r>
+              <a:rPr lang="es-AR" dirty="0" err="1">
+                <a:solidFill>
+                  <a:srgbClr val="0000FF"/>
+                </a:solidFill>
+                <a:highlight>
+                  <a:srgbClr val="FFFFFF"/>
+                </a:highlight>
+                <a:latin typeface="Consolas" panose="020B0609020204030204" pitchFamily="49" charset="0"/>
+              </a:rPr>
+              <a:t>get</a:t>
             </a:r>
             <a:endParaRPr lang="es-AR" dirty="0">
               <a:solidFill>
@@ -11728,45 +11494,96 @@
               <a:defRPr/>
             </a:pPr>
             <a:r>
-              <a:rPr lang="es-AR" dirty="0" smtClean="0">
-                <a:solidFill>
-                  <a:srgbClr val="0000FF"/>
-                </a:solidFill>
-                <a:highlight>
-                  <a:srgbClr val="FFFFFF"/>
-                </a:highlight>
-                <a:latin typeface="Consolas" panose="020B0609020204030204" pitchFamily="49" charset="0"/>
-              </a:rPr>
-              <a:t>	</a:t>
-            </a:r>
-            <a:r>
-              <a:rPr lang="es-AR" dirty="0" err="1" smtClean="0">
-                <a:solidFill>
-                  <a:srgbClr val="0000FF"/>
-                </a:solidFill>
-                <a:highlight>
-                  <a:srgbClr val="FFFFFF"/>
-                </a:highlight>
-                <a:latin typeface="Consolas" panose="020B0609020204030204" pitchFamily="49" charset="0"/>
-              </a:rPr>
-              <a:t>get</a:t>
-            </a:r>
-            <a:endParaRPr lang="es-AR" dirty="0">
-              <a:solidFill>
-                <a:srgbClr val="000000"/>
-              </a:solidFill>
-              <a:highlight>
-                <a:srgbClr val="FFFFFF"/>
-              </a:highlight>
-              <a:latin typeface="Consolas" panose="020B0609020204030204" pitchFamily="49" charset="0"/>
-            </a:endParaRPr>
+              <a:rPr lang="es-AR" dirty="0">
+                <a:solidFill>
+                  <a:srgbClr val="000000"/>
+                </a:solidFill>
+                <a:highlight>
+                  <a:srgbClr val="FFFFFF"/>
+                </a:highlight>
+                <a:latin typeface="Consolas" panose="020B0609020204030204" pitchFamily="49" charset="0"/>
+              </a:rPr>
+              <a:t>	{</a:t>
+            </a:r>
           </a:p>
           <a:p>
             <a:pPr>
               <a:defRPr/>
             </a:pPr>
             <a:r>
-              <a:rPr lang="es-AR" dirty="0" smtClean="0">
+              <a:rPr lang="es-AR" dirty="0">
+                <a:solidFill>
+                  <a:srgbClr val="0000FF"/>
+                </a:solidFill>
+                <a:highlight>
+                  <a:srgbClr val="FFFFFF"/>
+                </a:highlight>
+                <a:latin typeface="Consolas" panose="020B0609020204030204" pitchFamily="49" charset="0"/>
+              </a:rPr>
+              <a:t>		</a:t>
+            </a:r>
+            <a:r>
+              <a:rPr lang="es-AR" dirty="0" err="1">
+                <a:solidFill>
+                  <a:srgbClr val="0000FF"/>
+                </a:solidFill>
+                <a:highlight>
+                  <a:srgbClr val="FFFFFF"/>
+                </a:highlight>
+                <a:latin typeface="Consolas" panose="020B0609020204030204" pitchFamily="49" charset="0"/>
+              </a:rPr>
+              <a:t>int</a:t>
+            </a:r>
+            <a:r>
+              <a:rPr lang="es-AR" dirty="0">
+                <a:solidFill>
+                  <a:srgbClr val="0000FF"/>
+                </a:solidFill>
+                <a:highlight>
+                  <a:srgbClr val="FFFFFF"/>
+                </a:highlight>
+                <a:latin typeface="Consolas" panose="020B0609020204030204" pitchFamily="49" charset="0"/>
+              </a:rPr>
+              <a:t> </a:t>
+            </a:r>
+            <a:r>
+              <a:rPr lang="es-AR" dirty="0" err="1">
+                <a:solidFill>
+                  <a:schemeClr val="bg2"/>
+                </a:solidFill>
+                <a:highlight>
+                  <a:srgbClr val="FFFFFF"/>
+                </a:highlight>
+                <a:latin typeface="Consolas" panose="020B0609020204030204" pitchFamily="49" charset="0"/>
+              </a:rPr>
+              <a:t>prom</a:t>
+            </a:r>
+            <a:r>
+              <a:rPr lang="es-AR" dirty="0">
+                <a:solidFill>
+                  <a:schemeClr val="bg2"/>
+                </a:solidFill>
+                <a:highlight>
+                  <a:srgbClr val="FFFFFF"/>
+                </a:highlight>
+                <a:latin typeface="Consolas" panose="020B0609020204030204" pitchFamily="49" charset="0"/>
+              </a:rPr>
+              <a:t> </a:t>
+            </a:r>
+            <a:r>
+              <a:rPr lang="es-AR" dirty="0">
+                <a:solidFill>
+                  <a:srgbClr val="0000FF"/>
+                </a:solidFill>
+                <a:highlight>
+                  <a:srgbClr val="FFFFFF"/>
+                </a:highlight>
+                <a:latin typeface="Consolas" panose="020B0609020204030204" pitchFamily="49" charset="0"/>
+              </a:rPr>
+              <a:t>= </a:t>
+            </a:r>
+            <a:r>
+              <a:rPr lang="es-AR" dirty="0" err="1">
                 <a:solidFill>
                   <a:srgbClr val="000000"/>
                 </a:solidFill>
@@ -11775,24 +11592,51 @@
                 </a:highlight>
                 <a:latin typeface="Consolas" panose="020B0609020204030204" pitchFamily="49" charset="0"/>
               </a:rPr>
-              <a:t>	{</a:t>
-            </a:r>
-            <a:endParaRPr lang="es-AR" dirty="0">
-              <a:solidFill>
-                <a:srgbClr val="000000"/>
-              </a:solidFill>
-              <a:highlight>
-                <a:srgbClr val="FFFFFF"/>
-              </a:highlight>
-              <a:latin typeface="Consolas" panose="020B0609020204030204" pitchFamily="49" charset="0"/>
-            </a:endParaRPr>
+              <a:t>totalGoles</a:t>
+            </a:r>
+            <a:r>
+              <a:rPr lang="es-AR" dirty="0">
+                <a:solidFill>
+                  <a:srgbClr val="000000"/>
+                </a:solidFill>
+                <a:highlight>
+                  <a:srgbClr val="FFFFFF"/>
+                </a:highlight>
+                <a:latin typeface="Consolas" panose="020B0609020204030204" pitchFamily="49" charset="0"/>
+              </a:rPr>
+              <a:t> / </a:t>
+            </a:r>
+            <a:r>
+              <a:rPr lang="es-AR" dirty="0" err="1">
+                <a:solidFill>
+                  <a:srgbClr val="000000"/>
+                </a:solidFill>
+                <a:highlight>
+                  <a:srgbClr val="FFFFFF"/>
+                </a:highlight>
+                <a:latin typeface="Consolas" panose="020B0609020204030204" pitchFamily="49" charset="0"/>
+              </a:rPr>
+              <a:t>totalPartidos</a:t>
+            </a:r>
+            <a:r>
+              <a:rPr lang="es-AR" dirty="0">
+                <a:solidFill>
+                  <a:srgbClr val="000000"/>
+                </a:solidFill>
+                <a:highlight>
+                  <a:srgbClr val="FFFFFF"/>
+                </a:highlight>
+                <a:latin typeface="Consolas" panose="020B0609020204030204" pitchFamily="49" charset="0"/>
+              </a:rPr>
+              <a:t>;</a:t>
+            </a:r>
           </a:p>
           <a:p>
             <a:pPr>
               <a:defRPr/>
             </a:pPr>
             <a:r>
-              <a:rPr lang="es-AR" dirty="0" smtClean="0">
+              <a:rPr lang="es-AR" dirty="0">
                 <a:solidFill>
                   <a:srgbClr val="0000FF"/>
                 </a:solidFill>
@@ -11804,7 +11648,7 @@
               <a:t>		</a:t>
             </a:r>
             <a:r>
-              <a:rPr lang="es-AR" dirty="0" err="1" smtClean="0">
+              <a:rPr lang="es-AR" dirty="0" err="1">
                 <a:solidFill>
                   <a:srgbClr val="0000FF"/>
                 </a:solidFill>
@@ -11813,12 +11657,12 @@
                 </a:highlight>
                 <a:latin typeface="Consolas" panose="020B0609020204030204" pitchFamily="49" charset="0"/>
               </a:rPr>
-              <a:t>int</a:t>
-            </a:r>
-            <a:r>
-              <a:rPr lang="es-AR" dirty="0" smtClean="0">
-                <a:solidFill>
-                  <a:srgbClr val="0000FF"/>
+              <a:t>return</a:t>
+            </a:r>
+            <a:r>
+              <a:rPr lang="es-AR" dirty="0">
+                <a:solidFill>
+                  <a:srgbClr val="000000"/>
                 </a:solidFill>
                 <a:highlight>
                   <a:srgbClr val="FFFFFF"/>
@@ -11838,66 +11682,6 @@
                 <a:latin typeface="Consolas" panose="020B0609020204030204" pitchFamily="49" charset="0"/>
               </a:rPr>
               <a:t>prom</a:t>
-            </a:r>
-            <a:r>
-              <a:rPr lang="es-AR" dirty="0">
-                <a:solidFill>
-                  <a:schemeClr val="bg2"/>
-                </a:solidFill>
-                <a:highlight>
-                  <a:srgbClr val="FFFFFF"/>
-                </a:highlight>
-                <a:latin typeface="Consolas" panose="020B0609020204030204" pitchFamily="49" charset="0"/>
-              </a:rPr>
-              <a:t> </a:t>
-            </a:r>
-            <a:r>
-              <a:rPr lang="es-AR" dirty="0">
-                <a:solidFill>
-                  <a:srgbClr val="0000FF"/>
-                </a:solidFill>
-                <a:highlight>
-                  <a:srgbClr val="FFFFFF"/>
-                </a:highlight>
-                <a:latin typeface="Consolas" panose="020B0609020204030204" pitchFamily="49" charset="0"/>
-              </a:rPr>
-              <a:t>= </a:t>
-            </a:r>
-            <a:r>
-              <a:rPr lang="es-AR" dirty="0" err="1">
-                <a:solidFill>
-                  <a:srgbClr val="000000"/>
-                </a:solidFill>
-                <a:highlight>
-                  <a:srgbClr val="FFFFFF"/>
-                </a:highlight>
-                <a:latin typeface="Consolas" panose="020B0609020204030204" pitchFamily="49" charset="0"/>
-              </a:rPr>
-              <a:t>totalGoles</a:t>
-            </a:r>
-            <a:r>
-              <a:rPr lang="es-AR" dirty="0">
-                <a:solidFill>
-                  <a:srgbClr val="000000"/>
-                </a:solidFill>
-                <a:highlight>
-                  <a:srgbClr val="FFFFFF"/>
-                </a:highlight>
-                <a:latin typeface="Consolas" panose="020B0609020204030204" pitchFamily="49" charset="0"/>
-              </a:rPr>
-              <a:t> / </a:t>
-            </a:r>
-            <a:r>
-              <a:rPr lang="es-AR" dirty="0" err="1">
-                <a:solidFill>
-                  <a:srgbClr val="000000"/>
-                </a:solidFill>
-                <a:highlight>
-                  <a:srgbClr val="FFFFFF"/>
-                </a:highlight>
-                <a:latin typeface="Consolas" panose="020B0609020204030204" pitchFamily="49" charset="0"/>
-              </a:rPr>
-              <a:t>totalPartidos</a:t>
             </a:r>
             <a:r>
               <a:rPr lang="es-AR" dirty="0">
@@ -11917,31 +11701,7 @@
               <a:defRPr/>
             </a:pPr>
             <a:r>
-              <a:rPr lang="es-AR" dirty="0" smtClean="0">
-                <a:solidFill>
-                  <a:srgbClr val="0000FF"/>
-                </a:solidFill>
-                <a:highlight>
-                  <a:srgbClr val="FFFFFF"/>
-                </a:highlight>
-                <a:latin typeface="Consolas" panose="020B0609020204030204" pitchFamily="49" charset="0"/>
-              </a:rPr>
-              <a:t>		</a:t>
-            </a:r>
-            <a:r>
-              <a:rPr lang="es-AR" dirty="0" err="1" smtClean="0">
-                <a:solidFill>
-                  <a:srgbClr val="0000FF"/>
-                </a:solidFill>
-                <a:highlight>
-                  <a:srgbClr val="FFFFFF"/>
-                </a:highlight>
-                <a:latin typeface="Consolas" panose="020B0609020204030204" pitchFamily="49" charset="0"/>
-              </a:rPr>
-              <a:t>return</a:t>
-            </a:r>
-            <a:r>
-              <a:rPr lang="es-AR" dirty="0" smtClean="0">
+              <a:rPr lang="es-AR" dirty="0">
                 <a:solidFill>
                   <a:srgbClr val="000000"/>
                 </a:solidFill>
@@ -11950,31 +11710,7 @@
                 </a:highlight>
                 <a:latin typeface="Consolas" panose="020B0609020204030204" pitchFamily="49" charset="0"/>
               </a:rPr>
-              <a:t> </a:t>
-            </a:r>
-            <a:r>
-              <a:rPr lang="es-AR" dirty="0" err="1">
-                <a:solidFill>
-                  <a:schemeClr val="bg2"/>
-                </a:solidFill>
-                <a:highlight>
-                  <a:srgbClr val="FFFFFF"/>
-                </a:highlight>
-                <a:latin typeface="Consolas" panose="020B0609020204030204" pitchFamily="49" charset="0"/>
-              </a:rPr>
-              <a:t>prom</a:t>
-            </a:r>
-            <a:r>
-              <a:rPr lang="es-AR" dirty="0">
-                <a:solidFill>
-                  <a:srgbClr val="000000"/>
-                </a:solidFill>
-                <a:highlight>
-                  <a:srgbClr val="FFFFFF"/>
-                </a:highlight>
-                <a:latin typeface="Consolas" panose="020B0609020204030204" pitchFamily="49" charset="0"/>
-              </a:rPr>
-              <a:t>;</a:t>
+              <a:t>	}</a:t>
             </a:r>
           </a:p>
           <a:p>
@@ -11982,33 +11718,7 @@
               <a:defRPr/>
             </a:pPr>
             <a:r>
-              <a:rPr lang="es-AR" dirty="0" smtClean="0">
-                <a:solidFill>
-                  <a:srgbClr val="000000"/>
-                </a:solidFill>
-                <a:highlight>
-                  <a:srgbClr val="FFFFFF"/>
-                </a:highlight>
-                <a:latin typeface="Consolas" panose="020B0609020204030204" pitchFamily="49" charset="0"/>
-              </a:rPr>
-              <a:t>	}</a:t>
-            </a:r>
-            <a:endParaRPr lang="es-AR" dirty="0">
-              <a:solidFill>
-                <a:srgbClr val="000000"/>
-              </a:solidFill>
-              <a:highlight>
-                <a:srgbClr val="FFFFFF"/>
-              </a:highlight>
-              <a:latin typeface="Consolas" panose="020B0609020204030204" pitchFamily="49" charset="0"/>
-            </a:endParaRPr>
-          </a:p>
-          <a:p>
-            <a:pPr>
-              <a:defRPr/>
-            </a:pPr>
-            <a:r>
-              <a:rPr lang="es-AR" dirty="0" smtClean="0">
+              <a:rPr lang="es-AR" dirty="0">
                 <a:solidFill>
                   <a:srgbClr val="000000"/>
                 </a:solidFill>
@@ -12033,13 +11743,6 @@
   <p:clrMapOvr>
     <a:masterClrMapping/>
   </p:clrMapOvr>
-  <p:timing>
-    <p:tnLst>
-      <p:par>
-        <p:cTn id="1" dur="indefinite" restart="never" nodeType="tmRoot"/>
-      </p:par>
-    </p:tnLst>
-  </p:timing>
 </p:sld>
 </file>
 
@@ -12076,10 +11779,9 @@
           <a:lstStyle/>
           <a:p>
             <a:r>
-              <a:rPr lang="es-AR" dirty="0" smtClean="0"/>
+              <a:rPr lang="es-AR" dirty="0"/>
               <a:t>Indexadores</a:t>
             </a:r>
-            <a:endParaRPr lang="es-AR" dirty="0"/>
           </a:p>
         </p:txBody>
       </p:sp>
@@ -12268,31 +11970,8 @@
                 </a:effectLst>
                 <a:latin typeface="Franklin Gothic Medium" panose="020B0603020102020204" pitchFamily="34" charset="0"/>
               </a:rPr>
-              <a:t>No es necesario indexarlos sólo con un entero</a:t>
-            </a:r>
-            <a:r>
-              <a:rPr lang="es-AR" sz="2800" dirty="0" smtClean="0">
-                <a:effectLst>
-                  <a:outerShdw blurRad="38100" dist="38100" dir="2700000" algn="tl">
-                    <a:srgbClr val="000000">
-                      <a:alpha val="43137"/>
-                    </a:srgbClr>
-                  </a:outerShdw>
-                </a:effectLst>
-                <a:latin typeface="Franklin Gothic Medium" panose="020B0603020102020204" pitchFamily="34" charset="0"/>
-              </a:rPr>
-              <a:t>.</a:t>
-            </a:r>
-            <a:endParaRPr lang="es-AR" sz="2800" dirty="0">
-              <a:effectLst>
-                <a:outerShdw blurRad="38100" dist="38100" dir="2700000" algn="tl">
-                  <a:srgbClr val="000000">
-                    <a:alpha val="43137"/>
-                  </a:srgbClr>
-                </a:outerShdw>
-              </a:effectLst>
-              <a:latin typeface="Franklin Gothic Medium" panose="020B0603020102020204" pitchFamily="34" charset="0"/>
-            </a:endParaRPr>
+              <a:t>No es necesario indexarlos sólo con un entero.</a:t>
+            </a:r>
           </a:p>
         </p:txBody>
       </p:sp>
@@ -12306,13 +11985,6 @@
   <p:clrMapOvr>
     <a:masterClrMapping/>
   </p:clrMapOvr>
-  <p:timing>
-    <p:tnLst>
-      <p:par>
-        <p:cTn id="1" dur="indefinite" restart="never" nodeType="tmRoot"/>
-      </p:par>
-    </p:tnLst>
-  </p:timing>
 </p:sld>
 </file>
 
@@ -12349,8 +12021,8 @@
           <a:lstStyle/>
           <a:p>
             <a:r>
-              <a:rPr lang="es-AR" dirty="0" smtClean="0"/>
-              <a:t>Enumerados</a:t>
+              <a:rPr lang="es-AR"/>
+              <a:t>Indexadores</a:t>
             </a:r>
             <a:endParaRPr lang="es-AR" dirty="0"/>
           </a:p>
@@ -13196,13 +12868,6 @@
   <p:clrMapOvr>
     <a:masterClrMapping/>
   </p:clrMapOvr>
-  <p:timing>
-    <p:tnLst>
-      <p:par>
-        <p:cTn id="1" dur="indefinite" restart="never" nodeType="tmRoot"/>
-      </p:par>
-    </p:tnLst>
-  </p:timing>
 </p:sld>
 </file>
 
